--- a/lecture-4-functions/lecture4-functions.pptx
+++ b/lecture-4-functions/lecture4-functions.pptx
@@ -5,7 +5,7 @@
     <p:sldMasterId id="2147483648" r:id="rId1"/>
   </p:sldMasterIdLst>
   <p:notesMasterIdLst>
-    <p:notesMasterId r:id="rId88"/>
+    <p:notesMasterId r:id="rId89"/>
   </p:notesMasterIdLst>
   <p:sldIdLst>
     <p:sldId id="274" r:id="rId2"/>
@@ -45,26 +45,26 @@
     <p:sldId id="315" r:id="rId36"/>
     <p:sldId id="316" r:id="rId37"/>
     <p:sldId id="317" r:id="rId38"/>
-    <p:sldId id="318" r:id="rId39"/>
-    <p:sldId id="263" r:id="rId40"/>
-    <p:sldId id="264" r:id="rId41"/>
-    <p:sldId id="265" r:id="rId42"/>
-    <p:sldId id="266" r:id="rId43"/>
-    <p:sldId id="267" r:id="rId44"/>
-    <p:sldId id="268" r:id="rId45"/>
-    <p:sldId id="269" r:id="rId46"/>
-    <p:sldId id="270" r:id="rId47"/>
-    <p:sldId id="271" r:id="rId48"/>
-    <p:sldId id="272" r:id="rId49"/>
-    <p:sldId id="273" r:id="rId50"/>
-    <p:sldId id="282" r:id="rId51"/>
-    <p:sldId id="283" r:id="rId52"/>
-    <p:sldId id="284" r:id="rId53"/>
-    <p:sldId id="285" r:id="rId54"/>
-    <p:sldId id="286" r:id="rId55"/>
-    <p:sldId id="319" r:id="rId56"/>
-    <p:sldId id="320" r:id="rId57"/>
-    <p:sldId id="321" r:id="rId58"/>
+    <p:sldId id="351" r:id="rId39"/>
+    <p:sldId id="352" r:id="rId40"/>
+    <p:sldId id="318" r:id="rId41"/>
+    <p:sldId id="263" r:id="rId42"/>
+    <p:sldId id="264" r:id="rId43"/>
+    <p:sldId id="265" r:id="rId44"/>
+    <p:sldId id="266" r:id="rId45"/>
+    <p:sldId id="267" r:id="rId46"/>
+    <p:sldId id="268" r:id="rId47"/>
+    <p:sldId id="269" r:id="rId48"/>
+    <p:sldId id="270" r:id="rId49"/>
+    <p:sldId id="271" r:id="rId50"/>
+    <p:sldId id="272" r:id="rId51"/>
+    <p:sldId id="273" r:id="rId52"/>
+    <p:sldId id="282" r:id="rId53"/>
+    <p:sldId id="283" r:id="rId54"/>
+    <p:sldId id="284" r:id="rId55"/>
+    <p:sldId id="285" r:id="rId56"/>
+    <p:sldId id="286" r:id="rId57"/>
+    <p:sldId id="319" r:id="rId58"/>
     <p:sldId id="322" r:id="rId59"/>
     <p:sldId id="323" r:id="rId60"/>
     <p:sldId id="324" r:id="rId61"/>
@@ -94,6 +94,7 @@
     <p:sldId id="348" r:id="rId85"/>
     <p:sldId id="349" r:id="rId86"/>
     <p:sldId id="350" r:id="rId87"/>
+    <p:sldId id="353" r:id="rId88"/>
   </p:sldIdLst>
   <p:sldSz cx="12192000" cy="6858000"/>
   <p:notesSz cx="6858000" cy="9144000"/>
@@ -4214,7 +4215,7 @@
         </p:nvSpPr>
         <p:spPr>
           <a:xfrm>
-            <a:off x="2207568" y="2338050"/>
+            <a:off x="2208155" y="3822721"/>
             <a:ext cx="4714908" cy="1938992"/>
           </a:xfrm>
           <a:prstGeom prst="rect">
@@ -4324,7 +4325,7 @@
         </p:nvSpPr>
         <p:spPr>
           <a:xfrm>
-            <a:off x="2207568" y="980729"/>
+            <a:off x="2208155" y="2465400"/>
             <a:ext cx="7715304" cy="1200329"/>
           </a:xfrm>
           <a:prstGeom prst="rect">
@@ -4475,8 +4476,8 @@
         </p:nvSpPr>
         <p:spPr>
           <a:xfrm>
-            <a:off x="2166910" y="142852"/>
-            <a:ext cx="7772400" cy="528640"/>
+            <a:off x="1478652" y="359162"/>
+            <a:ext cx="9327000" cy="528640"/>
           </a:xfrm>
         </p:spPr>
         <p:txBody>
@@ -4487,18 +4488,32 @@
           <a:p>
             <a:pPr marL="609600" indent="-609600"/>
             <a:r>
-              <a:rPr lang="en-US" b="1" dirty="0">
-                <a:solidFill>
-                  <a:schemeClr val="accent1">
-                    <a:lumMod val="75000"/>
+              <a:rPr lang="en-US" dirty="0">
+                <a:solidFill>
+                  <a:schemeClr val="bg1">
+                    <a:lumMod val="65000"/>
                   </a:schemeClr>
                 </a:solidFill>
               </a:rPr>
-              <a:t>function</a:t>
+              <a:t>anonymous</a:t>
+            </a:r>
+            <a:r>
+              <a:rPr lang="en-US" i="1" dirty="0">
+                <a:solidFill>
+                  <a:schemeClr val="bg1">
+                    <a:lumMod val="65000"/>
+                  </a:schemeClr>
+                </a:solidFill>
+              </a:rPr>
+              <a:t> </a:t>
+            </a:r>
+            <a:r>
+              <a:rPr lang="en-US" b="1" dirty="0" smtClean="0"/>
+              <a:t>function </a:t>
             </a:r>
             <a:r>
               <a:rPr lang="en-US" b="1" dirty="0"/>
-              <a:t> expression</a:t>
+              <a:t>expression</a:t>
             </a:r>
           </a:p>
         </p:txBody>
@@ -14028,121 +14043,7 @@
           <a:p>
             <a:r>
               <a:rPr lang="en-US" b="1" dirty="0" smtClean="0"/>
-              <a:t>Borrowing methods </a:t>
-            </a:r>
-          </a:p>
-        </p:txBody>
-      </p:sp>
-      <p:sp>
-        <p:nvSpPr>
-          <p:cNvPr id="7" name="Rectangle 6"/>
-          <p:cNvSpPr/>
-          <p:nvPr/>
-        </p:nvSpPr>
-        <p:spPr>
-          <a:xfrm>
-            <a:off x="2166910" y="928671"/>
-            <a:ext cx="8143932" cy="954107"/>
-          </a:xfrm>
-          <a:prstGeom prst="rect">
-            <a:avLst/>
-          </a:prstGeom>
-        </p:spPr>
-        <p:txBody>
-          <a:bodyPr wrap="square">
-            <a:spAutoFit/>
-          </a:bodyPr>
-          <a:lstStyle/>
-          <a:p>
-            <a:r>
-              <a:rPr lang="en-US" sz="2800" b="1" dirty="0" err="1">
-                <a:solidFill>
-                  <a:schemeClr val="accent6">
-                    <a:lumMod val="75000"/>
-                  </a:schemeClr>
-                </a:solidFill>
-              </a:rPr>
-              <a:t>notmyobj</a:t>
-            </a:r>
-            <a:r>
-              <a:rPr lang="en-US" sz="2800" b="1" dirty="0" err="1"/>
-              <a:t>.</a:t>
-            </a:r>
-            <a:r>
-              <a:rPr lang="en-US" sz="2800" b="1" dirty="0" err="1">
-                <a:solidFill>
-                  <a:srgbClr val="0070C0"/>
-                </a:solidFill>
-              </a:rPr>
-              <a:t>doStuff</a:t>
-            </a:r>
-            <a:r>
-              <a:rPr lang="en-US" sz="2800" b="1" dirty="0" err="1"/>
-              <a:t>.call</a:t>
-            </a:r>
-            <a:r>
-              <a:rPr lang="en-US" sz="2800" b="1" dirty="0"/>
-              <a:t>(</a:t>
-            </a:r>
-            <a:r>
-              <a:rPr lang="en-US" sz="2800" b="1" dirty="0" err="1">
-                <a:solidFill>
-                  <a:schemeClr val="accent6">
-                    <a:lumMod val="75000"/>
-                  </a:schemeClr>
-                </a:solidFill>
-              </a:rPr>
-              <a:t>myobj</a:t>
-            </a:r>
-            <a:r>
-              <a:rPr lang="en-US" sz="2800" b="1" dirty="0"/>
-              <a:t>, param1, p2, p3);</a:t>
-            </a:r>
-          </a:p>
-          <a:p>
-            <a:r>
-              <a:rPr lang="en-US" sz="2800" b="1" dirty="0" err="1">
-                <a:solidFill>
-                  <a:schemeClr val="accent6">
-                    <a:lumMod val="75000"/>
-                  </a:schemeClr>
-                </a:solidFill>
-              </a:rPr>
-              <a:t>notmyobj</a:t>
-            </a:r>
-            <a:r>
-              <a:rPr lang="en-US" sz="2800" b="1" dirty="0" err="1"/>
-              <a:t>.</a:t>
-            </a:r>
-            <a:r>
-              <a:rPr lang="en-US" sz="2800" b="1" dirty="0" err="1">
-                <a:solidFill>
-                  <a:srgbClr val="0070C0"/>
-                </a:solidFill>
-              </a:rPr>
-              <a:t>doStuff</a:t>
-            </a:r>
-            <a:r>
-              <a:rPr lang="en-US" sz="2800" b="1" dirty="0" err="1"/>
-              <a:t>.apply</a:t>
-            </a:r>
-            <a:r>
-              <a:rPr lang="en-US" sz="2800" b="1" dirty="0"/>
-              <a:t>(</a:t>
-            </a:r>
-            <a:r>
-              <a:rPr lang="en-US" sz="2800" b="1" dirty="0" err="1">
-                <a:solidFill>
-                  <a:schemeClr val="accent6">
-                    <a:lumMod val="75000"/>
-                  </a:schemeClr>
-                </a:solidFill>
-              </a:rPr>
-              <a:t>myobj</a:t>
-            </a:r>
-            <a:r>
-              <a:rPr lang="en-US" sz="2800" b="1" dirty="0"/>
-              <a:t>, [param1, p2, p3]);</a:t>
+              <a:t>Arguments / apply</a:t>
             </a:r>
           </a:p>
         </p:txBody>
@@ -14155,8 +14056,8 @@
         </p:nvSpPr>
         <p:spPr>
           <a:xfrm>
-            <a:off x="2238348" y="2357430"/>
-            <a:ext cx="7215238" cy="2677656"/>
+            <a:off x="1919536" y="908721"/>
+            <a:ext cx="8352928" cy="1015663"/>
           </a:xfrm>
           <a:prstGeom prst="rect">
             <a:avLst/>
@@ -14183,67 +14084,43 @@
           <a:lstStyle/>
           <a:p>
             <a:r>
-              <a:rPr lang="en-US" sz="2800" b="1" dirty="0"/>
-              <a:t>function f() {</a:t>
-            </a:r>
-          </a:p>
-          <a:p>
-            <a:r>
-              <a:rPr lang="en-US" sz="2800" b="1" dirty="0"/>
-              <a:t>	</a:t>
-            </a:r>
-            <a:r>
-              <a:rPr lang="en-US" sz="2800" b="1" dirty="0" err="1"/>
+              <a:rPr lang="en-US" sz="2000" b="1" dirty="0" err="1"/>
               <a:t>var</a:t>
             </a:r>
             <a:r>
-              <a:rPr lang="en-US" sz="2800" b="1" dirty="0"/>
-              <a:t> </a:t>
-            </a:r>
-            <a:r>
-              <a:rPr lang="en-US" sz="2800" b="1" dirty="0" err="1"/>
-              <a:t>args</a:t>
-            </a:r>
-            <a:r>
-              <a:rPr lang="en-US" sz="2800" b="1" dirty="0"/>
-              <a:t> = [].</a:t>
-            </a:r>
-            <a:r>
-              <a:rPr lang="en-US" sz="2800" b="1" dirty="0" err="1"/>
-              <a:t>slice.call</a:t>
-            </a:r>
-            <a:r>
-              <a:rPr lang="en-US" sz="2800" b="1" dirty="0"/>
-              <a:t>(arguments, 1, 3);</a:t>
-            </a:r>
-          </a:p>
-          <a:p>
-            <a:r>
-              <a:rPr lang="en-US" sz="2800" b="1" dirty="0"/>
-              <a:t>	return </a:t>
-            </a:r>
-            <a:r>
-              <a:rPr lang="en-US" sz="2800" b="1" dirty="0" err="1"/>
-              <a:t>args</a:t>
-            </a:r>
-            <a:r>
-              <a:rPr lang="en-US" sz="2800" b="1" dirty="0"/>
-              <a:t>;</a:t>
-            </a:r>
-          </a:p>
-          <a:p>
-            <a:r>
-              <a:rPr lang="en-US" sz="2800" b="1" dirty="0"/>
-              <a:t>}</a:t>
-            </a:r>
-          </a:p>
-          <a:p>
-            <a:endParaRPr lang="en-US" sz="2800" b="1" dirty="0"/>
-          </a:p>
-          <a:p>
-            <a:r>
-              <a:rPr lang="en-US" sz="2800" b="1" dirty="0"/>
-              <a:t>f(1,2,3,4,5,6); // [2, 3]</a:t>
+              <a:rPr lang="en-US" sz="2000" b="1" dirty="0"/>
+              <a:t> array = [1,2,368,10,45];</a:t>
+            </a:r>
+          </a:p>
+          <a:p>
+            <a:endParaRPr lang="en-US" sz="2000" b="1" dirty="0"/>
+          </a:p>
+          <a:p>
+            <a:r>
+              <a:rPr lang="en-US" sz="2000" b="1" dirty="0" err="1"/>
+              <a:t>Math.max.apply</a:t>
+            </a:r>
+            <a:r>
+              <a:rPr lang="en-US" sz="2000" b="1" dirty="0"/>
+              <a:t>(</a:t>
+            </a:r>
+            <a:r>
+              <a:rPr lang="en-US" sz="2000" b="1" dirty="0" err="1"/>
+              <a:t>Math,array</a:t>
+            </a:r>
+            <a:r>
+              <a:rPr lang="en-US" sz="2000" b="1" dirty="0"/>
+              <a:t>); </a:t>
+            </a:r>
+            <a:r>
+              <a:rPr lang="en-US" sz="2000" b="1" dirty="0">
+                <a:solidFill>
+                  <a:schemeClr val="bg1">
+                    <a:lumMod val="50000"/>
+                  </a:schemeClr>
+                </a:solidFill>
+              </a:rPr>
+              <a:t>//368</a:t>
             </a:r>
           </a:p>
         </p:txBody>
@@ -14251,7 +14128,7 @@
     </p:spTree>
     <p:extLst>
       <p:ext uri="{BB962C8B-B14F-4D97-AF65-F5344CB8AC3E}">
-        <p14:creationId xmlns:p14="http://schemas.microsoft.com/office/powerpoint/2010/main" val="3091019640"/>
+        <p14:creationId xmlns:p14="http://schemas.microsoft.com/office/powerpoint/2010/main" val="1779149880"/>
       </p:ext>
     </p:extLst>
   </p:cSld>
@@ -14288,18 +14165,18 @@
       </p:grpSpPr>
       <p:sp>
         <p:nvSpPr>
-          <p:cNvPr id="2" name="Title 1"/>
+          <p:cNvPr id="2" name="Заголовок 1"/>
           <p:cNvSpPr>
             <a:spLocks noGrp="1"/>
           </p:cNvSpPr>
           <p:nvPr>
-            <p:ph type="title"/>
+            <p:ph type="ctrTitle"/>
           </p:nvPr>
         </p:nvSpPr>
         <p:spPr>
           <a:xfrm>
-            <a:off x="1847528" y="2924944"/>
-            <a:ext cx="8229600" cy="1143000"/>
+            <a:off x="2166910" y="142852"/>
+            <a:ext cx="7772400" cy="528640"/>
           </a:xfrm>
         </p:spPr>
         <p:txBody>
@@ -14310,25 +14187,170 @@
           <a:p>
             <a:r>
               <a:rPr lang="en-US" b="1" dirty="0"/>
-              <a:t>Immediately-Invoked Function Expression (IIFE)</a:t>
+              <a:t>Solid type-checking function</a:t>
+            </a:r>
+            <a:r>
+              <a:rPr lang="en-US" dirty="0"/>
+              <a:t> </a:t>
+            </a:r>
+            <a:endParaRPr lang="en-US" b="1" dirty="0" smtClean="0"/>
+          </a:p>
+        </p:txBody>
+      </p:sp>
+      <p:sp>
+        <p:nvSpPr>
+          <p:cNvPr id="5" name="Rectangle 5"/>
+          <p:cNvSpPr/>
+          <p:nvPr/>
+        </p:nvSpPr>
+        <p:spPr>
+          <a:xfrm>
+            <a:off x="1919536" y="908721"/>
+            <a:ext cx="8352928" cy="3170099"/>
+          </a:xfrm>
+          <a:prstGeom prst="rect">
+            <a:avLst/>
+          </a:prstGeom>
+        </p:spPr>
+        <p:style>
+          <a:lnRef idx="1">
+            <a:schemeClr val="dk1"/>
+          </a:lnRef>
+          <a:fillRef idx="1001">
+            <a:schemeClr val="lt2"/>
+          </a:fillRef>
+          <a:effectRef idx="1">
+            <a:schemeClr val="dk1"/>
+          </a:effectRef>
+          <a:fontRef idx="minor">
+            <a:schemeClr val="dk1"/>
+          </a:fontRef>
+        </p:style>
+        <p:txBody>
+          <a:bodyPr wrap="square">
+            <a:spAutoFit/>
+          </a:bodyPr>
+          <a:lstStyle/>
+          <a:p>
+            <a:r>
+              <a:rPr lang="en-US" sz="2000" b="1" dirty="0"/>
+              <a:t>function type(v) {</a:t>
             </a:r>
             <a:br>
-              <a:rPr lang="en-US" b="1" dirty="0"/>
+              <a:rPr lang="en-US" sz="2000" b="1" dirty="0"/>
             </a:br>
-            <a:endParaRPr lang="en-US" dirty="0"/>
+            <a:r>
+              <a:rPr lang="en-US" sz="2000" b="1" dirty="0"/>
+              <a:t>	if (v === null) { return 'null'; }</a:t>
+            </a:r>
+            <a:br>
+              <a:rPr lang="en-US" sz="2000" b="1" dirty="0"/>
+            </a:br>
+            <a:r>
+              <a:rPr lang="en-US" sz="2000" b="1" dirty="0"/>
+              <a:t>	if (</a:t>
+            </a:r>
+            <a:r>
+              <a:rPr lang="en-US" sz="2000" b="1" dirty="0" err="1"/>
+              <a:t>typeof</a:t>
+            </a:r>
+            <a:r>
+              <a:rPr lang="en-US" sz="2000" b="1" dirty="0"/>
+              <a:t> v </a:t>
+            </a:r>
+            <a:r>
+              <a:rPr lang="en-US" sz="2000" b="1"/>
+              <a:t>=== undefined) </a:t>
+            </a:r>
+            <a:r>
+              <a:rPr lang="en-US" sz="2000" b="1" dirty="0"/>
+              <a:t>{ return 'undefined'; }</a:t>
+            </a:r>
+            <a:br>
+              <a:rPr lang="en-US" sz="2000" b="1" dirty="0"/>
+            </a:br>
+            <a:r>
+              <a:rPr lang="en-US" sz="2000" b="1" dirty="0"/>
+              <a:t>	return </a:t>
+            </a:r>
+            <a:r>
+              <a:rPr lang="en-US" sz="2000" b="1" dirty="0" err="1"/>
+              <a:t>Object.prototype.toString.call</a:t>
+            </a:r>
+            <a:r>
+              <a:rPr lang="en-US" sz="2000" b="1" dirty="0"/>
+              <a:t>(v). slice(8, -1).</a:t>
+            </a:r>
+            <a:r>
+              <a:rPr lang="en-US" sz="2000" b="1" dirty="0" err="1"/>
+              <a:t>toLowerCase</a:t>
+            </a:r>
+            <a:r>
+              <a:rPr lang="en-US" sz="2000" b="1" dirty="0"/>
+              <a:t>();</a:t>
+            </a:r>
+            <a:br>
+              <a:rPr lang="en-US" sz="2000" b="1" dirty="0"/>
+            </a:br>
+            <a:r>
+              <a:rPr lang="en-US" sz="2000" b="1" dirty="0"/>
+              <a:t>}</a:t>
+            </a:r>
+          </a:p>
+          <a:p>
+            <a:r>
+              <a:rPr lang="en-US" sz="2000" b="1" dirty="0"/>
+              <a:t/>
+            </a:r>
+            <a:br>
+              <a:rPr lang="en-US" sz="2000" b="1" dirty="0"/>
+            </a:br>
+            <a:r>
+              <a:rPr lang="en-US" sz="2000" b="1" dirty="0"/>
+              <a:t>type({}); // 'object'</a:t>
+            </a:r>
+            <a:br>
+              <a:rPr lang="en-US" sz="2000" b="1" dirty="0"/>
+            </a:br>
+            <a:r>
+              <a:rPr lang="en-US" sz="2000" b="1" dirty="0"/>
+              <a:t>type([]); // 'array'</a:t>
+            </a:r>
+            <a:br>
+              <a:rPr lang="en-US" sz="2000" b="1" dirty="0"/>
+            </a:br>
+            <a:r>
+              <a:rPr lang="en-US" sz="2000" b="1" dirty="0"/>
+              <a:t>type(333); // 'number' </a:t>
+            </a:r>
+          </a:p>
+          <a:p>
+            <a:r>
+              <a:rPr lang="en-US" sz="2000" b="1" dirty="0"/>
+              <a:t>type(new String(“</a:t>
+            </a:r>
+            <a:r>
+              <a:rPr lang="en-US" sz="2000" b="1" dirty="0" err="1"/>
+              <a:t>str</a:t>
+            </a:r>
+            <a:r>
+              <a:rPr lang="en-US" sz="2000" b="1" dirty="0"/>
+              <a:t>”)); //’string’</a:t>
+            </a:r>
           </a:p>
         </p:txBody>
       </p:sp>
     </p:spTree>
     <p:extLst>
       <p:ext uri="{BB962C8B-B14F-4D97-AF65-F5344CB8AC3E}">
-        <p14:creationId xmlns:p14="http://schemas.microsoft.com/office/powerpoint/2010/main" val="2143045296"/>
+        <p14:creationId xmlns:p14="http://schemas.microsoft.com/office/powerpoint/2010/main" val="459753534"/>
       </p:ext>
     </p:extLst>
   </p:cSld>
   <p:clrMapOvr>
     <a:masterClrMapping/>
   </p:clrMapOvr>
+  <p:transition/>
   <p:timing>
     <p:tnLst>
       <p:par>
@@ -14405,6 +14427,358 @@
 </file>
 
 <file path=ppt/slides/slide40.xml><?xml version="1.0" encoding="utf-8"?>
+<p:sld xmlns:a="http://schemas.openxmlformats.org/drawingml/2006/main" xmlns:r="http://schemas.openxmlformats.org/officeDocument/2006/relationships" xmlns:p="http://schemas.openxmlformats.org/presentationml/2006/main">
+  <p:cSld>
+    <p:spTree>
+      <p:nvGrpSpPr>
+        <p:cNvPr id="1" name=""/>
+        <p:cNvGrpSpPr/>
+        <p:nvPr/>
+      </p:nvGrpSpPr>
+      <p:grpSpPr>
+        <a:xfrm>
+          <a:off x="0" y="0"/>
+          <a:ext cx="0" cy="0"/>
+          <a:chOff x="0" y="0"/>
+          <a:chExt cx="0" cy="0"/>
+        </a:xfrm>
+      </p:grpSpPr>
+      <p:sp>
+        <p:nvSpPr>
+          <p:cNvPr id="2" name="Заголовок 1"/>
+          <p:cNvSpPr>
+            <a:spLocks noGrp="1"/>
+          </p:cNvSpPr>
+          <p:nvPr>
+            <p:ph type="ctrTitle"/>
+          </p:nvPr>
+        </p:nvSpPr>
+        <p:spPr>
+          <a:xfrm>
+            <a:off x="2166910" y="142852"/>
+            <a:ext cx="7772400" cy="528640"/>
+          </a:xfrm>
+        </p:spPr>
+        <p:txBody>
+          <a:bodyPr>
+            <a:normAutofit fontScale="90000"/>
+          </a:bodyPr>
+          <a:lstStyle/>
+          <a:p>
+            <a:r>
+              <a:rPr lang="en-US" b="1" dirty="0" smtClean="0"/>
+              <a:t>Borrowing methods </a:t>
+            </a:r>
+          </a:p>
+        </p:txBody>
+      </p:sp>
+      <p:sp>
+        <p:nvSpPr>
+          <p:cNvPr id="7" name="Rectangle 6"/>
+          <p:cNvSpPr/>
+          <p:nvPr/>
+        </p:nvSpPr>
+        <p:spPr>
+          <a:xfrm>
+            <a:off x="2166910" y="928671"/>
+            <a:ext cx="8143932" cy="954107"/>
+          </a:xfrm>
+          <a:prstGeom prst="rect">
+            <a:avLst/>
+          </a:prstGeom>
+        </p:spPr>
+        <p:txBody>
+          <a:bodyPr wrap="square">
+            <a:spAutoFit/>
+          </a:bodyPr>
+          <a:lstStyle/>
+          <a:p>
+            <a:r>
+              <a:rPr lang="en-US" sz="2800" b="1" dirty="0" err="1">
+                <a:solidFill>
+                  <a:schemeClr val="accent6">
+                    <a:lumMod val="75000"/>
+                  </a:schemeClr>
+                </a:solidFill>
+              </a:rPr>
+              <a:t>notmyobj</a:t>
+            </a:r>
+            <a:r>
+              <a:rPr lang="en-US" sz="2800" b="1" dirty="0" err="1"/>
+              <a:t>.</a:t>
+            </a:r>
+            <a:r>
+              <a:rPr lang="en-US" sz="2800" b="1" dirty="0" err="1">
+                <a:solidFill>
+                  <a:srgbClr val="0070C0"/>
+                </a:solidFill>
+              </a:rPr>
+              <a:t>doStuff</a:t>
+            </a:r>
+            <a:r>
+              <a:rPr lang="en-US" sz="2800" b="1" dirty="0" err="1"/>
+              <a:t>.call</a:t>
+            </a:r>
+            <a:r>
+              <a:rPr lang="en-US" sz="2800" b="1" dirty="0"/>
+              <a:t>(</a:t>
+            </a:r>
+            <a:r>
+              <a:rPr lang="en-US" sz="2800" b="1" dirty="0" err="1">
+                <a:solidFill>
+                  <a:schemeClr val="accent6">
+                    <a:lumMod val="75000"/>
+                  </a:schemeClr>
+                </a:solidFill>
+              </a:rPr>
+              <a:t>myobj</a:t>
+            </a:r>
+            <a:r>
+              <a:rPr lang="en-US" sz="2800" b="1" dirty="0"/>
+              <a:t>, param1, p2, p3);</a:t>
+            </a:r>
+          </a:p>
+          <a:p>
+            <a:r>
+              <a:rPr lang="en-US" sz="2800" b="1" dirty="0" err="1">
+                <a:solidFill>
+                  <a:schemeClr val="accent6">
+                    <a:lumMod val="75000"/>
+                  </a:schemeClr>
+                </a:solidFill>
+              </a:rPr>
+              <a:t>notmyobj</a:t>
+            </a:r>
+            <a:r>
+              <a:rPr lang="en-US" sz="2800" b="1" dirty="0" err="1"/>
+              <a:t>.</a:t>
+            </a:r>
+            <a:r>
+              <a:rPr lang="en-US" sz="2800" b="1" dirty="0" err="1">
+                <a:solidFill>
+                  <a:srgbClr val="0070C0"/>
+                </a:solidFill>
+              </a:rPr>
+              <a:t>doStuff</a:t>
+            </a:r>
+            <a:r>
+              <a:rPr lang="en-US" sz="2800" b="1" dirty="0" err="1"/>
+              <a:t>.apply</a:t>
+            </a:r>
+            <a:r>
+              <a:rPr lang="en-US" sz="2800" b="1" dirty="0"/>
+              <a:t>(</a:t>
+            </a:r>
+            <a:r>
+              <a:rPr lang="en-US" sz="2800" b="1" dirty="0" err="1">
+                <a:solidFill>
+                  <a:schemeClr val="accent6">
+                    <a:lumMod val="75000"/>
+                  </a:schemeClr>
+                </a:solidFill>
+              </a:rPr>
+              <a:t>myobj</a:t>
+            </a:r>
+            <a:r>
+              <a:rPr lang="en-US" sz="2800" b="1" dirty="0"/>
+              <a:t>, [param1, p2, p3]);</a:t>
+            </a:r>
+          </a:p>
+        </p:txBody>
+      </p:sp>
+      <p:sp>
+        <p:nvSpPr>
+          <p:cNvPr id="5" name="Rectangle 5"/>
+          <p:cNvSpPr/>
+          <p:nvPr/>
+        </p:nvSpPr>
+        <p:spPr>
+          <a:xfrm>
+            <a:off x="2238348" y="2357430"/>
+            <a:ext cx="7215238" cy="2677656"/>
+          </a:xfrm>
+          <a:prstGeom prst="rect">
+            <a:avLst/>
+          </a:prstGeom>
+        </p:spPr>
+        <p:style>
+          <a:lnRef idx="1">
+            <a:schemeClr val="dk1"/>
+          </a:lnRef>
+          <a:fillRef idx="1001">
+            <a:schemeClr val="lt2"/>
+          </a:fillRef>
+          <a:effectRef idx="1">
+            <a:schemeClr val="dk1"/>
+          </a:effectRef>
+          <a:fontRef idx="minor">
+            <a:schemeClr val="dk1"/>
+          </a:fontRef>
+        </p:style>
+        <p:txBody>
+          <a:bodyPr wrap="square">
+            <a:spAutoFit/>
+          </a:bodyPr>
+          <a:lstStyle/>
+          <a:p>
+            <a:r>
+              <a:rPr lang="en-US" sz="2800" b="1" dirty="0"/>
+              <a:t>function f() {</a:t>
+            </a:r>
+          </a:p>
+          <a:p>
+            <a:r>
+              <a:rPr lang="en-US" sz="2800" b="1" dirty="0"/>
+              <a:t>	</a:t>
+            </a:r>
+            <a:r>
+              <a:rPr lang="en-US" sz="2800" b="1" dirty="0" err="1"/>
+              <a:t>var</a:t>
+            </a:r>
+            <a:r>
+              <a:rPr lang="en-US" sz="2800" b="1" dirty="0"/>
+              <a:t> </a:t>
+            </a:r>
+            <a:r>
+              <a:rPr lang="en-US" sz="2800" b="1" dirty="0" err="1"/>
+              <a:t>args</a:t>
+            </a:r>
+            <a:r>
+              <a:rPr lang="en-US" sz="2800" b="1" dirty="0"/>
+              <a:t> = [].</a:t>
+            </a:r>
+            <a:r>
+              <a:rPr lang="en-US" sz="2800" b="1" dirty="0" err="1"/>
+              <a:t>slice.call</a:t>
+            </a:r>
+            <a:r>
+              <a:rPr lang="en-US" sz="2800" b="1" dirty="0"/>
+              <a:t>(arguments, 1, 3);</a:t>
+            </a:r>
+          </a:p>
+          <a:p>
+            <a:r>
+              <a:rPr lang="en-US" sz="2800" b="1" dirty="0"/>
+              <a:t>	return </a:t>
+            </a:r>
+            <a:r>
+              <a:rPr lang="en-US" sz="2800" b="1" dirty="0" err="1"/>
+              <a:t>args</a:t>
+            </a:r>
+            <a:r>
+              <a:rPr lang="en-US" sz="2800" b="1" dirty="0"/>
+              <a:t>;</a:t>
+            </a:r>
+          </a:p>
+          <a:p>
+            <a:r>
+              <a:rPr lang="en-US" sz="2800" b="1" dirty="0"/>
+              <a:t>}</a:t>
+            </a:r>
+          </a:p>
+          <a:p>
+            <a:endParaRPr lang="en-US" sz="2800" b="1" dirty="0"/>
+          </a:p>
+          <a:p>
+            <a:r>
+              <a:rPr lang="en-US" sz="2800" b="1" dirty="0"/>
+              <a:t>f(1,2,3,4,5,6); // [2, 3]</a:t>
+            </a:r>
+          </a:p>
+        </p:txBody>
+      </p:sp>
+    </p:spTree>
+    <p:extLst>
+      <p:ext uri="{BB962C8B-B14F-4D97-AF65-F5344CB8AC3E}">
+        <p14:creationId xmlns:p14="http://schemas.microsoft.com/office/powerpoint/2010/main" val="3091019640"/>
+      </p:ext>
+    </p:extLst>
+  </p:cSld>
+  <p:clrMapOvr>
+    <a:masterClrMapping/>
+  </p:clrMapOvr>
+  <p:transition/>
+  <p:timing>
+    <p:tnLst>
+      <p:par>
+        <p:cTn id="1" dur="indefinite" restart="never" nodeType="tmRoot"/>
+      </p:par>
+    </p:tnLst>
+  </p:timing>
+</p:sld>
+</file>
+
+<file path=ppt/slides/slide41.xml><?xml version="1.0" encoding="utf-8"?>
+<p:sld xmlns:a="http://schemas.openxmlformats.org/drawingml/2006/main" xmlns:r="http://schemas.openxmlformats.org/officeDocument/2006/relationships" xmlns:p="http://schemas.openxmlformats.org/presentationml/2006/main">
+  <p:cSld>
+    <p:spTree>
+      <p:nvGrpSpPr>
+        <p:cNvPr id="1" name=""/>
+        <p:cNvGrpSpPr/>
+        <p:nvPr/>
+      </p:nvGrpSpPr>
+      <p:grpSpPr>
+        <a:xfrm>
+          <a:off x="0" y="0"/>
+          <a:ext cx="0" cy="0"/>
+          <a:chOff x="0" y="0"/>
+          <a:chExt cx="0" cy="0"/>
+        </a:xfrm>
+      </p:grpSpPr>
+      <p:sp>
+        <p:nvSpPr>
+          <p:cNvPr id="2" name="Title 1"/>
+          <p:cNvSpPr>
+            <a:spLocks noGrp="1"/>
+          </p:cNvSpPr>
+          <p:nvPr>
+            <p:ph type="title"/>
+          </p:nvPr>
+        </p:nvSpPr>
+        <p:spPr>
+          <a:xfrm>
+            <a:off x="1847528" y="2924944"/>
+            <a:ext cx="8229600" cy="1143000"/>
+          </a:xfrm>
+        </p:spPr>
+        <p:txBody>
+          <a:bodyPr>
+            <a:normAutofit fontScale="90000"/>
+          </a:bodyPr>
+          <a:lstStyle/>
+          <a:p>
+            <a:r>
+              <a:rPr lang="en-US" b="1" dirty="0"/>
+              <a:t>Immediately-Invoked Function Expression (IIFE)</a:t>
+            </a:r>
+            <a:br>
+              <a:rPr lang="en-US" b="1" dirty="0"/>
+            </a:br>
+            <a:endParaRPr lang="en-US" dirty="0"/>
+          </a:p>
+        </p:txBody>
+      </p:sp>
+    </p:spTree>
+    <p:extLst>
+      <p:ext uri="{BB962C8B-B14F-4D97-AF65-F5344CB8AC3E}">
+        <p14:creationId xmlns:p14="http://schemas.microsoft.com/office/powerpoint/2010/main" val="2143045296"/>
+      </p:ext>
+    </p:extLst>
+  </p:cSld>
+  <p:clrMapOvr>
+    <a:masterClrMapping/>
+  </p:clrMapOvr>
+  <p:timing>
+    <p:tnLst>
+      <p:par>
+        <p:cTn id="1" dur="indefinite" restart="never" nodeType="tmRoot"/>
+      </p:par>
+    </p:tnLst>
+  </p:timing>
+</p:sld>
+</file>
+
+<file path=ppt/slides/slide42.xml><?xml version="1.0" encoding="utf-8"?>
 <p:sld xmlns:a="http://schemas.openxmlformats.org/drawingml/2006/main" xmlns:r="http://schemas.openxmlformats.org/officeDocument/2006/relationships" xmlns:p="http://schemas.openxmlformats.org/presentationml/2006/main">
   <p:cSld>
     <p:spTree>
@@ -14980,7 +15354,7 @@
 </p:sld>
 </file>
 
-<file path=ppt/slides/slide41.xml><?xml version="1.0" encoding="utf-8"?>
+<file path=ppt/slides/slide43.xml><?xml version="1.0" encoding="utf-8"?>
 <p:sld xmlns:a="http://schemas.openxmlformats.org/drawingml/2006/main" xmlns:r="http://schemas.openxmlformats.org/officeDocument/2006/relationships" xmlns:p="http://schemas.openxmlformats.org/presentationml/2006/main">
   <p:cSld>
     <p:spTree>
@@ -15029,1489 +15403,6 @@
     <p:extLst>
       <p:ext uri="{BB962C8B-B14F-4D97-AF65-F5344CB8AC3E}">
         <p14:creationId xmlns:p14="http://schemas.microsoft.com/office/powerpoint/2010/main" val="2483092299"/>
-      </p:ext>
-    </p:extLst>
-  </p:cSld>
-  <p:clrMapOvr>
-    <a:masterClrMapping/>
-  </p:clrMapOvr>
-  <p:timing>
-    <p:tnLst>
-      <p:par>
-        <p:cTn id="1" dur="indefinite" restart="never" nodeType="tmRoot"/>
-      </p:par>
-    </p:tnLst>
-  </p:timing>
-</p:sld>
-</file>
-
-<file path=ppt/slides/slide42.xml><?xml version="1.0" encoding="utf-8"?>
-<p:sld xmlns:a="http://schemas.openxmlformats.org/drawingml/2006/main" xmlns:r="http://schemas.openxmlformats.org/officeDocument/2006/relationships" xmlns:p="http://schemas.openxmlformats.org/presentationml/2006/main">
-  <p:cSld>
-    <p:spTree>
-      <p:nvGrpSpPr>
-        <p:cNvPr id="1" name=""/>
-        <p:cNvGrpSpPr/>
-        <p:nvPr/>
-      </p:nvGrpSpPr>
-      <p:grpSpPr>
-        <a:xfrm>
-          <a:off x="0" y="0"/>
-          <a:ext cx="0" cy="0"/>
-          <a:chOff x="0" y="0"/>
-          <a:chExt cx="0" cy="0"/>
-        </a:xfrm>
-      </p:grpSpPr>
-      <p:sp>
-        <p:nvSpPr>
-          <p:cNvPr id="3" name="Content Placeholder 2"/>
-          <p:cNvSpPr>
-            <a:spLocks noGrp="1"/>
-          </p:cNvSpPr>
-          <p:nvPr>
-            <p:ph idx="1"/>
-          </p:nvPr>
-        </p:nvSpPr>
-        <p:spPr>
-          <a:xfrm>
-            <a:off x="1991544" y="260649"/>
-            <a:ext cx="8229600" cy="4525963"/>
-          </a:xfrm>
-        </p:spPr>
-        <p:txBody>
-          <a:bodyPr/>
-          <a:lstStyle/>
-          <a:p>
-            <a:pPr marL="514350" indent="-514350">
-              <a:buAutoNum type="arabicPeriod"/>
-            </a:pPr>
-            <a:r>
-              <a:rPr lang="en-US" dirty="0" smtClean="0"/>
-              <a:t>Avoiding global variable or hiding variables from global scope.</a:t>
-            </a:r>
-          </a:p>
-          <a:p>
-            <a:pPr marL="0" indent="0">
-              <a:buNone/>
-            </a:pPr>
-            <a:endParaRPr lang="en-US" dirty="0"/>
-          </a:p>
-        </p:txBody>
-      </p:sp>
-      <p:sp>
-        <p:nvSpPr>
-          <p:cNvPr id="5" name="Rectangle 4"/>
-          <p:cNvSpPr/>
-          <p:nvPr/>
-        </p:nvSpPr>
-        <p:spPr>
-          <a:xfrm>
-            <a:off x="1991544" y="1600298"/>
-            <a:ext cx="4608512" cy="2308324"/>
-          </a:xfrm>
-          <a:prstGeom prst="rect">
-            <a:avLst/>
-          </a:prstGeom>
-        </p:spPr>
-        <p:txBody>
-          <a:bodyPr wrap="square">
-            <a:spAutoFit/>
-          </a:bodyPr>
-          <a:lstStyle/>
-          <a:p>
-            <a:pPr lvl="0" eaLnBrk="0" fontAlgn="base" hangingPunct="0">
-              <a:spcBef>
-                <a:spcPct val="0"/>
-              </a:spcBef>
-              <a:spcAft>
-                <a:spcPct val="0"/>
-              </a:spcAft>
-            </a:pPr>
-            <a:r>
-              <a:rPr lang="en-US" altLang="en-US" dirty="0">
-                <a:solidFill>
-                  <a:srgbClr val="FF0000"/>
-                </a:solidFill>
-                <a:latin typeface="Ubuntu Mono"/>
-              </a:rPr>
-              <a:t>(</a:t>
-            </a:r>
-            <a:r>
-              <a:rPr lang="en-US" altLang="en-US" b="1" dirty="0">
-                <a:solidFill>
-                  <a:srgbClr val="006699"/>
-                </a:solidFill>
-                <a:latin typeface="Ubuntu Mono"/>
-              </a:rPr>
-              <a:t>function</a:t>
-            </a:r>
-            <a:r>
-              <a:rPr lang="en-US" altLang="en-US" dirty="0">
-                <a:solidFill>
-                  <a:srgbClr val="000000"/>
-                </a:solidFill>
-                <a:latin typeface="Ubuntu Mono"/>
-              </a:rPr>
-              <a:t> </a:t>
-            </a:r>
-            <a:r>
-              <a:rPr lang="en-US" altLang="en-US" dirty="0">
-                <a:solidFill>
-                  <a:srgbClr val="FF0000"/>
-                </a:solidFill>
-                <a:latin typeface="Ubuntu Mono"/>
-              </a:rPr>
-              <a:t>()</a:t>
-            </a:r>
-            <a:r>
-              <a:rPr lang="en-US" altLang="en-US" dirty="0">
-                <a:solidFill>
-                  <a:srgbClr val="000000"/>
-                </a:solidFill>
-                <a:latin typeface="Ubuntu Mono"/>
-              </a:rPr>
-              <a:t> { </a:t>
-            </a:r>
-          </a:p>
-          <a:p>
-            <a:pPr lvl="0" eaLnBrk="0" fontAlgn="base" hangingPunct="0">
-              <a:spcBef>
-                <a:spcPct val="0"/>
-              </a:spcBef>
-              <a:spcAft>
-                <a:spcPct val="0"/>
-              </a:spcAft>
-            </a:pPr>
-            <a:r>
-              <a:rPr lang="en-US" altLang="en-US" dirty="0">
-                <a:solidFill>
-                  <a:srgbClr val="000000"/>
-                </a:solidFill>
-                <a:latin typeface="Ubuntu Mono"/>
-              </a:rPr>
-              <a:t>   </a:t>
-            </a:r>
-            <a:r>
-              <a:rPr lang="en-US" altLang="en-US" dirty="0" err="1">
-                <a:solidFill>
-                  <a:srgbClr val="000000"/>
-                </a:solidFill>
-                <a:latin typeface="Ubuntu Mono"/>
-              </a:rPr>
-              <a:t>var</a:t>
-            </a:r>
-            <a:r>
-              <a:rPr lang="en-US" altLang="en-US" dirty="0">
-                <a:solidFill>
-                  <a:srgbClr val="000000"/>
-                </a:solidFill>
-                <a:latin typeface="Ubuntu Mono"/>
-              </a:rPr>
-              <a:t> x = 2;</a:t>
-            </a:r>
-          </a:p>
-          <a:p>
-            <a:pPr lvl="0" eaLnBrk="0" fontAlgn="base" hangingPunct="0">
-              <a:spcBef>
-                <a:spcPct val="0"/>
-              </a:spcBef>
-              <a:spcAft>
-                <a:spcPct val="0"/>
-              </a:spcAft>
-            </a:pPr>
-            <a:r>
-              <a:rPr lang="en-US" altLang="en-US" dirty="0">
-                <a:solidFill>
-                  <a:srgbClr val="000000"/>
-                </a:solidFill>
-                <a:latin typeface="Ubuntu Mono"/>
-              </a:rPr>
-              <a:t>   </a:t>
-            </a:r>
-            <a:r>
-              <a:rPr lang="en-US" altLang="en-US" dirty="0" err="1">
-                <a:solidFill>
-                  <a:srgbClr val="000000"/>
-                </a:solidFill>
-                <a:latin typeface="Ubuntu Mono"/>
-              </a:rPr>
-              <a:t>var</a:t>
-            </a:r>
-            <a:r>
-              <a:rPr lang="en-US" altLang="en-US" dirty="0">
-                <a:solidFill>
-                  <a:srgbClr val="000000"/>
-                </a:solidFill>
-                <a:latin typeface="Ubuntu Mono"/>
-              </a:rPr>
-              <a:t> y = 4;</a:t>
-            </a:r>
-          </a:p>
-          <a:p>
-            <a:pPr lvl="0" eaLnBrk="0" fontAlgn="base" hangingPunct="0">
-              <a:spcBef>
-                <a:spcPct val="0"/>
-              </a:spcBef>
-              <a:spcAft>
-                <a:spcPct val="0"/>
-              </a:spcAft>
-            </a:pPr>
-            <a:r>
-              <a:rPr lang="en-US" altLang="en-US" dirty="0">
-                <a:solidFill>
-                  <a:srgbClr val="000000"/>
-                </a:solidFill>
-                <a:latin typeface="Ubuntu Mono"/>
-              </a:rPr>
-              <a:t>}</a:t>
-            </a:r>
-            <a:r>
-              <a:rPr lang="en-US" altLang="en-US" dirty="0">
-                <a:solidFill>
-                  <a:srgbClr val="FF0000"/>
-                </a:solidFill>
-                <a:latin typeface="Ubuntu Mono"/>
-              </a:rPr>
-              <a:t>());</a:t>
-            </a:r>
-            <a:r>
-              <a:rPr lang="en-US" altLang="en-US" dirty="0">
-                <a:solidFill>
-                  <a:srgbClr val="000000"/>
-                </a:solidFill>
-                <a:latin typeface="Ubuntu Mono"/>
-              </a:rPr>
-              <a:t> </a:t>
-            </a:r>
-          </a:p>
-          <a:p>
-            <a:pPr lvl="0" eaLnBrk="0" fontAlgn="base" hangingPunct="0">
-              <a:spcBef>
-                <a:spcPct val="0"/>
-              </a:spcBef>
-              <a:spcAft>
-                <a:spcPct val="0"/>
-              </a:spcAft>
-            </a:pPr>
-            <a:endParaRPr lang="en-US" altLang="en-US" dirty="0">
-              <a:solidFill>
-                <a:srgbClr val="000000"/>
-              </a:solidFill>
-              <a:latin typeface="Ubuntu Mono"/>
-            </a:endParaRPr>
-          </a:p>
-          <a:p>
-            <a:pPr lvl="0" eaLnBrk="0" fontAlgn="base" hangingPunct="0">
-              <a:spcBef>
-                <a:spcPct val="0"/>
-              </a:spcBef>
-              <a:spcAft>
-                <a:spcPct val="0"/>
-              </a:spcAft>
-            </a:pPr>
-            <a:r>
-              <a:rPr lang="en-US" altLang="en-US" dirty="0" err="1">
-                <a:solidFill>
-                  <a:srgbClr val="000000"/>
-                </a:solidFill>
-                <a:latin typeface="Ubuntu Mono"/>
-              </a:rPr>
-              <a:t>typeof</a:t>
-            </a:r>
-            <a:r>
-              <a:rPr lang="en-US" altLang="en-US" dirty="0">
-                <a:solidFill>
-                  <a:srgbClr val="000000"/>
-                </a:solidFill>
-                <a:latin typeface="Ubuntu Mono"/>
-              </a:rPr>
-              <a:t> </a:t>
-            </a:r>
-            <a:r>
-              <a:rPr lang="en-US" altLang="en-US" dirty="0" err="1">
-                <a:solidFill>
-                  <a:srgbClr val="000000"/>
-                </a:solidFill>
-                <a:latin typeface="Ubuntu Mono"/>
-              </a:rPr>
-              <a:t>window.x</a:t>
-            </a:r>
-            <a:r>
-              <a:rPr lang="en-US" altLang="en-US" dirty="0">
-                <a:solidFill>
-                  <a:srgbClr val="000000"/>
-                </a:solidFill>
-                <a:latin typeface="Ubuntu Mono"/>
-              </a:rPr>
-              <a:t> === </a:t>
-            </a:r>
-            <a:r>
-              <a:rPr lang="en-US" altLang="en-US" dirty="0">
-                <a:solidFill>
-                  <a:srgbClr val="FF0000"/>
-                </a:solidFill>
-                <a:latin typeface="Ubuntu Mono"/>
-              </a:rPr>
-              <a:t>“undefined”</a:t>
-            </a:r>
-            <a:r>
-              <a:rPr lang="en-US" altLang="en-US" dirty="0">
-                <a:latin typeface="Ubuntu Mono"/>
-              </a:rPr>
-              <a:t>;</a:t>
-            </a:r>
-          </a:p>
-          <a:p>
-            <a:pPr eaLnBrk="0" fontAlgn="base" hangingPunct="0">
-              <a:spcBef>
-                <a:spcPct val="0"/>
-              </a:spcBef>
-              <a:spcAft>
-                <a:spcPct val="0"/>
-              </a:spcAft>
-            </a:pPr>
-            <a:r>
-              <a:rPr lang="en-US" altLang="en-US" dirty="0" err="1">
-                <a:solidFill>
-                  <a:srgbClr val="000000"/>
-                </a:solidFill>
-                <a:latin typeface="Ubuntu Mono"/>
-              </a:rPr>
-              <a:t>typeof</a:t>
-            </a:r>
-            <a:r>
-              <a:rPr lang="en-US" altLang="en-US" dirty="0">
-                <a:solidFill>
-                  <a:srgbClr val="000000"/>
-                </a:solidFill>
-                <a:latin typeface="Ubuntu Mono"/>
-              </a:rPr>
-              <a:t> </a:t>
-            </a:r>
-            <a:r>
-              <a:rPr lang="en-US" altLang="en-US" dirty="0" err="1">
-                <a:solidFill>
-                  <a:srgbClr val="000000"/>
-                </a:solidFill>
-                <a:latin typeface="Ubuntu Mono"/>
-              </a:rPr>
-              <a:t>window.y</a:t>
-            </a:r>
-            <a:r>
-              <a:rPr lang="en-US" altLang="en-US" dirty="0">
-                <a:solidFill>
-                  <a:srgbClr val="000000"/>
-                </a:solidFill>
-                <a:latin typeface="Ubuntu Mono"/>
-              </a:rPr>
-              <a:t> === </a:t>
-            </a:r>
-            <a:r>
-              <a:rPr lang="en-US" altLang="en-US" dirty="0">
-                <a:solidFill>
-                  <a:srgbClr val="FF0000"/>
-                </a:solidFill>
-                <a:latin typeface="Ubuntu Mono"/>
-              </a:rPr>
-              <a:t>“undefined”</a:t>
-            </a:r>
-            <a:r>
-              <a:rPr lang="en-US" altLang="en-US" dirty="0">
-                <a:latin typeface="Ubuntu Mono"/>
-              </a:rPr>
-              <a:t>;</a:t>
-            </a:r>
-            <a:endParaRPr lang="en-US" altLang="en-US" dirty="0">
-              <a:latin typeface="Arial" panose="020B0604020202020204" pitchFamily="34" charset="0"/>
-            </a:endParaRPr>
-          </a:p>
-          <a:p>
-            <a:pPr lvl="0" eaLnBrk="0" fontAlgn="base" hangingPunct="0">
-              <a:spcBef>
-                <a:spcPct val="0"/>
-              </a:spcBef>
-              <a:spcAft>
-                <a:spcPct val="0"/>
-              </a:spcAft>
-            </a:pPr>
-            <a:endParaRPr lang="en-US" altLang="en-US" dirty="0">
-              <a:latin typeface="Arial" panose="020B0604020202020204" pitchFamily="34" charset="0"/>
-            </a:endParaRPr>
-          </a:p>
-        </p:txBody>
-      </p:sp>
-    </p:spTree>
-    <p:extLst>
-      <p:ext uri="{BB962C8B-B14F-4D97-AF65-F5344CB8AC3E}">
-        <p14:creationId xmlns:p14="http://schemas.microsoft.com/office/powerpoint/2010/main" val="76590223"/>
-      </p:ext>
-    </p:extLst>
-  </p:cSld>
-  <p:clrMapOvr>
-    <a:masterClrMapping/>
-  </p:clrMapOvr>
-  <p:timing>
-    <p:tnLst>
-      <p:par>
-        <p:cTn id="1" dur="indefinite" restart="never" nodeType="tmRoot"/>
-      </p:par>
-    </p:tnLst>
-  </p:timing>
-</p:sld>
-</file>
-
-<file path=ppt/slides/slide43.xml><?xml version="1.0" encoding="utf-8"?>
-<p:sld xmlns:a="http://schemas.openxmlformats.org/drawingml/2006/main" xmlns:r="http://schemas.openxmlformats.org/officeDocument/2006/relationships" xmlns:p="http://schemas.openxmlformats.org/presentationml/2006/main">
-  <p:cSld>
-    <p:spTree>
-      <p:nvGrpSpPr>
-        <p:cNvPr id="1" name=""/>
-        <p:cNvGrpSpPr/>
-        <p:nvPr/>
-      </p:nvGrpSpPr>
-      <p:grpSpPr>
-        <a:xfrm>
-          <a:off x="0" y="0"/>
-          <a:ext cx="0" cy="0"/>
-          <a:chOff x="0" y="0"/>
-          <a:chExt cx="0" cy="0"/>
-        </a:xfrm>
-      </p:grpSpPr>
-      <p:sp>
-        <p:nvSpPr>
-          <p:cNvPr id="3" name="Content Placeholder 2"/>
-          <p:cNvSpPr>
-            <a:spLocks noGrp="1"/>
-          </p:cNvSpPr>
-          <p:nvPr>
-            <p:ph idx="1"/>
-          </p:nvPr>
-        </p:nvSpPr>
-        <p:spPr>
-          <a:xfrm>
-            <a:off x="1991544" y="260649"/>
-            <a:ext cx="8229600" cy="4525963"/>
-          </a:xfrm>
-        </p:spPr>
-        <p:txBody>
-          <a:bodyPr/>
-          <a:lstStyle/>
-          <a:p>
-            <a:pPr marL="0" indent="0">
-              <a:buNone/>
-            </a:pPr>
-            <a:r>
-              <a:rPr lang="en-US" dirty="0" smtClean="0"/>
-              <a:t>2. Avoiding variable sharing.</a:t>
-            </a:r>
-          </a:p>
-          <a:p>
-            <a:pPr marL="0" indent="0">
-              <a:buNone/>
-            </a:pPr>
-            <a:endParaRPr lang="en-US" dirty="0"/>
-          </a:p>
-        </p:txBody>
-      </p:sp>
-      <p:sp>
-        <p:nvSpPr>
-          <p:cNvPr id="4" name="Rectangle 1"/>
-          <p:cNvSpPr>
-            <a:spLocks noChangeArrowheads="1"/>
-          </p:cNvSpPr>
-          <p:nvPr/>
-        </p:nvSpPr>
-        <p:spPr bwMode="auto">
-          <a:xfrm>
-            <a:off x="2207569" y="980729"/>
-            <a:ext cx="5419753" cy="4431983"/>
-          </a:xfrm>
-          <a:prstGeom prst="rect">
-            <a:avLst/>
-          </a:prstGeom>
-          <a:noFill/>
-          <a:ln>
-            <a:noFill/>
-          </a:ln>
-          <a:effectLst/>
-          <a:extLst>
-            <a:ext uri="{909E8E84-426E-40DD-AFC4-6F175D3DCCD1}">
-              <a14:hiddenFill xmlns:a14="http://schemas.microsoft.com/office/drawing/2010/main">
-                <a:solidFill>
-                  <a:schemeClr val="accent1"/>
-                </a:solidFill>
-              </a14:hiddenFill>
-            </a:ext>
-            <a:ext uri="{91240B29-F687-4F45-9708-019B960494DF}">
-              <a14:hiddenLine xmlns:a14="http://schemas.microsoft.com/office/drawing/2010/main" w="9525">
-                <a:solidFill>
-                  <a:schemeClr val="tx1"/>
-                </a:solidFill>
-                <a:miter lim="800000"/>
-                <a:headEnd/>
-                <a:tailEnd/>
-              </a14:hiddenLine>
-            </a:ext>
-            <a:ext uri="{AF507438-7753-43E0-B8FC-AC1667EBCBE1}">
-              <a14:hiddenEffects xmlns:a14="http://schemas.microsoft.com/office/drawing/2010/main">
-                <a:effectLst>
-                  <a:outerShdw dist="35921" dir="2700000" algn="ctr" rotWithShape="0">
-                    <a:schemeClr val="bg2"/>
-                  </a:outerShdw>
-                </a:effectLst>
-              </a14:hiddenEffects>
-            </a:ext>
-          </a:extLst>
-        </p:spPr>
-        <p:txBody>
-          <a:bodyPr vert="horz" wrap="none" lIns="0" tIns="0" rIns="0" bIns="0" numCol="1" anchor="ctr" anchorCtr="0" compatLnSpc="1">
-            <a:prstTxWarp prst="textNoShape">
-              <a:avLst/>
-            </a:prstTxWarp>
-            <a:spAutoFit/>
-          </a:bodyPr>
-          <a:lstStyle/>
-          <a:p>
-            <a:pPr eaLnBrk="0" fontAlgn="base" hangingPunct="0">
-              <a:spcBef>
-                <a:spcPct val="0"/>
-              </a:spcBef>
-              <a:spcAft>
-                <a:spcPct val="0"/>
-              </a:spcAft>
-            </a:pPr>
-            <a:r>
-              <a:rPr lang="en-US" altLang="en-US" sz="2400" b="1" dirty="0">
-                <a:solidFill>
-                  <a:srgbClr val="006699"/>
-                </a:solidFill>
-                <a:latin typeface="Ubuntu Mono"/>
-                <a:cs typeface="Sakkal Majalla" panose="02000000000000000000" pitchFamily="2" charset="-78"/>
-              </a:rPr>
-              <a:t>function</a:t>
-            </a:r>
-            <a:r>
-              <a:rPr lang="en-US" altLang="en-US" sz="2400" dirty="0">
-                <a:solidFill>
-                  <a:srgbClr val="000000"/>
-                </a:solidFill>
-                <a:latin typeface="Ubuntu Mono"/>
-                <a:cs typeface="Sakkal Majalla" panose="02000000000000000000" pitchFamily="2" charset="-78"/>
-              </a:rPr>
-              <a:t> </a:t>
-            </a:r>
-            <a:r>
-              <a:rPr lang="en-US" altLang="en-US" sz="2400" dirty="0">
-                <a:solidFill>
-                  <a:srgbClr val="000088"/>
-                </a:solidFill>
-                <a:latin typeface="Ubuntu Mono"/>
-                <a:cs typeface="Sakkal Majalla" panose="02000000000000000000" pitchFamily="2" charset="-78"/>
-              </a:rPr>
-              <a:t>f</a:t>
-            </a:r>
-            <a:r>
-              <a:rPr lang="en-US" altLang="en-US" sz="2400" dirty="0">
-                <a:solidFill>
-                  <a:srgbClr val="000000"/>
-                </a:solidFill>
-                <a:latin typeface="Ubuntu Mono"/>
-                <a:cs typeface="Sakkal Majalla" panose="02000000000000000000" pitchFamily="2" charset="-78"/>
-              </a:rPr>
-              <a:t>() { </a:t>
-            </a:r>
-          </a:p>
-          <a:p>
-            <a:pPr eaLnBrk="0" fontAlgn="base" hangingPunct="0">
-              <a:spcBef>
-                <a:spcPct val="0"/>
-              </a:spcBef>
-              <a:spcAft>
-                <a:spcPct val="0"/>
-              </a:spcAft>
-            </a:pPr>
-            <a:r>
-              <a:rPr lang="en-US" altLang="en-US" sz="2400" dirty="0">
-                <a:solidFill>
-                  <a:srgbClr val="000000"/>
-                </a:solidFill>
-                <a:latin typeface="Ubuntu Mono"/>
-                <a:cs typeface="Sakkal Majalla" panose="02000000000000000000" pitchFamily="2" charset="-78"/>
-              </a:rPr>
-              <a:t>    </a:t>
-            </a:r>
-            <a:r>
-              <a:rPr lang="en-US" altLang="en-US" sz="2400" b="1" dirty="0" err="1">
-                <a:solidFill>
-                  <a:srgbClr val="006699"/>
-                </a:solidFill>
-                <a:latin typeface="Ubuntu Mono"/>
-                <a:cs typeface="Sakkal Majalla" panose="02000000000000000000" pitchFamily="2" charset="-78"/>
-              </a:rPr>
-              <a:t>var</a:t>
-            </a:r>
-            <a:r>
-              <a:rPr lang="en-US" altLang="en-US" sz="2400" dirty="0">
-                <a:solidFill>
-                  <a:srgbClr val="000000"/>
-                </a:solidFill>
-                <a:latin typeface="Ubuntu Mono"/>
-                <a:cs typeface="Sakkal Majalla" panose="02000000000000000000" pitchFamily="2" charset="-78"/>
-              </a:rPr>
-              <a:t> </a:t>
-            </a:r>
-            <a:r>
-              <a:rPr lang="en-US" altLang="en-US" sz="2400" dirty="0">
-                <a:solidFill>
-                  <a:srgbClr val="000088"/>
-                </a:solidFill>
-                <a:latin typeface="Ubuntu Mono"/>
-                <a:cs typeface="Sakkal Majalla" panose="02000000000000000000" pitchFamily="2" charset="-78"/>
-              </a:rPr>
-              <a:t>result</a:t>
-            </a:r>
-            <a:r>
-              <a:rPr lang="en-US" altLang="en-US" sz="2400" dirty="0">
-                <a:solidFill>
-                  <a:srgbClr val="000000"/>
-                </a:solidFill>
-                <a:latin typeface="Ubuntu Mono"/>
-                <a:cs typeface="Sakkal Majalla" panose="02000000000000000000" pitchFamily="2" charset="-78"/>
-              </a:rPr>
-              <a:t> </a:t>
-            </a:r>
-            <a:r>
-              <a:rPr lang="en-US" altLang="en-US" sz="2400" dirty="0">
-                <a:solidFill>
-                  <a:srgbClr val="555555"/>
-                </a:solidFill>
-                <a:latin typeface="Ubuntu Mono"/>
-                <a:cs typeface="Sakkal Majalla" panose="02000000000000000000" pitchFamily="2" charset="-78"/>
-              </a:rPr>
-              <a:t>=</a:t>
-            </a:r>
-            <a:r>
-              <a:rPr lang="en-US" altLang="en-US" sz="2400" dirty="0">
-                <a:solidFill>
-                  <a:srgbClr val="000000"/>
-                </a:solidFill>
-                <a:latin typeface="Ubuntu Mono"/>
-                <a:cs typeface="Sakkal Majalla" panose="02000000000000000000" pitchFamily="2" charset="-78"/>
-              </a:rPr>
-              <a:t> [];</a:t>
-            </a:r>
-          </a:p>
-          <a:p>
-            <a:pPr eaLnBrk="0" fontAlgn="base" hangingPunct="0">
-              <a:spcBef>
-                <a:spcPct val="0"/>
-              </a:spcBef>
-              <a:spcAft>
-                <a:spcPct val="0"/>
-              </a:spcAft>
-            </a:pPr>
-            <a:r>
-              <a:rPr lang="en-US" altLang="en-US" sz="2400" b="1" dirty="0">
-                <a:solidFill>
-                  <a:srgbClr val="006699"/>
-                </a:solidFill>
-                <a:latin typeface="Ubuntu Mono"/>
-                <a:cs typeface="Sakkal Majalla" panose="02000000000000000000" pitchFamily="2" charset="-78"/>
-              </a:rPr>
-              <a:t>    for</a:t>
-            </a:r>
-            <a:r>
-              <a:rPr lang="en-US" altLang="en-US" sz="2400" dirty="0">
-                <a:solidFill>
-                  <a:srgbClr val="000000"/>
-                </a:solidFill>
-                <a:latin typeface="Ubuntu Mono"/>
-                <a:cs typeface="Sakkal Majalla" panose="02000000000000000000" pitchFamily="2" charset="-78"/>
-              </a:rPr>
-              <a:t> (</a:t>
-            </a:r>
-            <a:r>
-              <a:rPr lang="en-US" altLang="en-US" sz="2400" b="1" dirty="0" err="1">
-                <a:solidFill>
-                  <a:srgbClr val="006699"/>
-                </a:solidFill>
-                <a:latin typeface="Ubuntu Mono"/>
-                <a:cs typeface="Sakkal Majalla" panose="02000000000000000000" pitchFamily="2" charset="-78"/>
-              </a:rPr>
-              <a:t>var</a:t>
-            </a:r>
-            <a:r>
-              <a:rPr lang="en-US" altLang="en-US" sz="2400" dirty="0">
-                <a:solidFill>
-                  <a:srgbClr val="000000"/>
-                </a:solidFill>
-                <a:latin typeface="Ubuntu Mono"/>
-                <a:cs typeface="Sakkal Majalla" panose="02000000000000000000" pitchFamily="2" charset="-78"/>
-              </a:rPr>
-              <a:t> </a:t>
-            </a:r>
-            <a:r>
-              <a:rPr lang="en-US" altLang="en-US" sz="2400" dirty="0" err="1">
-                <a:solidFill>
-                  <a:srgbClr val="000088"/>
-                </a:solidFill>
-                <a:latin typeface="Ubuntu Mono"/>
-                <a:cs typeface="Sakkal Majalla" panose="02000000000000000000" pitchFamily="2" charset="-78"/>
-              </a:rPr>
-              <a:t>i</a:t>
-            </a:r>
-            <a:r>
-              <a:rPr lang="en-US" altLang="en-US" sz="2400" dirty="0">
-                <a:solidFill>
-                  <a:srgbClr val="555555"/>
-                </a:solidFill>
-                <a:latin typeface="Ubuntu Mono"/>
-                <a:cs typeface="Sakkal Majalla" panose="02000000000000000000" pitchFamily="2" charset="-78"/>
-              </a:rPr>
-              <a:t>=</a:t>
-            </a:r>
-            <a:r>
-              <a:rPr lang="en-US" altLang="en-US" sz="2400" dirty="0">
-                <a:solidFill>
-                  <a:srgbClr val="FF6600"/>
-                </a:solidFill>
-                <a:latin typeface="Ubuntu Mono"/>
-                <a:cs typeface="Sakkal Majalla" panose="02000000000000000000" pitchFamily="2" charset="-78"/>
-              </a:rPr>
-              <a:t>0</a:t>
-            </a:r>
-            <a:r>
-              <a:rPr lang="en-US" altLang="en-US" sz="2400" dirty="0">
-                <a:solidFill>
-                  <a:srgbClr val="000000"/>
-                </a:solidFill>
-                <a:latin typeface="Ubuntu Mono"/>
-                <a:cs typeface="Sakkal Majalla" panose="02000000000000000000" pitchFamily="2" charset="-78"/>
-              </a:rPr>
-              <a:t>; </a:t>
-            </a:r>
-            <a:r>
-              <a:rPr lang="en-US" altLang="en-US" sz="2400" dirty="0" err="1">
-                <a:solidFill>
-                  <a:srgbClr val="000088"/>
-                </a:solidFill>
-                <a:latin typeface="Ubuntu Mono"/>
-                <a:cs typeface="Sakkal Majalla" panose="02000000000000000000" pitchFamily="2" charset="-78"/>
-              </a:rPr>
-              <a:t>i</a:t>
-            </a:r>
-            <a:r>
-              <a:rPr lang="en-US" altLang="en-US" sz="2400" dirty="0">
-                <a:solidFill>
-                  <a:srgbClr val="555555"/>
-                </a:solidFill>
-                <a:latin typeface="Ubuntu Mono"/>
-                <a:cs typeface="Sakkal Majalla" panose="02000000000000000000" pitchFamily="2" charset="-78"/>
-              </a:rPr>
-              <a:t>&lt;</a:t>
-            </a:r>
-            <a:r>
-              <a:rPr lang="en-US" altLang="en-US" sz="2400" dirty="0">
-                <a:solidFill>
-                  <a:srgbClr val="FF6600"/>
-                </a:solidFill>
-                <a:latin typeface="Ubuntu Mono"/>
-                <a:cs typeface="Sakkal Majalla" panose="02000000000000000000" pitchFamily="2" charset="-78"/>
-              </a:rPr>
-              <a:t>3</a:t>
-            </a:r>
-            <a:r>
-              <a:rPr lang="en-US" altLang="en-US" sz="2400" dirty="0">
-                <a:solidFill>
-                  <a:srgbClr val="000000"/>
-                </a:solidFill>
-                <a:latin typeface="Ubuntu Mono"/>
-                <a:cs typeface="Sakkal Majalla" panose="02000000000000000000" pitchFamily="2" charset="-78"/>
-              </a:rPr>
-              <a:t>; </a:t>
-            </a:r>
-            <a:r>
-              <a:rPr lang="en-US" altLang="en-US" sz="2400" dirty="0" err="1">
-                <a:solidFill>
-                  <a:srgbClr val="000088"/>
-                </a:solidFill>
-                <a:latin typeface="Ubuntu Mono"/>
-                <a:cs typeface="Sakkal Majalla" panose="02000000000000000000" pitchFamily="2" charset="-78"/>
-              </a:rPr>
-              <a:t>i</a:t>
-            </a:r>
-            <a:r>
-              <a:rPr lang="en-US" altLang="en-US" sz="2400" dirty="0">
-                <a:solidFill>
-                  <a:srgbClr val="555555"/>
-                </a:solidFill>
-                <a:latin typeface="Ubuntu Mono"/>
-                <a:cs typeface="Sakkal Majalla" panose="02000000000000000000" pitchFamily="2" charset="-78"/>
-              </a:rPr>
-              <a:t>++</a:t>
-            </a:r>
-            <a:r>
-              <a:rPr lang="en-US" altLang="en-US" sz="2400" dirty="0">
-                <a:solidFill>
-                  <a:srgbClr val="000000"/>
-                </a:solidFill>
-                <a:latin typeface="Ubuntu Mono"/>
-                <a:cs typeface="Sakkal Majalla" panose="02000000000000000000" pitchFamily="2" charset="-78"/>
-              </a:rPr>
-              <a:t>) { </a:t>
-            </a:r>
-          </a:p>
-          <a:p>
-            <a:pPr eaLnBrk="0" fontAlgn="base" hangingPunct="0">
-              <a:spcBef>
-                <a:spcPct val="0"/>
-              </a:spcBef>
-              <a:spcAft>
-                <a:spcPct val="0"/>
-              </a:spcAft>
-            </a:pPr>
-            <a:r>
-              <a:rPr lang="en-US" altLang="en-US" sz="2400" dirty="0">
-                <a:solidFill>
-                  <a:srgbClr val="000000"/>
-                </a:solidFill>
-                <a:latin typeface="Ubuntu Mono"/>
-                <a:cs typeface="Sakkal Majalla" panose="02000000000000000000" pitchFamily="2" charset="-78"/>
-              </a:rPr>
-              <a:t>        </a:t>
-            </a:r>
-            <a:r>
-              <a:rPr lang="en-US" altLang="en-US" sz="2400" b="1" dirty="0" err="1">
-                <a:solidFill>
-                  <a:srgbClr val="006699"/>
-                </a:solidFill>
-                <a:latin typeface="Ubuntu Mono"/>
-                <a:cs typeface="Sakkal Majalla" panose="02000000000000000000" pitchFamily="2" charset="-78"/>
-              </a:rPr>
-              <a:t>var</a:t>
-            </a:r>
-            <a:r>
-              <a:rPr lang="en-US" altLang="en-US" sz="2400" dirty="0">
-                <a:solidFill>
-                  <a:srgbClr val="000000"/>
-                </a:solidFill>
-                <a:latin typeface="Ubuntu Mono"/>
-                <a:cs typeface="Sakkal Majalla" panose="02000000000000000000" pitchFamily="2" charset="-78"/>
-              </a:rPr>
-              <a:t> </a:t>
-            </a:r>
-            <a:r>
-              <a:rPr lang="en-US" altLang="en-US" sz="2400" dirty="0" err="1">
-                <a:solidFill>
-                  <a:srgbClr val="000088"/>
-                </a:solidFill>
-                <a:latin typeface="Ubuntu Mono"/>
-                <a:cs typeface="Sakkal Majalla" panose="02000000000000000000" pitchFamily="2" charset="-78"/>
-              </a:rPr>
-              <a:t>func</a:t>
-            </a:r>
-            <a:r>
-              <a:rPr lang="en-US" altLang="en-US" sz="2400" dirty="0">
-                <a:solidFill>
-                  <a:srgbClr val="000000"/>
-                </a:solidFill>
-                <a:latin typeface="Ubuntu Mono"/>
-                <a:cs typeface="Sakkal Majalla" panose="02000000000000000000" pitchFamily="2" charset="-78"/>
-              </a:rPr>
-              <a:t> </a:t>
-            </a:r>
-            <a:r>
-              <a:rPr lang="en-US" altLang="en-US" sz="2400" dirty="0">
-                <a:solidFill>
-                  <a:srgbClr val="555555"/>
-                </a:solidFill>
-                <a:latin typeface="Ubuntu Mono"/>
-                <a:cs typeface="Sakkal Majalla" panose="02000000000000000000" pitchFamily="2" charset="-78"/>
-              </a:rPr>
-              <a:t>=</a:t>
-            </a:r>
-            <a:r>
-              <a:rPr lang="en-US" altLang="en-US" sz="2400" dirty="0">
-                <a:solidFill>
-                  <a:srgbClr val="000000"/>
-                </a:solidFill>
-                <a:latin typeface="Ubuntu Mono"/>
-                <a:cs typeface="Sakkal Majalla" panose="02000000000000000000" pitchFamily="2" charset="-78"/>
-              </a:rPr>
-              <a:t> </a:t>
-            </a:r>
-            <a:r>
-              <a:rPr lang="en-US" altLang="en-US" sz="2400" b="1" dirty="0">
-                <a:solidFill>
-                  <a:srgbClr val="006699"/>
-                </a:solidFill>
-                <a:latin typeface="Ubuntu Mono"/>
-                <a:cs typeface="Sakkal Majalla" panose="02000000000000000000" pitchFamily="2" charset="-78"/>
-              </a:rPr>
-              <a:t>function</a:t>
-            </a:r>
-            <a:r>
-              <a:rPr lang="en-US" altLang="en-US" sz="2400" dirty="0">
-                <a:solidFill>
-                  <a:srgbClr val="000000"/>
-                </a:solidFill>
-                <a:latin typeface="Ubuntu Mono"/>
-                <a:cs typeface="Sakkal Majalla" panose="02000000000000000000" pitchFamily="2" charset="-78"/>
-              </a:rPr>
-              <a:t> () { </a:t>
-            </a:r>
-            <a:r>
-              <a:rPr lang="en-US" altLang="en-US" sz="2400" b="1" dirty="0">
-                <a:solidFill>
-                  <a:srgbClr val="006699"/>
-                </a:solidFill>
-                <a:latin typeface="Ubuntu Mono"/>
-                <a:cs typeface="Sakkal Majalla" panose="02000000000000000000" pitchFamily="2" charset="-78"/>
-              </a:rPr>
-              <a:t>return</a:t>
-            </a:r>
-            <a:r>
-              <a:rPr lang="en-US" altLang="en-US" sz="2400" dirty="0">
-                <a:solidFill>
-                  <a:srgbClr val="000000"/>
-                </a:solidFill>
-                <a:latin typeface="Ubuntu Mono"/>
-                <a:cs typeface="Sakkal Majalla" panose="02000000000000000000" pitchFamily="2" charset="-78"/>
-              </a:rPr>
-              <a:t> </a:t>
-            </a:r>
-            <a:r>
-              <a:rPr lang="en-US" altLang="en-US" sz="2400" dirty="0" err="1">
-                <a:solidFill>
-                  <a:srgbClr val="000088"/>
-                </a:solidFill>
-                <a:latin typeface="Ubuntu Mono"/>
-                <a:cs typeface="Sakkal Majalla" panose="02000000000000000000" pitchFamily="2" charset="-78"/>
-              </a:rPr>
-              <a:t>i</a:t>
-            </a:r>
-            <a:r>
-              <a:rPr lang="en-US" altLang="en-US" sz="2400" dirty="0">
-                <a:solidFill>
-                  <a:srgbClr val="000000"/>
-                </a:solidFill>
-                <a:latin typeface="Ubuntu Mono"/>
-                <a:cs typeface="Sakkal Majalla" panose="02000000000000000000" pitchFamily="2" charset="-78"/>
-              </a:rPr>
-              <a:t>; }; </a:t>
-            </a:r>
-          </a:p>
-          <a:p>
-            <a:pPr eaLnBrk="0" fontAlgn="base" hangingPunct="0">
-              <a:spcBef>
-                <a:spcPct val="0"/>
-              </a:spcBef>
-              <a:spcAft>
-                <a:spcPct val="0"/>
-              </a:spcAft>
-            </a:pPr>
-            <a:r>
-              <a:rPr lang="en-US" altLang="en-US" sz="2400" dirty="0">
-                <a:solidFill>
-                  <a:srgbClr val="000000"/>
-                </a:solidFill>
-                <a:latin typeface="Ubuntu Mono"/>
-                <a:cs typeface="Sakkal Majalla" panose="02000000000000000000" pitchFamily="2" charset="-78"/>
-              </a:rPr>
-              <a:t>        </a:t>
-            </a:r>
-            <a:r>
-              <a:rPr lang="en-US" altLang="en-US" sz="2400" dirty="0" err="1">
-                <a:solidFill>
-                  <a:srgbClr val="000088"/>
-                </a:solidFill>
-                <a:latin typeface="Ubuntu Mono"/>
-                <a:cs typeface="Sakkal Majalla" panose="02000000000000000000" pitchFamily="2" charset="-78"/>
-              </a:rPr>
-              <a:t>result</a:t>
-            </a:r>
-            <a:r>
-              <a:rPr lang="en-US" altLang="en-US" sz="2400" dirty="0" err="1">
-                <a:solidFill>
-                  <a:srgbClr val="000000"/>
-                </a:solidFill>
-                <a:latin typeface="Ubuntu Mono"/>
-                <a:cs typeface="Sakkal Majalla" panose="02000000000000000000" pitchFamily="2" charset="-78"/>
-              </a:rPr>
-              <a:t>.</a:t>
-            </a:r>
-            <a:r>
-              <a:rPr lang="en-US" altLang="en-US" sz="2400" dirty="0" err="1">
-                <a:solidFill>
-                  <a:srgbClr val="000088"/>
-                </a:solidFill>
-                <a:latin typeface="Ubuntu Mono"/>
-                <a:cs typeface="Sakkal Majalla" panose="02000000000000000000" pitchFamily="2" charset="-78"/>
-              </a:rPr>
-              <a:t>push</a:t>
-            </a:r>
-            <a:r>
-              <a:rPr lang="en-US" altLang="en-US" sz="2400" dirty="0">
-                <a:solidFill>
-                  <a:srgbClr val="000000"/>
-                </a:solidFill>
-                <a:latin typeface="Ubuntu Mono"/>
-                <a:cs typeface="Sakkal Majalla" panose="02000000000000000000" pitchFamily="2" charset="-78"/>
-              </a:rPr>
-              <a:t>(</a:t>
-            </a:r>
-            <a:r>
-              <a:rPr lang="en-US" altLang="en-US" sz="2400" dirty="0" err="1">
-                <a:solidFill>
-                  <a:srgbClr val="000088"/>
-                </a:solidFill>
-                <a:latin typeface="Ubuntu Mono"/>
-                <a:cs typeface="Sakkal Majalla" panose="02000000000000000000" pitchFamily="2" charset="-78"/>
-              </a:rPr>
-              <a:t>func</a:t>
-            </a:r>
-            <a:r>
-              <a:rPr lang="en-US" altLang="en-US" sz="2400" dirty="0">
-                <a:solidFill>
-                  <a:srgbClr val="000000"/>
-                </a:solidFill>
-                <a:latin typeface="Ubuntu Mono"/>
-                <a:cs typeface="Sakkal Majalla" panose="02000000000000000000" pitchFamily="2" charset="-78"/>
-              </a:rPr>
-              <a:t>); </a:t>
-            </a:r>
-          </a:p>
-          <a:p>
-            <a:pPr eaLnBrk="0" fontAlgn="base" hangingPunct="0">
-              <a:spcBef>
-                <a:spcPct val="0"/>
-              </a:spcBef>
-              <a:spcAft>
-                <a:spcPct val="0"/>
-              </a:spcAft>
-            </a:pPr>
-            <a:r>
-              <a:rPr lang="en-US" altLang="en-US" sz="2400" dirty="0">
-                <a:solidFill>
-                  <a:srgbClr val="000000"/>
-                </a:solidFill>
-                <a:latin typeface="Ubuntu Mono"/>
-                <a:cs typeface="Sakkal Majalla" panose="02000000000000000000" pitchFamily="2" charset="-78"/>
-              </a:rPr>
-              <a:t>    } </a:t>
-            </a:r>
-          </a:p>
-          <a:p>
-            <a:pPr eaLnBrk="0" fontAlgn="base" hangingPunct="0">
-              <a:spcBef>
-                <a:spcPct val="0"/>
-              </a:spcBef>
-              <a:spcAft>
-                <a:spcPct val="0"/>
-              </a:spcAft>
-            </a:pPr>
-            <a:r>
-              <a:rPr lang="en-US" altLang="en-US" sz="2400" b="1" dirty="0">
-                <a:solidFill>
-                  <a:srgbClr val="006699"/>
-                </a:solidFill>
-                <a:latin typeface="Ubuntu Mono"/>
-                <a:cs typeface="Sakkal Majalla" panose="02000000000000000000" pitchFamily="2" charset="-78"/>
-              </a:rPr>
-              <a:t>    return</a:t>
-            </a:r>
-            <a:r>
-              <a:rPr lang="en-US" altLang="en-US" sz="2400" dirty="0">
-                <a:solidFill>
-                  <a:srgbClr val="000000"/>
-                </a:solidFill>
-                <a:latin typeface="Ubuntu Mono"/>
-                <a:cs typeface="Sakkal Majalla" panose="02000000000000000000" pitchFamily="2" charset="-78"/>
-              </a:rPr>
-              <a:t> </a:t>
-            </a:r>
-            <a:r>
-              <a:rPr lang="en-US" altLang="en-US" sz="2400" dirty="0">
-                <a:solidFill>
-                  <a:srgbClr val="000088"/>
-                </a:solidFill>
-                <a:latin typeface="Ubuntu Mono"/>
-                <a:cs typeface="Sakkal Majalla" panose="02000000000000000000" pitchFamily="2" charset="-78"/>
-              </a:rPr>
-              <a:t>result</a:t>
-            </a:r>
-            <a:r>
-              <a:rPr lang="en-US" altLang="en-US" sz="2400" dirty="0">
-                <a:solidFill>
-                  <a:srgbClr val="000000"/>
-                </a:solidFill>
-                <a:latin typeface="Ubuntu Mono"/>
-                <a:cs typeface="Sakkal Majalla" panose="02000000000000000000" pitchFamily="2" charset="-78"/>
-              </a:rPr>
-              <a:t>; </a:t>
-            </a:r>
-          </a:p>
-          <a:p>
-            <a:pPr eaLnBrk="0" fontAlgn="base" hangingPunct="0">
-              <a:spcBef>
-                <a:spcPct val="0"/>
-              </a:spcBef>
-              <a:spcAft>
-                <a:spcPct val="0"/>
-              </a:spcAft>
-            </a:pPr>
-            <a:r>
-              <a:rPr lang="en-US" altLang="en-US" sz="2400" dirty="0">
-                <a:solidFill>
-                  <a:srgbClr val="000000"/>
-                </a:solidFill>
-                <a:latin typeface="Ubuntu Mono"/>
-                <a:cs typeface="Sakkal Majalla" panose="02000000000000000000" pitchFamily="2" charset="-78"/>
-              </a:rPr>
-              <a:t>} </a:t>
-            </a:r>
-          </a:p>
-          <a:p>
-            <a:pPr eaLnBrk="0" fontAlgn="base" hangingPunct="0">
-              <a:spcBef>
-                <a:spcPct val="0"/>
-              </a:spcBef>
-              <a:spcAft>
-                <a:spcPct val="0"/>
-              </a:spcAft>
-            </a:pPr>
-            <a:r>
-              <a:rPr lang="en-US" altLang="en-US" sz="2400" dirty="0">
-                <a:solidFill>
-                  <a:srgbClr val="000088"/>
-                </a:solidFill>
-                <a:latin typeface="Ubuntu Mono"/>
-                <a:cs typeface="Sakkal Majalla" panose="02000000000000000000" pitchFamily="2" charset="-78"/>
-              </a:rPr>
-              <a:t>console</a:t>
-            </a:r>
-            <a:r>
-              <a:rPr lang="en-US" altLang="en-US" sz="2400" dirty="0">
-                <a:solidFill>
-                  <a:srgbClr val="000000"/>
-                </a:solidFill>
-                <a:latin typeface="Ubuntu Mono"/>
-                <a:cs typeface="Sakkal Majalla" panose="02000000000000000000" pitchFamily="2" charset="-78"/>
-              </a:rPr>
-              <a:t>.</a:t>
-            </a:r>
-            <a:r>
-              <a:rPr lang="en-US" altLang="en-US" sz="2400" dirty="0">
-                <a:solidFill>
-                  <a:srgbClr val="000088"/>
-                </a:solidFill>
-                <a:latin typeface="Ubuntu Mono"/>
-                <a:cs typeface="Sakkal Majalla" panose="02000000000000000000" pitchFamily="2" charset="-78"/>
-              </a:rPr>
-              <a:t>log</a:t>
-            </a:r>
-            <a:r>
-              <a:rPr lang="en-US" altLang="en-US" sz="2400" dirty="0">
-                <a:solidFill>
-                  <a:srgbClr val="000000"/>
-                </a:solidFill>
-                <a:latin typeface="Ubuntu Mono"/>
-                <a:cs typeface="Sakkal Majalla" panose="02000000000000000000" pitchFamily="2" charset="-78"/>
-              </a:rPr>
-              <a:t>(</a:t>
-            </a:r>
-            <a:r>
-              <a:rPr lang="en-US" altLang="en-US" sz="2400" dirty="0">
-                <a:solidFill>
-                  <a:srgbClr val="000088"/>
-                </a:solidFill>
-                <a:latin typeface="Ubuntu Mono"/>
-                <a:cs typeface="Sakkal Majalla" panose="02000000000000000000" pitchFamily="2" charset="-78"/>
-              </a:rPr>
-              <a:t>f</a:t>
-            </a:r>
-            <a:r>
-              <a:rPr lang="en-US" altLang="en-US" sz="2400" dirty="0">
-                <a:solidFill>
-                  <a:srgbClr val="000000"/>
-                </a:solidFill>
-                <a:latin typeface="Ubuntu Mono"/>
-                <a:cs typeface="Sakkal Majalla" panose="02000000000000000000" pitchFamily="2" charset="-78"/>
-              </a:rPr>
-              <a:t>()[</a:t>
-            </a:r>
-            <a:r>
-              <a:rPr lang="en-US" altLang="en-US" sz="2400" dirty="0">
-                <a:solidFill>
-                  <a:srgbClr val="FF6600"/>
-                </a:solidFill>
-                <a:latin typeface="Ubuntu Mono"/>
-                <a:cs typeface="Sakkal Majalla" panose="02000000000000000000" pitchFamily="2" charset="-78"/>
-              </a:rPr>
-              <a:t>0</a:t>
-            </a:r>
-            <a:r>
-              <a:rPr lang="en-US" altLang="en-US" sz="2400" dirty="0">
-                <a:solidFill>
-                  <a:srgbClr val="000000"/>
-                </a:solidFill>
-                <a:latin typeface="Ubuntu Mono"/>
-                <a:cs typeface="Sakkal Majalla" panose="02000000000000000000" pitchFamily="2" charset="-78"/>
-              </a:rPr>
-              <a:t>]()); </a:t>
-            </a:r>
-            <a:r>
-              <a:rPr lang="en-US" altLang="en-US" sz="2400" dirty="0">
-                <a:solidFill>
-                  <a:srgbClr val="35586C"/>
-                </a:solidFill>
-                <a:latin typeface="Ubuntu Mono"/>
-                <a:cs typeface="Sakkal Majalla" panose="02000000000000000000" pitchFamily="2" charset="-78"/>
-              </a:rPr>
-              <a:t>// 3</a:t>
-            </a:r>
-            <a:r>
-              <a:rPr lang="en-US" altLang="en-US" sz="2400" dirty="0">
-                <a:latin typeface="Ubuntu Mono"/>
-                <a:cs typeface="Sakkal Majalla" panose="02000000000000000000" pitchFamily="2" charset="-78"/>
-              </a:rPr>
-              <a:t> </a:t>
-            </a:r>
-          </a:p>
-          <a:p>
-            <a:pPr eaLnBrk="0" fontAlgn="base" hangingPunct="0">
-              <a:spcBef>
-                <a:spcPct val="0"/>
-              </a:spcBef>
-              <a:spcAft>
-                <a:spcPct val="0"/>
-              </a:spcAft>
-            </a:pPr>
-            <a:r>
-              <a:rPr lang="en-US" altLang="en-US" sz="2400" dirty="0">
-                <a:solidFill>
-                  <a:srgbClr val="000088"/>
-                </a:solidFill>
-                <a:latin typeface="Ubuntu Mono"/>
-                <a:cs typeface="Sakkal Majalla" panose="02000000000000000000" pitchFamily="2" charset="-78"/>
-              </a:rPr>
-              <a:t>console</a:t>
-            </a:r>
-            <a:r>
-              <a:rPr lang="en-US" altLang="en-US" sz="2400" dirty="0">
-                <a:solidFill>
-                  <a:srgbClr val="000000"/>
-                </a:solidFill>
-                <a:latin typeface="Ubuntu Mono"/>
-                <a:cs typeface="Sakkal Majalla" panose="02000000000000000000" pitchFamily="2" charset="-78"/>
-              </a:rPr>
-              <a:t>.</a:t>
-            </a:r>
-            <a:r>
-              <a:rPr lang="en-US" altLang="en-US" sz="2400" dirty="0">
-                <a:solidFill>
-                  <a:srgbClr val="000088"/>
-                </a:solidFill>
-                <a:latin typeface="Ubuntu Mono"/>
-                <a:cs typeface="Sakkal Majalla" panose="02000000000000000000" pitchFamily="2" charset="-78"/>
-              </a:rPr>
-              <a:t>log</a:t>
-            </a:r>
-            <a:r>
-              <a:rPr lang="en-US" altLang="en-US" sz="2400" dirty="0">
-                <a:solidFill>
-                  <a:srgbClr val="000000"/>
-                </a:solidFill>
-                <a:latin typeface="Ubuntu Mono"/>
-                <a:cs typeface="Sakkal Majalla" panose="02000000000000000000" pitchFamily="2" charset="-78"/>
-              </a:rPr>
-              <a:t>(</a:t>
-            </a:r>
-            <a:r>
-              <a:rPr lang="en-US" altLang="en-US" sz="2400" dirty="0">
-                <a:solidFill>
-                  <a:srgbClr val="000088"/>
-                </a:solidFill>
-                <a:latin typeface="Ubuntu Mono"/>
-                <a:cs typeface="Sakkal Majalla" panose="02000000000000000000" pitchFamily="2" charset="-78"/>
-              </a:rPr>
-              <a:t>f</a:t>
-            </a:r>
-            <a:r>
-              <a:rPr lang="en-US" altLang="en-US" sz="2400" dirty="0">
-                <a:solidFill>
-                  <a:srgbClr val="000000"/>
-                </a:solidFill>
-                <a:latin typeface="Ubuntu Mono"/>
-                <a:cs typeface="Sakkal Majalla" panose="02000000000000000000" pitchFamily="2" charset="-78"/>
-              </a:rPr>
-              <a:t>()[</a:t>
-            </a:r>
-            <a:r>
-              <a:rPr lang="en-US" altLang="en-US" sz="2400" dirty="0">
-                <a:solidFill>
-                  <a:srgbClr val="FF6600"/>
-                </a:solidFill>
-                <a:latin typeface="Ubuntu Mono"/>
-                <a:cs typeface="Sakkal Majalla" panose="02000000000000000000" pitchFamily="2" charset="-78"/>
-              </a:rPr>
-              <a:t>1</a:t>
-            </a:r>
-            <a:r>
-              <a:rPr lang="en-US" altLang="en-US" sz="2400" dirty="0">
-                <a:solidFill>
-                  <a:srgbClr val="000000"/>
-                </a:solidFill>
-                <a:latin typeface="Ubuntu Mono"/>
-                <a:cs typeface="Sakkal Majalla" panose="02000000000000000000" pitchFamily="2" charset="-78"/>
-              </a:rPr>
-              <a:t>]()); </a:t>
-            </a:r>
-            <a:r>
-              <a:rPr lang="en-US" altLang="en-US" sz="2400" dirty="0">
-                <a:solidFill>
-                  <a:srgbClr val="35586C"/>
-                </a:solidFill>
-                <a:latin typeface="Ubuntu Mono"/>
-                <a:cs typeface="Sakkal Majalla" panose="02000000000000000000" pitchFamily="2" charset="-78"/>
-              </a:rPr>
-              <a:t>// 3</a:t>
-            </a:r>
-            <a:r>
-              <a:rPr lang="en-US" altLang="en-US" sz="2400" dirty="0">
-                <a:latin typeface="Ubuntu Mono"/>
-                <a:cs typeface="Sakkal Majalla" panose="02000000000000000000" pitchFamily="2" charset="-78"/>
-              </a:rPr>
-              <a:t> </a:t>
-            </a:r>
-          </a:p>
-          <a:p>
-            <a:pPr eaLnBrk="0" fontAlgn="base" hangingPunct="0">
-              <a:spcBef>
-                <a:spcPct val="0"/>
-              </a:spcBef>
-              <a:spcAft>
-                <a:spcPct val="0"/>
-              </a:spcAft>
-            </a:pPr>
-            <a:r>
-              <a:rPr lang="en-US" altLang="en-US" sz="2400" dirty="0">
-                <a:solidFill>
-                  <a:srgbClr val="000088"/>
-                </a:solidFill>
-                <a:latin typeface="Ubuntu Mono"/>
-                <a:cs typeface="Sakkal Majalla" panose="02000000000000000000" pitchFamily="2" charset="-78"/>
-              </a:rPr>
-              <a:t>console</a:t>
-            </a:r>
-            <a:r>
-              <a:rPr lang="en-US" altLang="en-US" sz="2400" dirty="0">
-                <a:solidFill>
-                  <a:srgbClr val="000000"/>
-                </a:solidFill>
-                <a:latin typeface="Ubuntu Mono"/>
-                <a:cs typeface="Sakkal Majalla" panose="02000000000000000000" pitchFamily="2" charset="-78"/>
-              </a:rPr>
-              <a:t>.</a:t>
-            </a:r>
-            <a:r>
-              <a:rPr lang="en-US" altLang="en-US" sz="2400" dirty="0">
-                <a:solidFill>
-                  <a:srgbClr val="000088"/>
-                </a:solidFill>
-                <a:latin typeface="Ubuntu Mono"/>
-                <a:cs typeface="Sakkal Majalla" panose="02000000000000000000" pitchFamily="2" charset="-78"/>
-              </a:rPr>
-              <a:t>log</a:t>
-            </a:r>
-            <a:r>
-              <a:rPr lang="en-US" altLang="en-US" sz="2400" dirty="0">
-                <a:solidFill>
-                  <a:srgbClr val="000000"/>
-                </a:solidFill>
-                <a:latin typeface="Ubuntu Mono"/>
-                <a:cs typeface="Sakkal Majalla" panose="02000000000000000000" pitchFamily="2" charset="-78"/>
-              </a:rPr>
-              <a:t>(</a:t>
-            </a:r>
-            <a:r>
-              <a:rPr lang="en-US" altLang="en-US" sz="2400" dirty="0">
-                <a:solidFill>
-                  <a:srgbClr val="000088"/>
-                </a:solidFill>
-                <a:latin typeface="Ubuntu Mono"/>
-                <a:cs typeface="Sakkal Majalla" panose="02000000000000000000" pitchFamily="2" charset="-78"/>
-              </a:rPr>
-              <a:t>f</a:t>
-            </a:r>
-            <a:r>
-              <a:rPr lang="en-US" altLang="en-US" sz="2400" dirty="0">
-                <a:solidFill>
-                  <a:srgbClr val="000000"/>
-                </a:solidFill>
-                <a:latin typeface="Ubuntu Mono"/>
-                <a:cs typeface="Sakkal Majalla" panose="02000000000000000000" pitchFamily="2" charset="-78"/>
-              </a:rPr>
-              <a:t>()[</a:t>
-            </a:r>
-            <a:r>
-              <a:rPr lang="en-US" altLang="en-US" sz="2400" dirty="0">
-                <a:solidFill>
-                  <a:srgbClr val="FF6600"/>
-                </a:solidFill>
-                <a:latin typeface="Ubuntu Mono"/>
-                <a:cs typeface="Sakkal Majalla" panose="02000000000000000000" pitchFamily="2" charset="-78"/>
-              </a:rPr>
-              <a:t>2</a:t>
-            </a:r>
-            <a:r>
-              <a:rPr lang="en-US" altLang="en-US" sz="2400" dirty="0">
-                <a:solidFill>
-                  <a:srgbClr val="000000"/>
-                </a:solidFill>
-                <a:latin typeface="Ubuntu Mono"/>
-                <a:cs typeface="Sakkal Majalla" panose="02000000000000000000" pitchFamily="2" charset="-78"/>
-              </a:rPr>
-              <a:t>]()); </a:t>
-            </a:r>
-            <a:r>
-              <a:rPr lang="en-US" altLang="en-US" sz="2400" dirty="0">
-                <a:solidFill>
-                  <a:srgbClr val="35586C"/>
-                </a:solidFill>
-                <a:latin typeface="Ubuntu Mono"/>
-                <a:cs typeface="Sakkal Majalla" panose="02000000000000000000" pitchFamily="2" charset="-78"/>
-              </a:rPr>
-              <a:t>// 3</a:t>
-            </a:r>
-            <a:r>
-              <a:rPr lang="en-US" altLang="en-US" sz="2400" dirty="0">
-                <a:latin typeface="Ubuntu Mono"/>
-                <a:cs typeface="Sakkal Majalla" panose="02000000000000000000" pitchFamily="2" charset="-78"/>
-              </a:rPr>
-              <a:t> </a:t>
-            </a:r>
-          </a:p>
-          <a:p>
-            <a:pPr eaLnBrk="0" fontAlgn="base" hangingPunct="0">
-              <a:spcBef>
-                <a:spcPct val="0"/>
-              </a:spcBef>
-              <a:spcAft>
-                <a:spcPct val="0"/>
-              </a:spcAft>
-            </a:pPr>
-            <a:endParaRPr lang="en-US" altLang="en-US" sz="2400" dirty="0">
-              <a:latin typeface="Ubuntu Mono"/>
-              <a:cs typeface="Sakkal Majalla" panose="02000000000000000000" pitchFamily="2" charset="-78"/>
-            </a:endParaRPr>
-          </a:p>
-        </p:txBody>
-      </p:sp>
-    </p:spTree>
-    <p:extLst>
-      <p:ext uri="{BB962C8B-B14F-4D97-AF65-F5344CB8AC3E}">
-        <p14:creationId xmlns:p14="http://schemas.microsoft.com/office/powerpoint/2010/main" val="2264664392"/>
       </p:ext>
     </p:extLst>
   </p:cSld>
@@ -16565,12 +15456,12 @@
           <a:bodyPr/>
           <a:lstStyle/>
           <a:p>
-            <a:pPr marL="0" indent="0">
-              <a:buNone/>
+            <a:pPr marL="514350" indent="-514350">
+              <a:buAutoNum type="arabicPeriod"/>
             </a:pPr>
             <a:r>
               <a:rPr lang="en-US" dirty="0" smtClean="0"/>
-              <a:t>2. Avoiding variable sharing.</a:t>
+              <a:t>Avoiding global variable or hiding variables from global scope.</a:t>
             </a:r>
           </a:p>
           <a:p>
@@ -16583,62 +15474,267 @@
       </p:sp>
       <p:sp>
         <p:nvSpPr>
-          <p:cNvPr id="5" name="Rectangle 2"/>
-          <p:cNvSpPr>
-            <a:spLocks noChangeArrowheads="1"/>
-          </p:cNvSpPr>
+          <p:cNvPr id="5" name="Rectangle 4"/>
+          <p:cNvSpPr/>
           <p:nvPr/>
         </p:nvSpPr>
-        <p:spPr bwMode="auto">
+        <p:spPr>
           <a:xfrm>
-            <a:off x="1991545" y="908720"/>
-            <a:ext cx="6187591" cy="5170646"/>
+            <a:off x="1991544" y="1600298"/>
+            <a:ext cx="4608512" cy="2308324"/>
           </a:xfrm>
           <a:prstGeom prst="rect">
             <a:avLst/>
           </a:prstGeom>
-          <a:noFill/>
-          <a:ln>
-            <a:noFill/>
-          </a:ln>
-          <a:effectLst/>
-          <a:extLst>
-            <a:ext uri="{909E8E84-426E-40DD-AFC4-6F175D3DCCD1}">
-              <a14:hiddenFill xmlns:a14="http://schemas.microsoft.com/office/drawing/2010/main">
-                <a:solidFill>
-                  <a:schemeClr val="accent1"/>
-                </a:solidFill>
-              </a14:hiddenFill>
-            </a:ext>
-            <a:ext uri="{91240B29-F687-4F45-9708-019B960494DF}">
-              <a14:hiddenLine xmlns:a14="http://schemas.microsoft.com/office/drawing/2010/main" w="9525">
-                <a:solidFill>
-                  <a:schemeClr val="tx1"/>
-                </a:solidFill>
-                <a:miter lim="800000"/>
-                <a:headEnd/>
-                <a:tailEnd/>
-              </a14:hiddenLine>
-            </a:ext>
-            <a:ext uri="{AF507438-7753-43E0-B8FC-AC1667EBCBE1}">
-              <a14:hiddenEffects xmlns:a14="http://schemas.microsoft.com/office/drawing/2010/main">
-                <a:effectLst>
-                  <a:outerShdw dist="35921" dir="2700000" algn="ctr" rotWithShape="0">
-                    <a:schemeClr val="bg2"/>
-                  </a:outerShdw>
-                </a:effectLst>
-              </a14:hiddenEffects>
-            </a:ext>
-          </a:extLst>
         </p:spPr>
         <p:txBody>
-          <a:bodyPr vert="horz" wrap="none" lIns="0" tIns="0" rIns="0" bIns="0" numCol="1" anchor="ctr" anchorCtr="0" compatLnSpc="1">
-            <a:prstTxWarp prst="textNoShape">
-              <a:avLst/>
-            </a:prstTxWarp>
+          <a:bodyPr wrap="square">
             <a:spAutoFit/>
           </a:bodyPr>
           <a:lstStyle/>
+          <a:p>
+            <a:pPr lvl="0" eaLnBrk="0" fontAlgn="base" hangingPunct="0">
+              <a:spcBef>
+                <a:spcPct val="0"/>
+              </a:spcBef>
+              <a:spcAft>
+                <a:spcPct val="0"/>
+              </a:spcAft>
+            </a:pPr>
+            <a:r>
+              <a:rPr lang="en-US" altLang="en-US" dirty="0">
+                <a:solidFill>
+                  <a:srgbClr val="FF0000"/>
+                </a:solidFill>
+                <a:latin typeface="Ubuntu Mono"/>
+              </a:rPr>
+              <a:t>(</a:t>
+            </a:r>
+            <a:r>
+              <a:rPr lang="en-US" altLang="en-US" b="1" dirty="0">
+                <a:solidFill>
+                  <a:srgbClr val="006699"/>
+                </a:solidFill>
+                <a:latin typeface="Ubuntu Mono"/>
+              </a:rPr>
+              <a:t>function</a:t>
+            </a:r>
+            <a:r>
+              <a:rPr lang="en-US" altLang="en-US" dirty="0">
+                <a:solidFill>
+                  <a:srgbClr val="000000"/>
+                </a:solidFill>
+                <a:latin typeface="Ubuntu Mono"/>
+              </a:rPr>
+              <a:t> </a:t>
+            </a:r>
+            <a:r>
+              <a:rPr lang="en-US" altLang="en-US" dirty="0">
+                <a:solidFill>
+                  <a:srgbClr val="FF0000"/>
+                </a:solidFill>
+                <a:latin typeface="Ubuntu Mono"/>
+              </a:rPr>
+              <a:t>()</a:t>
+            </a:r>
+            <a:r>
+              <a:rPr lang="en-US" altLang="en-US" dirty="0">
+                <a:solidFill>
+                  <a:srgbClr val="000000"/>
+                </a:solidFill>
+                <a:latin typeface="Ubuntu Mono"/>
+              </a:rPr>
+              <a:t> { </a:t>
+            </a:r>
+          </a:p>
+          <a:p>
+            <a:pPr lvl="0" eaLnBrk="0" fontAlgn="base" hangingPunct="0">
+              <a:spcBef>
+                <a:spcPct val="0"/>
+              </a:spcBef>
+              <a:spcAft>
+                <a:spcPct val="0"/>
+              </a:spcAft>
+            </a:pPr>
+            <a:r>
+              <a:rPr lang="en-US" altLang="en-US" dirty="0">
+                <a:solidFill>
+                  <a:srgbClr val="000000"/>
+                </a:solidFill>
+                <a:latin typeface="Ubuntu Mono"/>
+              </a:rPr>
+              <a:t>   </a:t>
+            </a:r>
+            <a:r>
+              <a:rPr lang="en-US" altLang="en-US" dirty="0" err="1">
+                <a:solidFill>
+                  <a:srgbClr val="000000"/>
+                </a:solidFill>
+                <a:latin typeface="Ubuntu Mono"/>
+              </a:rPr>
+              <a:t>var</a:t>
+            </a:r>
+            <a:r>
+              <a:rPr lang="en-US" altLang="en-US" dirty="0">
+                <a:solidFill>
+                  <a:srgbClr val="000000"/>
+                </a:solidFill>
+                <a:latin typeface="Ubuntu Mono"/>
+              </a:rPr>
+              <a:t> x = 2;</a:t>
+            </a:r>
+          </a:p>
+          <a:p>
+            <a:pPr lvl="0" eaLnBrk="0" fontAlgn="base" hangingPunct="0">
+              <a:spcBef>
+                <a:spcPct val="0"/>
+              </a:spcBef>
+              <a:spcAft>
+                <a:spcPct val="0"/>
+              </a:spcAft>
+            </a:pPr>
+            <a:r>
+              <a:rPr lang="en-US" altLang="en-US" dirty="0">
+                <a:solidFill>
+                  <a:srgbClr val="000000"/>
+                </a:solidFill>
+                <a:latin typeface="Ubuntu Mono"/>
+              </a:rPr>
+              <a:t>   </a:t>
+            </a:r>
+            <a:r>
+              <a:rPr lang="en-US" altLang="en-US" dirty="0" err="1">
+                <a:solidFill>
+                  <a:srgbClr val="000000"/>
+                </a:solidFill>
+                <a:latin typeface="Ubuntu Mono"/>
+              </a:rPr>
+              <a:t>var</a:t>
+            </a:r>
+            <a:r>
+              <a:rPr lang="en-US" altLang="en-US" dirty="0">
+                <a:solidFill>
+                  <a:srgbClr val="000000"/>
+                </a:solidFill>
+                <a:latin typeface="Ubuntu Mono"/>
+              </a:rPr>
+              <a:t> y = 4;</a:t>
+            </a:r>
+          </a:p>
+          <a:p>
+            <a:pPr lvl="0" eaLnBrk="0" fontAlgn="base" hangingPunct="0">
+              <a:spcBef>
+                <a:spcPct val="0"/>
+              </a:spcBef>
+              <a:spcAft>
+                <a:spcPct val="0"/>
+              </a:spcAft>
+            </a:pPr>
+            <a:r>
+              <a:rPr lang="en-US" altLang="en-US" dirty="0">
+                <a:solidFill>
+                  <a:srgbClr val="000000"/>
+                </a:solidFill>
+                <a:latin typeface="Ubuntu Mono"/>
+              </a:rPr>
+              <a:t>}</a:t>
+            </a:r>
+            <a:r>
+              <a:rPr lang="en-US" altLang="en-US" dirty="0">
+                <a:solidFill>
+                  <a:srgbClr val="FF0000"/>
+                </a:solidFill>
+                <a:latin typeface="Ubuntu Mono"/>
+              </a:rPr>
+              <a:t>());</a:t>
+            </a:r>
+            <a:r>
+              <a:rPr lang="en-US" altLang="en-US" dirty="0">
+                <a:solidFill>
+                  <a:srgbClr val="000000"/>
+                </a:solidFill>
+                <a:latin typeface="Ubuntu Mono"/>
+              </a:rPr>
+              <a:t> </a:t>
+            </a:r>
+          </a:p>
+          <a:p>
+            <a:pPr lvl="0" eaLnBrk="0" fontAlgn="base" hangingPunct="0">
+              <a:spcBef>
+                <a:spcPct val="0"/>
+              </a:spcBef>
+              <a:spcAft>
+                <a:spcPct val="0"/>
+              </a:spcAft>
+            </a:pPr>
+            <a:endParaRPr lang="en-US" altLang="en-US" dirty="0">
+              <a:solidFill>
+                <a:srgbClr val="000000"/>
+              </a:solidFill>
+              <a:latin typeface="Ubuntu Mono"/>
+            </a:endParaRPr>
+          </a:p>
+          <a:p>
+            <a:pPr lvl="0" eaLnBrk="0" fontAlgn="base" hangingPunct="0">
+              <a:spcBef>
+                <a:spcPct val="0"/>
+              </a:spcBef>
+              <a:spcAft>
+                <a:spcPct val="0"/>
+              </a:spcAft>
+            </a:pPr>
+            <a:r>
+              <a:rPr lang="en-US" altLang="en-US" dirty="0" err="1">
+                <a:solidFill>
+                  <a:srgbClr val="000000"/>
+                </a:solidFill>
+                <a:latin typeface="Ubuntu Mono"/>
+              </a:rPr>
+              <a:t>typeof</a:t>
+            </a:r>
+            <a:r>
+              <a:rPr lang="en-US" altLang="en-US" dirty="0">
+                <a:solidFill>
+                  <a:srgbClr val="000000"/>
+                </a:solidFill>
+                <a:latin typeface="Ubuntu Mono"/>
+              </a:rPr>
+              <a:t> </a:t>
+            </a:r>
+            <a:r>
+              <a:rPr lang="en-US" altLang="en-US" dirty="0" err="1">
+                <a:solidFill>
+                  <a:srgbClr val="000000"/>
+                </a:solidFill>
+                <a:latin typeface="Ubuntu Mono"/>
+              </a:rPr>
+              <a:t>window.x</a:t>
+            </a:r>
+            <a:r>
+              <a:rPr lang="en-US" altLang="en-US" dirty="0">
+                <a:solidFill>
+                  <a:srgbClr val="000000"/>
+                </a:solidFill>
+                <a:latin typeface="Ubuntu Mono"/>
+              </a:rPr>
+              <a:t> === </a:t>
+            </a:r>
+            <a:r>
+              <a:rPr lang="en-US" altLang="en-US" dirty="0">
+                <a:solidFill>
+                  <a:srgbClr val="FF0000"/>
+                </a:solidFill>
+                <a:latin typeface="Ubuntu Mono"/>
+              </a:rPr>
+              <a:t>“undefined”</a:t>
+            </a:r>
+            <a:r>
+              <a:rPr lang="en-US" altLang="en-US" dirty="0">
+                <a:latin typeface="Ubuntu Mono"/>
+              </a:rPr>
+              <a:t>;</a:t>
+            </a:r>
+          </a:p>
           <a:p>
             <a:pPr eaLnBrk="0" fontAlgn="base" hangingPunct="0">
               <a:spcBef>
@@ -16649,725 +15745,59 @@
               </a:spcAft>
             </a:pPr>
             <a:r>
-              <a:rPr lang="en-US" altLang="en-US" sz="2400" b="1" dirty="0">
-                <a:solidFill>
-                  <a:srgbClr val="006699"/>
-                </a:solidFill>
-                <a:latin typeface="Ubuntu Mono"/>
-              </a:rPr>
-              <a:t>function</a:t>
-            </a:r>
-            <a:r>
-              <a:rPr lang="en-US" altLang="en-US" sz="2400" dirty="0">
+              <a:rPr lang="en-US" altLang="en-US" dirty="0" err="1">
                 <a:solidFill>
                   <a:srgbClr val="000000"/>
                 </a:solidFill>
                 <a:latin typeface="Ubuntu Mono"/>
               </a:rPr>
+              <a:t>typeof</a:t>
+            </a:r>
+            <a:r>
+              <a:rPr lang="en-US" altLang="en-US" dirty="0">
+                <a:solidFill>
+                  <a:srgbClr val="000000"/>
+                </a:solidFill>
+                <a:latin typeface="Ubuntu Mono"/>
+              </a:rPr>
               <a:t> </a:t>
             </a:r>
             <a:r>
-              <a:rPr lang="en-US" altLang="en-US" sz="2400" dirty="0">
-                <a:solidFill>
-                  <a:srgbClr val="000088"/>
-                </a:solidFill>
-                <a:latin typeface="Ubuntu Mono"/>
-              </a:rPr>
-              <a:t>f</a:t>
-            </a:r>
-            <a:r>
-              <a:rPr lang="en-US" altLang="en-US" sz="2400" dirty="0">
+              <a:rPr lang="en-US" altLang="en-US" dirty="0" err="1">
                 <a:solidFill>
                   <a:srgbClr val="000000"/>
                 </a:solidFill>
                 <a:latin typeface="Ubuntu Mono"/>
               </a:rPr>
-              <a:t>() { </a:t>
-            </a:r>
-          </a:p>
-          <a:p>
-            <a:pPr eaLnBrk="0" fontAlgn="base" hangingPunct="0">
-              <a:spcBef>
-                <a:spcPct val="0"/>
-              </a:spcBef>
-              <a:spcAft>
-                <a:spcPct val="0"/>
-              </a:spcAft>
-            </a:pPr>
-            <a:r>
-              <a:rPr lang="en-US" altLang="en-US" sz="2400" dirty="0">
+              <a:t>window.y</a:t>
+            </a:r>
+            <a:r>
+              <a:rPr lang="en-US" altLang="en-US" dirty="0">
                 <a:solidFill>
                   <a:srgbClr val="000000"/>
                 </a:solidFill>
                 <a:latin typeface="Ubuntu Mono"/>
               </a:rPr>
-              <a:t>    </a:t>
-            </a:r>
-            <a:r>
-              <a:rPr lang="en-US" altLang="en-US" sz="2400" b="1" dirty="0" err="1">
-                <a:solidFill>
-                  <a:srgbClr val="006699"/>
-                </a:solidFill>
-                <a:latin typeface="Ubuntu Mono"/>
-              </a:rPr>
-              <a:t>var</a:t>
-            </a:r>
-            <a:r>
-              <a:rPr lang="en-US" altLang="en-US" sz="2400" dirty="0">
-                <a:solidFill>
-                  <a:srgbClr val="000000"/>
-                </a:solidFill>
-                <a:latin typeface="Ubuntu Mono"/>
-              </a:rPr>
-              <a:t> </a:t>
-            </a:r>
-            <a:r>
-              <a:rPr lang="en-US" altLang="en-US" sz="2400" dirty="0">
-                <a:solidFill>
-                  <a:srgbClr val="000088"/>
-                </a:solidFill>
-                <a:latin typeface="Ubuntu Mono"/>
-              </a:rPr>
-              <a:t>result</a:t>
-            </a:r>
-            <a:r>
-              <a:rPr lang="en-US" altLang="en-US" sz="2400" dirty="0">
-                <a:solidFill>
-                  <a:srgbClr val="000000"/>
-                </a:solidFill>
-                <a:latin typeface="Ubuntu Mono"/>
-              </a:rPr>
-              <a:t> </a:t>
-            </a:r>
-            <a:r>
-              <a:rPr lang="en-US" altLang="en-US" sz="2400" dirty="0">
-                <a:solidFill>
-                  <a:srgbClr val="555555"/>
-                </a:solidFill>
-                <a:latin typeface="Ubuntu Mono"/>
-              </a:rPr>
-              <a:t>=</a:t>
-            </a:r>
-            <a:r>
-              <a:rPr lang="en-US" altLang="en-US" sz="2400" dirty="0">
-                <a:solidFill>
-                  <a:srgbClr val="000000"/>
-                </a:solidFill>
-                <a:latin typeface="Ubuntu Mono"/>
-              </a:rPr>
-              <a:t> []; </a:t>
-            </a:r>
-          </a:p>
-          <a:p>
-            <a:pPr eaLnBrk="0" fontAlgn="base" hangingPunct="0">
-              <a:spcBef>
-                <a:spcPct val="0"/>
-              </a:spcBef>
-              <a:spcAft>
-                <a:spcPct val="0"/>
-              </a:spcAft>
-            </a:pPr>
-            <a:r>
-              <a:rPr lang="en-US" altLang="en-US" sz="2400" dirty="0">
-                <a:solidFill>
-                  <a:srgbClr val="000000"/>
-                </a:solidFill>
-                <a:latin typeface="Ubuntu Mono"/>
-              </a:rPr>
-              <a:t>    </a:t>
-            </a:r>
-            <a:r>
-              <a:rPr lang="en-US" altLang="en-US" sz="2400" b="1" dirty="0">
-                <a:solidFill>
-                  <a:srgbClr val="006699"/>
-                </a:solidFill>
-                <a:latin typeface="Ubuntu Mono"/>
-              </a:rPr>
-              <a:t>for</a:t>
-            </a:r>
-            <a:r>
-              <a:rPr lang="en-US" altLang="en-US" sz="2400" dirty="0">
-                <a:solidFill>
-                  <a:srgbClr val="000000"/>
-                </a:solidFill>
-                <a:latin typeface="Ubuntu Mono"/>
-              </a:rPr>
-              <a:t> (</a:t>
-            </a:r>
-            <a:r>
-              <a:rPr lang="en-US" altLang="en-US" sz="2400" b="1" dirty="0" err="1">
-                <a:solidFill>
-                  <a:srgbClr val="006699"/>
-                </a:solidFill>
-                <a:latin typeface="Ubuntu Mono"/>
-              </a:rPr>
-              <a:t>var</a:t>
-            </a:r>
-            <a:r>
-              <a:rPr lang="en-US" altLang="en-US" sz="2400" dirty="0">
-                <a:solidFill>
-                  <a:srgbClr val="000000"/>
-                </a:solidFill>
-                <a:latin typeface="Ubuntu Mono"/>
-              </a:rPr>
-              <a:t> </a:t>
-            </a:r>
-            <a:r>
-              <a:rPr lang="en-US" altLang="en-US" sz="2400" dirty="0" err="1">
-                <a:solidFill>
-                  <a:srgbClr val="000088"/>
-                </a:solidFill>
-                <a:latin typeface="Ubuntu Mono"/>
-              </a:rPr>
-              <a:t>i</a:t>
-            </a:r>
-            <a:r>
-              <a:rPr lang="en-US" altLang="en-US" sz="2400" dirty="0">
-                <a:solidFill>
-                  <a:srgbClr val="555555"/>
-                </a:solidFill>
-                <a:latin typeface="Ubuntu Mono"/>
-              </a:rPr>
-              <a:t>=</a:t>
-            </a:r>
-            <a:r>
-              <a:rPr lang="en-US" altLang="en-US" sz="2400" dirty="0">
-                <a:solidFill>
-                  <a:srgbClr val="FF6600"/>
-                </a:solidFill>
-                <a:latin typeface="Ubuntu Mono"/>
-              </a:rPr>
-              <a:t>0</a:t>
-            </a:r>
-            <a:r>
-              <a:rPr lang="en-US" altLang="en-US" sz="2400" dirty="0">
-                <a:solidFill>
-                  <a:srgbClr val="000000"/>
-                </a:solidFill>
-                <a:latin typeface="Ubuntu Mono"/>
-              </a:rPr>
-              <a:t>; </a:t>
-            </a:r>
-            <a:r>
-              <a:rPr lang="en-US" altLang="en-US" sz="2400" dirty="0" err="1">
-                <a:solidFill>
-                  <a:srgbClr val="000088"/>
-                </a:solidFill>
-                <a:latin typeface="Ubuntu Mono"/>
-              </a:rPr>
-              <a:t>i</a:t>
-            </a:r>
-            <a:r>
-              <a:rPr lang="en-US" altLang="en-US" sz="2400" dirty="0">
-                <a:solidFill>
-                  <a:srgbClr val="555555"/>
-                </a:solidFill>
-                <a:latin typeface="Ubuntu Mono"/>
-              </a:rPr>
-              <a:t>&lt;</a:t>
-            </a:r>
-            <a:r>
-              <a:rPr lang="en-US" altLang="en-US" sz="2400" dirty="0">
-                <a:solidFill>
-                  <a:srgbClr val="FF6600"/>
-                </a:solidFill>
-                <a:latin typeface="Ubuntu Mono"/>
-              </a:rPr>
-              <a:t>3</a:t>
-            </a:r>
-            <a:r>
-              <a:rPr lang="en-US" altLang="en-US" sz="2400" dirty="0">
-                <a:solidFill>
-                  <a:srgbClr val="000000"/>
-                </a:solidFill>
-                <a:latin typeface="Ubuntu Mono"/>
-              </a:rPr>
-              <a:t>; </a:t>
-            </a:r>
-            <a:r>
-              <a:rPr lang="en-US" altLang="en-US" sz="2400" dirty="0" err="1">
-                <a:solidFill>
-                  <a:srgbClr val="000088"/>
-                </a:solidFill>
-                <a:latin typeface="Ubuntu Mono"/>
-              </a:rPr>
-              <a:t>i</a:t>
-            </a:r>
-            <a:r>
-              <a:rPr lang="en-US" altLang="en-US" sz="2400" dirty="0">
-                <a:solidFill>
-                  <a:srgbClr val="555555"/>
-                </a:solidFill>
-                <a:latin typeface="Ubuntu Mono"/>
-              </a:rPr>
-              <a:t>++</a:t>
-            </a:r>
-            <a:r>
-              <a:rPr lang="en-US" altLang="en-US" sz="2400" dirty="0">
-                <a:solidFill>
-                  <a:srgbClr val="000000"/>
-                </a:solidFill>
-                <a:latin typeface="Ubuntu Mono"/>
-              </a:rPr>
-              <a:t>) { </a:t>
-            </a:r>
-          </a:p>
-          <a:p>
-            <a:pPr eaLnBrk="0" fontAlgn="base" hangingPunct="0">
-              <a:spcBef>
-                <a:spcPct val="0"/>
-              </a:spcBef>
-              <a:spcAft>
-                <a:spcPct val="0"/>
-              </a:spcAft>
-            </a:pPr>
-            <a:r>
-              <a:rPr lang="en-US" altLang="en-US" sz="2400" dirty="0">
-                <a:solidFill>
-                  <a:srgbClr val="000000"/>
-                </a:solidFill>
-                <a:latin typeface="Ubuntu Mono"/>
-              </a:rPr>
-              <a:t>         (</a:t>
-            </a:r>
-            <a:r>
-              <a:rPr lang="en-US" altLang="en-US" sz="2400" b="1" dirty="0">
-                <a:solidFill>
-                  <a:srgbClr val="006699"/>
-                </a:solidFill>
-                <a:latin typeface="Ubuntu Mono"/>
-              </a:rPr>
-              <a:t>function</a:t>
-            </a:r>
-            <a:r>
-              <a:rPr lang="en-US" altLang="en-US" sz="2400" dirty="0">
-                <a:solidFill>
-                  <a:srgbClr val="000000"/>
-                </a:solidFill>
-                <a:latin typeface="Ubuntu Mono"/>
-              </a:rPr>
-              <a:t> () { </a:t>
-            </a:r>
-            <a:r>
-              <a:rPr lang="en-US" altLang="en-US" sz="2400" i="1" dirty="0">
-                <a:solidFill>
-                  <a:srgbClr val="35586C"/>
-                </a:solidFill>
-                <a:latin typeface="Ubuntu Mono"/>
-              </a:rPr>
-              <a:t>// step 1: IIFE</a:t>
-            </a:r>
-            <a:r>
-              <a:rPr lang="en-US" altLang="en-US" sz="2400" dirty="0">
-                <a:solidFill>
-                  <a:srgbClr val="000000"/>
-                </a:solidFill>
-                <a:latin typeface="Ubuntu Mono"/>
-              </a:rPr>
-              <a:t> </a:t>
-            </a:r>
-          </a:p>
-          <a:p>
-            <a:pPr eaLnBrk="0" fontAlgn="base" hangingPunct="0">
-              <a:spcBef>
-                <a:spcPct val="0"/>
-              </a:spcBef>
-              <a:spcAft>
-                <a:spcPct val="0"/>
-              </a:spcAft>
-            </a:pPr>
-            <a:r>
-              <a:rPr lang="en-US" altLang="en-US" sz="2400" dirty="0">
-                <a:solidFill>
-                  <a:srgbClr val="000000"/>
-                </a:solidFill>
-                <a:latin typeface="Ubuntu Mono"/>
-              </a:rPr>
-              <a:t>             </a:t>
-            </a:r>
-            <a:r>
-              <a:rPr lang="en-US" altLang="en-US" sz="2400" b="1" dirty="0" err="1">
-                <a:solidFill>
-                  <a:srgbClr val="006699"/>
-                </a:solidFill>
-                <a:latin typeface="Ubuntu Mono"/>
-              </a:rPr>
-              <a:t>var</a:t>
-            </a:r>
-            <a:r>
-              <a:rPr lang="en-US" altLang="en-US" sz="2400" dirty="0">
-                <a:solidFill>
-                  <a:srgbClr val="000000"/>
-                </a:solidFill>
-                <a:latin typeface="Ubuntu Mono"/>
-              </a:rPr>
-              <a:t> </a:t>
-            </a:r>
-            <a:r>
-              <a:rPr lang="en-US" altLang="en-US" sz="2400" dirty="0" err="1">
-                <a:solidFill>
-                  <a:srgbClr val="000088"/>
-                </a:solidFill>
-                <a:latin typeface="Ubuntu Mono"/>
-              </a:rPr>
-              <a:t>pos</a:t>
-            </a:r>
-            <a:r>
-              <a:rPr lang="en-US" altLang="en-US" sz="2400" dirty="0">
-                <a:solidFill>
-                  <a:srgbClr val="000000"/>
-                </a:solidFill>
-                <a:latin typeface="Ubuntu Mono"/>
-              </a:rPr>
-              <a:t> </a:t>
-            </a:r>
-            <a:r>
-              <a:rPr lang="en-US" altLang="en-US" sz="2400" dirty="0">
-                <a:solidFill>
-                  <a:srgbClr val="555555"/>
-                </a:solidFill>
-                <a:latin typeface="Ubuntu Mono"/>
-              </a:rPr>
-              <a:t>=</a:t>
-            </a:r>
-            <a:r>
-              <a:rPr lang="en-US" altLang="en-US" sz="2400" dirty="0">
-                <a:solidFill>
-                  <a:srgbClr val="000000"/>
-                </a:solidFill>
-                <a:latin typeface="Ubuntu Mono"/>
-              </a:rPr>
-              <a:t> </a:t>
-            </a:r>
-            <a:r>
-              <a:rPr lang="en-US" altLang="en-US" sz="2400" dirty="0" err="1">
-                <a:solidFill>
-                  <a:srgbClr val="000088"/>
-                </a:solidFill>
-                <a:latin typeface="Ubuntu Mono"/>
-              </a:rPr>
-              <a:t>i</a:t>
-            </a:r>
-            <a:r>
-              <a:rPr lang="en-US" altLang="en-US" sz="2400" dirty="0">
-                <a:solidFill>
-                  <a:srgbClr val="000000"/>
-                </a:solidFill>
-                <a:latin typeface="Ubuntu Mono"/>
-              </a:rPr>
-              <a:t>; </a:t>
-            </a:r>
-            <a:r>
-              <a:rPr lang="en-US" altLang="en-US" sz="2400" i="1" dirty="0">
-                <a:solidFill>
-                  <a:srgbClr val="35586C"/>
-                </a:solidFill>
-                <a:latin typeface="Ubuntu Mono"/>
-              </a:rPr>
-              <a:t>// step 2: copy</a:t>
-            </a:r>
-            <a:r>
-              <a:rPr lang="en-US" altLang="en-US" sz="2400" dirty="0">
-                <a:solidFill>
-                  <a:srgbClr val="000000"/>
-                </a:solidFill>
-                <a:latin typeface="Ubuntu Mono"/>
-              </a:rPr>
-              <a:t> </a:t>
-            </a:r>
-          </a:p>
-          <a:p>
-            <a:pPr eaLnBrk="0" fontAlgn="base" hangingPunct="0">
-              <a:spcBef>
-                <a:spcPct val="0"/>
-              </a:spcBef>
-              <a:spcAft>
-                <a:spcPct val="0"/>
-              </a:spcAft>
-            </a:pPr>
-            <a:r>
-              <a:rPr lang="en-US" altLang="en-US" sz="2400" dirty="0">
-                <a:solidFill>
-                  <a:srgbClr val="000000"/>
-                </a:solidFill>
-                <a:latin typeface="Ubuntu Mono"/>
-              </a:rPr>
-              <a:t>             </a:t>
-            </a:r>
-            <a:r>
-              <a:rPr lang="en-US" altLang="en-US" sz="2400" b="1" dirty="0" err="1">
-                <a:solidFill>
-                  <a:srgbClr val="006699"/>
-                </a:solidFill>
-                <a:latin typeface="Ubuntu Mono"/>
-              </a:rPr>
-              <a:t>var</a:t>
-            </a:r>
-            <a:r>
-              <a:rPr lang="en-US" altLang="en-US" sz="2400" dirty="0">
-                <a:solidFill>
-                  <a:srgbClr val="000000"/>
-                </a:solidFill>
-                <a:latin typeface="Ubuntu Mono"/>
-              </a:rPr>
-              <a:t> </a:t>
-            </a:r>
-            <a:r>
-              <a:rPr lang="en-US" altLang="en-US" sz="2400" dirty="0" err="1">
-                <a:solidFill>
-                  <a:srgbClr val="000088"/>
-                </a:solidFill>
-                <a:latin typeface="Ubuntu Mono"/>
-              </a:rPr>
-              <a:t>func</a:t>
-            </a:r>
-            <a:r>
-              <a:rPr lang="en-US" altLang="en-US" sz="2400" dirty="0">
-                <a:solidFill>
-                  <a:srgbClr val="000000"/>
-                </a:solidFill>
-                <a:latin typeface="Ubuntu Mono"/>
-              </a:rPr>
-              <a:t> </a:t>
-            </a:r>
-            <a:r>
-              <a:rPr lang="en-US" altLang="en-US" sz="2400" dirty="0">
-                <a:solidFill>
-                  <a:srgbClr val="555555"/>
-                </a:solidFill>
-                <a:latin typeface="Ubuntu Mono"/>
-              </a:rPr>
-              <a:t>=</a:t>
-            </a:r>
-            <a:r>
-              <a:rPr lang="en-US" altLang="en-US" sz="2400" dirty="0">
-                <a:solidFill>
-                  <a:srgbClr val="000000"/>
-                </a:solidFill>
-                <a:latin typeface="Ubuntu Mono"/>
-              </a:rPr>
-              <a:t> </a:t>
-            </a:r>
-            <a:r>
-              <a:rPr lang="en-US" altLang="en-US" sz="2400" b="1" dirty="0">
-                <a:solidFill>
-                  <a:srgbClr val="006699"/>
-                </a:solidFill>
-                <a:latin typeface="Ubuntu Mono"/>
-              </a:rPr>
-              <a:t>function</a:t>
-            </a:r>
-            <a:r>
-              <a:rPr lang="en-US" altLang="en-US" sz="2400" dirty="0">
-                <a:solidFill>
-                  <a:srgbClr val="000000"/>
-                </a:solidFill>
-                <a:latin typeface="Ubuntu Mono"/>
-              </a:rPr>
-              <a:t> () { </a:t>
-            </a:r>
-            <a:r>
-              <a:rPr lang="en-US" altLang="en-US" sz="2400" b="1" dirty="0">
-                <a:solidFill>
-                  <a:srgbClr val="006699"/>
-                </a:solidFill>
-                <a:latin typeface="Ubuntu Mono"/>
-              </a:rPr>
-              <a:t>return</a:t>
-            </a:r>
-            <a:r>
-              <a:rPr lang="en-US" altLang="en-US" sz="2400" dirty="0">
-                <a:solidFill>
-                  <a:srgbClr val="000000"/>
-                </a:solidFill>
-                <a:latin typeface="Ubuntu Mono"/>
-              </a:rPr>
-              <a:t> </a:t>
-            </a:r>
-            <a:r>
-              <a:rPr lang="en-US" altLang="en-US" sz="2400" dirty="0" err="1">
-                <a:solidFill>
-                  <a:srgbClr val="000088"/>
-                </a:solidFill>
-                <a:latin typeface="Ubuntu Mono"/>
-              </a:rPr>
-              <a:t>pos</a:t>
-            </a:r>
-            <a:r>
-              <a:rPr lang="en-US" altLang="en-US" sz="2400" dirty="0">
-                <a:solidFill>
-                  <a:srgbClr val="000000"/>
-                </a:solidFill>
-                <a:latin typeface="Ubuntu Mono"/>
-              </a:rPr>
-              <a:t>; };</a:t>
-            </a:r>
-          </a:p>
-          <a:p>
-            <a:pPr eaLnBrk="0" fontAlgn="base" hangingPunct="0">
-              <a:spcBef>
-                <a:spcPct val="0"/>
-              </a:spcBef>
-              <a:spcAft>
-                <a:spcPct val="0"/>
-              </a:spcAft>
-            </a:pPr>
-            <a:r>
-              <a:rPr lang="en-US" altLang="en-US" sz="2400" dirty="0">
-                <a:solidFill>
-                  <a:srgbClr val="000000"/>
-                </a:solidFill>
-                <a:latin typeface="Ubuntu Mono"/>
-              </a:rPr>
-              <a:t>             </a:t>
-            </a:r>
-            <a:r>
-              <a:rPr lang="en-US" altLang="en-US" sz="2400" dirty="0" err="1">
-                <a:solidFill>
-                  <a:srgbClr val="000088"/>
-                </a:solidFill>
-                <a:latin typeface="Ubuntu Mono"/>
-              </a:rPr>
-              <a:t>result</a:t>
-            </a:r>
-            <a:r>
-              <a:rPr lang="en-US" altLang="en-US" sz="2400" dirty="0" err="1">
-                <a:solidFill>
-                  <a:srgbClr val="000000"/>
-                </a:solidFill>
-                <a:latin typeface="Ubuntu Mono"/>
-              </a:rPr>
-              <a:t>.</a:t>
-            </a:r>
-            <a:r>
-              <a:rPr lang="en-US" altLang="en-US" sz="2400" dirty="0" err="1">
-                <a:solidFill>
-                  <a:srgbClr val="000088"/>
-                </a:solidFill>
-                <a:latin typeface="Ubuntu Mono"/>
-              </a:rPr>
-              <a:t>push</a:t>
-            </a:r>
-            <a:r>
-              <a:rPr lang="en-US" altLang="en-US" sz="2400" dirty="0">
-                <a:solidFill>
-                  <a:srgbClr val="000000"/>
-                </a:solidFill>
-                <a:latin typeface="Ubuntu Mono"/>
-              </a:rPr>
-              <a:t>(</a:t>
-            </a:r>
-            <a:r>
-              <a:rPr lang="en-US" altLang="en-US" sz="2400" dirty="0" err="1">
-                <a:solidFill>
-                  <a:srgbClr val="000088"/>
-                </a:solidFill>
-                <a:latin typeface="Ubuntu Mono"/>
-              </a:rPr>
-              <a:t>func</a:t>
-            </a:r>
-            <a:r>
-              <a:rPr lang="en-US" altLang="en-US" sz="2400" dirty="0">
-                <a:solidFill>
-                  <a:srgbClr val="000000"/>
-                </a:solidFill>
-                <a:latin typeface="Ubuntu Mono"/>
-              </a:rPr>
-              <a:t>);</a:t>
-            </a:r>
-          </a:p>
-          <a:p>
-            <a:pPr eaLnBrk="0" fontAlgn="base" hangingPunct="0">
-              <a:spcBef>
-                <a:spcPct val="0"/>
-              </a:spcBef>
-              <a:spcAft>
-                <a:spcPct val="0"/>
-              </a:spcAft>
-            </a:pPr>
-            <a:r>
-              <a:rPr lang="en-US" altLang="en-US" sz="2400" dirty="0">
-                <a:solidFill>
-                  <a:srgbClr val="000000"/>
-                </a:solidFill>
-                <a:latin typeface="Ubuntu Mono"/>
-              </a:rPr>
-              <a:t>         }()); } </a:t>
-            </a:r>
-          </a:p>
-          <a:p>
-            <a:pPr eaLnBrk="0" fontAlgn="base" hangingPunct="0">
-              <a:spcBef>
-                <a:spcPct val="0"/>
-              </a:spcBef>
-              <a:spcAft>
-                <a:spcPct val="0"/>
-              </a:spcAft>
-            </a:pPr>
-            <a:r>
-              <a:rPr lang="en-US" altLang="en-US" sz="2400" dirty="0">
-                <a:solidFill>
-                  <a:srgbClr val="000000"/>
-                </a:solidFill>
-                <a:latin typeface="Ubuntu Mono"/>
-              </a:rPr>
-              <a:t>     </a:t>
-            </a:r>
-            <a:r>
-              <a:rPr lang="en-US" altLang="en-US" sz="2400" b="1" dirty="0">
-                <a:solidFill>
-                  <a:srgbClr val="006699"/>
-                </a:solidFill>
-                <a:latin typeface="Ubuntu Mono"/>
-              </a:rPr>
-              <a:t>return</a:t>
-            </a:r>
-            <a:r>
-              <a:rPr lang="en-US" altLang="en-US" sz="2400" dirty="0">
-                <a:solidFill>
-                  <a:srgbClr val="000000"/>
-                </a:solidFill>
-                <a:latin typeface="Ubuntu Mono"/>
-              </a:rPr>
-              <a:t> </a:t>
-            </a:r>
-            <a:r>
-              <a:rPr lang="en-US" altLang="en-US" sz="2400" dirty="0">
-                <a:solidFill>
-                  <a:srgbClr val="000088"/>
-                </a:solidFill>
-                <a:latin typeface="Ubuntu Mono"/>
-              </a:rPr>
-              <a:t>result</a:t>
-            </a:r>
-            <a:r>
-              <a:rPr lang="en-US" altLang="en-US" sz="2400" dirty="0">
-                <a:solidFill>
-                  <a:srgbClr val="000000"/>
-                </a:solidFill>
-                <a:latin typeface="Ubuntu Mono"/>
-              </a:rPr>
-              <a:t>; </a:t>
-            </a:r>
-          </a:p>
-          <a:p>
-            <a:pPr eaLnBrk="0" fontAlgn="base" hangingPunct="0">
-              <a:spcBef>
-                <a:spcPct val="0"/>
-              </a:spcBef>
-              <a:spcAft>
-                <a:spcPct val="0"/>
-              </a:spcAft>
-            </a:pPr>
-            <a:r>
-              <a:rPr lang="en-US" altLang="en-US" sz="2400" dirty="0">
-                <a:solidFill>
-                  <a:srgbClr val="000000"/>
-                </a:solidFill>
-                <a:latin typeface="Ubuntu Mono"/>
-              </a:rPr>
-              <a:t>}</a:t>
-            </a:r>
+              <a:t> === </a:t>
+            </a:r>
+            <a:r>
+              <a:rPr lang="en-US" altLang="en-US" dirty="0">
+                <a:solidFill>
+                  <a:srgbClr val="FF0000"/>
+                </a:solidFill>
+                <a:latin typeface="Ubuntu Mono"/>
+              </a:rPr>
+              <a:t>“undefined”</a:t>
+            </a:r>
+            <a:r>
+              <a:rPr lang="en-US" altLang="en-US" dirty="0">
+                <a:latin typeface="Ubuntu Mono"/>
+              </a:rPr>
+              <a:t>;</a:t>
+            </a:r>
+            <a:endParaRPr lang="en-US" altLang="en-US" dirty="0">
+              <a:latin typeface="Arial" panose="020B0604020202020204" pitchFamily="34" charset="0"/>
+            </a:endParaRPr>
           </a:p>
           <a:p>
             <a:pPr lvl="0" eaLnBrk="0" fontAlgn="base" hangingPunct="0">
@@ -17378,298 +15808,7 @@
                 <a:spcPct val="0"/>
               </a:spcAft>
             </a:pPr>
-            <a:r>
-              <a:rPr lang="en-US" altLang="en-US" sz="2400" dirty="0">
-                <a:solidFill>
-                  <a:srgbClr val="000088"/>
-                </a:solidFill>
-                <a:latin typeface="Ubuntu Mono"/>
-              </a:rPr>
-              <a:t>console</a:t>
-            </a:r>
-            <a:r>
-              <a:rPr lang="en-US" altLang="en-US" sz="2400" dirty="0">
-                <a:solidFill>
-                  <a:srgbClr val="000000"/>
-                </a:solidFill>
-                <a:latin typeface="Ubuntu Mono"/>
-              </a:rPr>
-              <a:t>.</a:t>
-            </a:r>
-            <a:r>
-              <a:rPr lang="en-US" altLang="en-US" sz="2400" dirty="0">
-                <a:solidFill>
-                  <a:srgbClr val="000088"/>
-                </a:solidFill>
-                <a:latin typeface="Ubuntu Mono"/>
-              </a:rPr>
-              <a:t>log</a:t>
-            </a:r>
-            <a:r>
-              <a:rPr lang="en-US" altLang="en-US" sz="2400" dirty="0">
-                <a:solidFill>
-                  <a:srgbClr val="000000"/>
-                </a:solidFill>
-                <a:latin typeface="Ubuntu Mono"/>
-              </a:rPr>
-              <a:t>(</a:t>
-            </a:r>
-            <a:r>
-              <a:rPr lang="en-US" altLang="en-US" sz="2400" dirty="0">
-                <a:solidFill>
-                  <a:srgbClr val="000088"/>
-                </a:solidFill>
-                <a:latin typeface="Ubuntu Mono"/>
-              </a:rPr>
-              <a:t>f</a:t>
-            </a:r>
-            <a:r>
-              <a:rPr lang="en-US" altLang="en-US" sz="2400" dirty="0">
-                <a:solidFill>
-                  <a:srgbClr val="000000"/>
-                </a:solidFill>
-                <a:latin typeface="Ubuntu Mono"/>
-              </a:rPr>
-              <a:t>()[</a:t>
-            </a:r>
-            <a:r>
-              <a:rPr lang="en-US" altLang="en-US" sz="2400" dirty="0">
-                <a:solidFill>
-                  <a:srgbClr val="FF6600"/>
-                </a:solidFill>
-                <a:latin typeface="Ubuntu Mono"/>
-              </a:rPr>
-              <a:t>0</a:t>
-            </a:r>
-            <a:r>
-              <a:rPr lang="en-US" altLang="en-US" sz="2400" dirty="0">
-                <a:solidFill>
-                  <a:srgbClr val="000000"/>
-                </a:solidFill>
-                <a:latin typeface="Ubuntu Mono"/>
-              </a:rPr>
-              <a:t>]()); </a:t>
-            </a:r>
-            <a:r>
-              <a:rPr lang="en-US" altLang="en-US" sz="2400" i="1" dirty="0">
-                <a:solidFill>
-                  <a:srgbClr val="35586C"/>
-                </a:solidFill>
-                <a:latin typeface="Ubuntu Mono"/>
-              </a:rPr>
-              <a:t>// 0</a:t>
-            </a:r>
-            <a:r>
-              <a:rPr lang="en-US" altLang="en-US" sz="2400" dirty="0"/>
-              <a:t> </a:t>
-            </a:r>
-          </a:p>
-          <a:p>
-            <a:pPr eaLnBrk="0" fontAlgn="base" hangingPunct="0">
-              <a:spcBef>
-                <a:spcPct val="0"/>
-              </a:spcBef>
-              <a:spcAft>
-                <a:spcPct val="0"/>
-              </a:spcAft>
-            </a:pPr>
-            <a:r>
-              <a:rPr lang="en-US" altLang="en-US" sz="2400" dirty="0">
-                <a:solidFill>
-                  <a:srgbClr val="000088"/>
-                </a:solidFill>
-                <a:latin typeface="Ubuntu Mono"/>
-              </a:rPr>
-              <a:t>console</a:t>
-            </a:r>
-            <a:r>
-              <a:rPr lang="en-US" altLang="en-US" sz="2400" dirty="0">
-                <a:solidFill>
-                  <a:srgbClr val="000000"/>
-                </a:solidFill>
-                <a:latin typeface="Ubuntu Mono"/>
-              </a:rPr>
-              <a:t>.</a:t>
-            </a:r>
-            <a:r>
-              <a:rPr lang="en-US" altLang="en-US" sz="2400" dirty="0">
-                <a:solidFill>
-                  <a:srgbClr val="000088"/>
-                </a:solidFill>
-                <a:latin typeface="Ubuntu Mono"/>
-              </a:rPr>
-              <a:t>log</a:t>
-            </a:r>
-            <a:r>
-              <a:rPr lang="en-US" altLang="en-US" sz="2400" dirty="0">
-                <a:solidFill>
-                  <a:srgbClr val="000000"/>
-                </a:solidFill>
-                <a:latin typeface="Ubuntu Mono"/>
-              </a:rPr>
-              <a:t>(</a:t>
-            </a:r>
-            <a:r>
-              <a:rPr lang="en-US" altLang="en-US" sz="2400" dirty="0">
-                <a:solidFill>
-                  <a:srgbClr val="000088"/>
-                </a:solidFill>
-                <a:latin typeface="Ubuntu Mono"/>
-              </a:rPr>
-              <a:t>f</a:t>
-            </a:r>
-            <a:r>
-              <a:rPr lang="en-US" altLang="en-US" sz="2400" dirty="0">
-                <a:solidFill>
-                  <a:srgbClr val="000000"/>
-                </a:solidFill>
-                <a:latin typeface="Ubuntu Mono"/>
-              </a:rPr>
-              <a:t>()[</a:t>
-            </a:r>
-            <a:r>
-              <a:rPr lang="en-US" altLang="en-US" sz="2400" dirty="0">
-                <a:solidFill>
-                  <a:srgbClr val="FF6600"/>
-                </a:solidFill>
-                <a:latin typeface="Ubuntu Mono"/>
-              </a:rPr>
-              <a:t>1</a:t>
-            </a:r>
-            <a:r>
-              <a:rPr lang="en-US" altLang="en-US" sz="2400" dirty="0">
-                <a:solidFill>
-                  <a:srgbClr val="000000"/>
-                </a:solidFill>
-                <a:latin typeface="Ubuntu Mono"/>
-              </a:rPr>
-              <a:t>]()); </a:t>
-            </a:r>
-            <a:r>
-              <a:rPr lang="en-US" altLang="en-US" sz="2400" i="1" dirty="0">
-                <a:solidFill>
-                  <a:srgbClr val="35586C"/>
-                </a:solidFill>
-                <a:latin typeface="Ubuntu Mono"/>
-              </a:rPr>
-              <a:t>// 1</a:t>
-            </a:r>
-            <a:r>
-              <a:rPr lang="en-US" altLang="en-US" sz="2400" dirty="0"/>
-              <a:t> </a:t>
-            </a:r>
-            <a:endParaRPr lang="en-US" altLang="en-US" sz="2400" dirty="0">
-              <a:latin typeface="Arial" panose="020B0604020202020204" pitchFamily="34" charset="0"/>
-            </a:endParaRPr>
-          </a:p>
-          <a:p>
-            <a:pPr eaLnBrk="0" fontAlgn="base" hangingPunct="0">
-              <a:spcBef>
-                <a:spcPct val="0"/>
-              </a:spcBef>
-              <a:spcAft>
-                <a:spcPct val="0"/>
-              </a:spcAft>
-            </a:pPr>
-            <a:r>
-              <a:rPr lang="en-US" altLang="en-US" sz="2400" dirty="0">
-                <a:solidFill>
-                  <a:srgbClr val="000088"/>
-                </a:solidFill>
-                <a:latin typeface="Ubuntu Mono"/>
-              </a:rPr>
-              <a:t>console</a:t>
-            </a:r>
-            <a:r>
-              <a:rPr lang="en-US" altLang="en-US" sz="2400" dirty="0">
-                <a:solidFill>
-                  <a:srgbClr val="000000"/>
-                </a:solidFill>
-                <a:latin typeface="Ubuntu Mono"/>
-              </a:rPr>
-              <a:t>.</a:t>
-            </a:r>
-            <a:r>
-              <a:rPr lang="en-US" altLang="en-US" sz="2400" dirty="0">
-                <a:solidFill>
-                  <a:srgbClr val="000088"/>
-                </a:solidFill>
-                <a:latin typeface="Ubuntu Mono"/>
-              </a:rPr>
-              <a:t>log</a:t>
-            </a:r>
-            <a:r>
-              <a:rPr lang="en-US" altLang="en-US" sz="2400" dirty="0">
-                <a:solidFill>
-                  <a:srgbClr val="000000"/>
-                </a:solidFill>
-                <a:latin typeface="Ubuntu Mono"/>
-              </a:rPr>
-              <a:t>(</a:t>
-            </a:r>
-            <a:r>
-              <a:rPr lang="en-US" altLang="en-US" sz="2400" dirty="0">
-                <a:solidFill>
-                  <a:srgbClr val="000088"/>
-                </a:solidFill>
-                <a:latin typeface="Ubuntu Mono"/>
-              </a:rPr>
-              <a:t>f</a:t>
-            </a:r>
-            <a:r>
-              <a:rPr lang="en-US" altLang="en-US" sz="2400" dirty="0">
-                <a:solidFill>
-                  <a:srgbClr val="000000"/>
-                </a:solidFill>
-                <a:latin typeface="Ubuntu Mono"/>
-              </a:rPr>
-              <a:t>()[</a:t>
-            </a:r>
-            <a:r>
-              <a:rPr lang="en-US" altLang="en-US" sz="2400" dirty="0">
-                <a:solidFill>
-                  <a:srgbClr val="FF6600"/>
-                </a:solidFill>
-                <a:latin typeface="Ubuntu Mono"/>
-              </a:rPr>
-              <a:t>2</a:t>
-            </a:r>
-            <a:r>
-              <a:rPr lang="en-US" altLang="en-US" sz="2400" dirty="0">
-                <a:solidFill>
-                  <a:srgbClr val="000000"/>
-                </a:solidFill>
-                <a:latin typeface="Ubuntu Mono"/>
-              </a:rPr>
-              <a:t>]()); </a:t>
-            </a:r>
-            <a:r>
-              <a:rPr lang="en-US" altLang="en-US" sz="2400" i="1" dirty="0">
-                <a:solidFill>
-                  <a:srgbClr val="35586C"/>
-                </a:solidFill>
-                <a:latin typeface="Ubuntu Mono"/>
-              </a:rPr>
-              <a:t>// 2</a:t>
-            </a:r>
-            <a:r>
-              <a:rPr lang="en-US" altLang="en-US" sz="2400" dirty="0"/>
-              <a:t> </a:t>
-            </a:r>
-            <a:endParaRPr lang="en-US" altLang="en-US" sz="2400" dirty="0">
-              <a:latin typeface="Arial" panose="020B0604020202020204" pitchFamily="34" charset="0"/>
-            </a:endParaRPr>
-          </a:p>
-          <a:p>
-            <a:pPr eaLnBrk="0" fontAlgn="base" hangingPunct="0">
-              <a:spcBef>
-                <a:spcPct val="0"/>
-              </a:spcBef>
-              <a:spcAft>
-                <a:spcPct val="0"/>
-              </a:spcAft>
-            </a:pPr>
-            <a:endParaRPr lang="en-US" altLang="en-US" sz="2400" dirty="0">
+            <a:endParaRPr lang="en-US" altLang="en-US" dirty="0">
               <a:latin typeface="Arial" panose="020B0604020202020204" pitchFamily="34" charset="0"/>
             </a:endParaRPr>
           </a:p>
@@ -17678,7 +15817,7 @@
     </p:spTree>
     <p:extLst>
       <p:ext uri="{BB962C8B-B14F-4D97-AF65-F5344CB8AC3E}">
-        <p14:creationId xmlns:p14="http://schemas.microsoft.com/office/powerpoint/2010/main" val="213778407"/>
+        <p14:creationId xmlns:p14="http://schemas.microsoft.com/office/powerpoint/2010/main" val="76590223"/>
       </p:ext>
     </p:extLst>
   </p:cSld>
@@ -17714,34 +15853,37 @@
       </p:grpSpPr>
       <p:sp>
         <p:nvSpPr>
-          <p:cNvPr id="2" name="Title 1"/>
+          <p:cNvPr id="3" name="Content Placeholder 2"/>
           <p:cNvSpPr>
             <a:spLocks noGrp="1"/>
           </p:cNvSpPr>
           <p:nvPr>
-            <p:ph type="title"/>
+            <p:ph idx="1"/>
           </p:nvPr>
         </p:nvSpPr>
         <p:spPr>
           <a:xfrm>
-            <a:off x="1847528" y="274638"/>
-            <a:ext cx="8712968" cy="1143000"/>
+            <a:off x="1991544" y="260649"/>
+            <a:ext cx="8229600" cy="4525963"/>
           </a:xfrm>
         </p:spPr>
         <p:txBody>
-          <a:bodyPr>
-            <a:noAutofit/>
-          </a:bodyPr>
+          <a:bodyPr/>
           <a:lstStyle/>
           <a:p>
-            <a:r>
-              <a:rPr lang="en-US" sz="3200" dirty="0"/>
-              <a:t>3. Keeping data private to all of a constructor</a:t>
-            </a:r>
-            <a:br>
-              <a:rPr lang="en-US" sz="3200" dirty="0"/>
-            </a:br>
-            <a:endParaRPr lang="en-US" sz="3200" dirty="0"/>
+            <a:pPr marL="0" indent="0">
+              <a:buNone/>
+            </a:pPr>
+            <a:r>
+              <a:rPr lang="en-US" dirty="0" smtClean="0"/>
+              <a:t>2. Avoiding variable sharing.</a:t>
+            </a:r>
+          </a:p>
+          <a:p>
+            <a:pPr marL="0" indent="0">
+              <a:buNone/>
+            </a:pPr>
+            <a:endParaRPr lang="en-US" dirty="0"/>
           </a:p>
         </p:txBody>
       </p:sp>
@@ -17749,16 +15891,14 @@
         <p:nvSpPr>
           <p:cNvPr id="4" name="Rectangle 1"/>
           <p:cNvSpPr>
-            <a:spLocks noGrp="1" noChangeArrowheads="1"/>
+            <a:spLocks noChangeArrowheads="1"/>
           </p:cNvSpPr>
-          <p:nvPr>
-            <p:ph idx="1"/>
-          </p:nvPr>
+          <p:nvPr/>
         </p:nvSpPr>
         <p:spPr bwMode="auto">
           <a:xfrm>
-            <a:off x="1847529" y="1400896"/>
-            <a:ext cx="9132565" cy="4001095"/>
+            <a:off x="2207569" y="980729"/>
+            <a:ext cx="5419753" cy="4431983"/>
           </a:xfrm>
           <a:prstGeom prst="rect">
             <a:avLst/>
@@ -17798,7 +15938,7 @@
           </a:extLst>
         </p:spPr>
         <p:txBody>
-          <a:bodyPr vert="horz" wrap="none" lIns="0" tIns="0" rIns="0" bIns="0" numCol="1" rtlCol="0" anchor="ctr" anchorCtr="0" compatLnSpc="1">
+          <a:bodyPr vert="horz" wrap="none" lIns="0" tIns="0" rIns="0" bIns="0" numCol="1" anchor="ctr" anchorCtr="0" compatLnSpc="1">
             <a:prstTxWarp prst="textNoShape">
               <a:avLst/>
             </a:prstTxWarp>
@@ -17806,723 +15946,938 @@
           </a:bodyPr>
           <a:lstStyle/>
           <a:p>
-            <a:pPr marL="0" indent="0" eaLnBrk="0" fontAlgn="base" hangingPunct="0">
-              <a:lnSpc>
-                <a:spcPct val="100000"/>
-              </a:lnSpc>
+            <a:pPr eaLnBrk="0" fontAlgn="base" hangingPunct="0">
               <a:spcBef>
                 <a:spcPct val="0"/>
               </a:spcBef>
               <a:spcAft>
                 <a:spcPct val="0"/>
               </a:spcAft>
-              <a:buNone/>
             </a:pPr>
             <a:r>
-              <a:rPr lang="en-US" altLang="en-US" sz="2000" b="1" dirty="0" err="1">
+              <a:rPr lang="en-US" altLang="en-US" sz="2400" b="1" dirty="0">
                 <a:solidFill>
                   <a:srgbClr val="006699"/>
                 </a:solidFill>
                 <a:latin typeface="Ubuntu Mono"/>
-              </a:rPr>
-              <a:t>var</a:t>
-            </a:r>
-            <a:r>
-              <a:rPr lang="en-US" altLang="en-US" sz="2000" dirty="0">
+                <a:cs typeface="Sakkal Majalla" panose="02000000000000000000" pitchFamily="2" charset="-78"/>
+              </a:rPr>
+              <a:t>function</a:t>
+            </a:r>
+            <a:r>
+              <a:rPr lang="en-US" altLang="en-US" sz="2400" dirty="0">
                 <a:solidFill>
                   <a:srgbClr val="000000"/>
                 </a:solidFill>
                 <a:latin typeface="Ubuntu Mono"/>
+                <a:cs typeface="Sakkal Majalla" panose="02000000000000000000" pitchFamily="2" charset="-78"/>
               </a:rPr>
               <a:t> </a:t>
             </a:r>
             <a:r>
-              <a:rPr lang="en-US" altLang="en-US" sz="2000" dirty="0" err="1">
+              <a:rPr lang="en-US" altLang="en-US" sz="2400" dirty="0">
                 <a:solidFill>
                   <a:srgbClr val="000088"/>
                 </a:solidFill>
                 <a:latin typeface="Ubuntu Mono"/>
-              </a:rPr>
-              <a:t>StringBuilder</a:t>
-            </a:r>
-            <a:r>
-              <a:rPr lang="en-US" altLang="en-US" sz="2000" dirty="0">
+                <a:cs typeface="Sakkal Majalla" panose="02000000000000000000" pitchFamily="2" charset="-78"/>
+              </a:rPr>
+              <a:t>f</a:t>
+            </a:r>
+            <a:r>
+              <a:rPr lang="en-US" altLang="en-US" sz="2400" dirty="0">
                 <a:solidFill>
                   <a:srgbClr val="000000"/>
                 </a:solidFill>
                 <a:latin typeface="Ubuntu Mono"/>
-              </a:rPr>
-              <a:t> </a:t>
-            </a:r>
-            <a:r>
-              <a:rPr lang="en-US" altLang="en-US" sz="2000" dirty="0">
-                <a:solidFill>
-                  <a:srgbClr val="555555"/>
-                </a:solidFill>
-                <a:latin typeface="Ubuntu Mono"/>
-              </a:rPr>
-              <a:t>=</a:t>
-            </a:r>
-            <a:r>
-              <a:rPr lang="en-US" altLang="en-US" sz="2000" dirty="0">
-                <a:solidFill>
-                  <a:srgbClr val="000000"/>
-                </a:solidFill>
-                <a:latin typeface="Ubuntu Mono"/>
-              </a:rPr>
-              <a:t> </a:t>
-            </a:r>
-            <a:r>
-              <a:rPr lang="en-US" altLang="en-US" sz="2000" b="1" dirty="0">
-                <a:solidFill>
-                  <a:srgbClr val="006699"/>
-                </a:solidFill>
-                <a:latin typeface="Ubuntu Mono"/>
-              </a:rPr>
-              <a:t>function</a:t>
-            </a:r>
-            <a:r>
-              <a:rPr lang="en-US" altLang="en-US" sz="2000" dirty="0">
-                <a:solidFill>
-                  <a:srgbClr val="000000"/>
-                </a:solidFill>
-                <a:latin typeface="Ubuntu Mono"/>
-              </a:rPr>
-              <a:t> () { </a:t>
-            </a:r>
-            <a:r>
-              <a:rPr lang="en-US" altLang="en-US" sz="2000" i="1" dirty="0">
-                <a:solidFill>
-                  <a:srgbClr val="35586C"/>
-                </a:solidFill>
-                <a:latin typeface="Ubuntu Mono"/>
-              </a:rPr>
-              <a:t>// open IIFE</a:t>
-            </a:r>
-            <a:r>
-              <a:rPr lang="en-US" altLang="en-US" sz="2000" dirty="0">
-                <a:solidFill>
-                  <a:srgbClr val="000000"/>
-                </a:solidFill>
-                <a:latin typeface="Ubuntu Mono"/>
-              </a:rPr>
-              <a:t> </a:t>
-            </a:r>
-          </a:p>
-          <a:p>
-            <a:pPr marL="0" indent="0" eaLnBrk="0" fontAlgn="base" hangingPunct="0">
-              <a:lnSpc>
-                <a:spcPct val="100000"/>
-              </a:lnSpc>
+                <a:cs typeface="Sakkal Majalla" panose="02000000000000000000" pitchFamily="2" charset="-78"/>
+              </a:rPr>
+              <a:t>() { </a:t>
+            </a:r>
+          </a:p>
+          <a:p>
+            <a:pPr eaLnBrk="0" fontAlgn="base" hangingPunct="0">
               <a:spcBef>
                 <a:spcPct val="0"/>
               </a:spcBef>
               <a:spcAft>
                 <a:spcPct val="0"/>
               </a:spcAft>
-              <a:buNone/>
             </a:pPr>
             <a:r>
-              <a:rPr lang="en-US" altLang="en-US" sz="2000" dirty="0">
+              <a:rPr lang="en-US" altLang="en-US" sz="2400" dirty="0">
                 <a:solidFill>
                   <a:srgbClr val="000000"/>
                 </a:solidFill>
                 <a:latin typeface="Ubuntu Mono"/>
+                <a:cs typeface="Sakkal Majalla" panose="02000000000000000000" pitchFamily="2" charset="-78"/>
               </a:rPr>
               <a:t>    </a:t>
             </a:r>
             <a:r>
-              <a:rPr lang="en-US" altLang="en-US" sz="2000" b="1" dirty="0" err="1">
+              <a:rPr lang="en-US" altLang="en-US" sz="2400" b="1" dirty="0" err="1">
                 <a:solidFill>
                   <a:srgbClr val="006699"/>
                 </a:solidFill>
                 <a:latin typeface="Ubuntu Mono"/>
+                <a:cs typeface="Sakkal Majalla" panose="02000000000000000000" pitchFamily="2" charset="-78"/>
               </a:rPr>
               <a:t>var</a:t>
             </a:r>
             <a:r>
-              <a:rPr lang="en-US" altLang="en-US" sz="2000" dirty="0">
+              <a:rPr lang="en-US" altLang="en-US" sz="2400" dirty="0">
                 <a:solidFill>
                   <a:srgbClr val="000000"/>
                 </a:solidFill>
                 <a:latin typeface="Ubuntu Mono"/>
+                <a:cs typeface="Sakkal Majalla" panose="02000000000000000000" pitchFamily="2" charset="-78"/>
               </a:rPr>
               <a:t> </a:t>
             </a:r>
             <a:r>
-              <a:rPr lang="en-US" altLang="en-US" sz="2000" dirty="0">
+              <a:rPr lang="en-US" altLang="en-US" sz="2400" dirty="0">
                 <a:solidFill>
                   <a:srgbClr val="000088"/>
                 </a:solidFill>
                 <a:latin typeface="Ubuntu Mono"/>
-              </a:rPr>
-              <a:t>KEY_BUFFER</a:t>
-            </a:r>
-            <a:r>
-              <a:rPr lang="en-US" altLang="en-US" sz="2000" dirty="0">
+                <a:cs typeface="Sakkal Majalla" panose="02000000000000000000" pitchFamily="2" charset="-78"/>
+              </a:rPr>
+              <a:t>result</a:t>
+            </a:r>
+            <a:r>
+              <a:rPr lang="en-US" altLang="en-US" sz="2400" dirty="0">
                 <a:solidFill>
                   <a:srgbClr val="000000"/>
                 </a:solidFill>
                 <a:latin typeface="Ubuntu Mono"/>
+                <a:cs typeface="Sakkal Majalla" panose="02000000000000000000" pitchFamily="2" charset="-78"/>
               </a:rPr>
               <a:t> </a:t>
             </a:r>
             <a:r>
-              <a:rPr lang="en-US" altLang="en-US" sz="2000" dirty="0">
+              <a:rPr lang="en-US" altLang="en-US" sz="2400" dirty="0">
                 <a:solidFill>
                   <a:srgbClr val="555555"/>
                 </a:solidFill>
                 <a:latin typeface="Ubuntu Mono"/>
+                <a:cs typeface="Sakkal Majalla" panose="02000000000000000000" pitchFamily="2" charset="-78"/>
               </a:rPr>
               <a:t>=</a:t>
             </a:r>
             <a:r>
-              <a:rPr lang="en-US" altLang="en-US" sz="2000" dirty="0">
+              <a:rPr lang="en-US" altLang="en-US" sz="2400" dirty="0">
                 <a:solidFill>
                   <a:srgbClr val="000000"/>
                 </a:solidFill>
                 <a:latin typeface="Ubuntu Mono"/>
-              </a:rPr>
-              <a:t> </a:t>
-            </a:r>
-            <a:r>
-              <a:rPr lang="en-US" altLang="en-US" sz="2000" dirty="0">
-                <a:solidFill>
-                  <a:srgbClr val="CC3300"/>
-                </a:solidFill>
-                <a:latin typeface="Ubuntu Mono"/>
-              </a:rPr>
-              <a:t>'_</a:t>
-            </a:r>
-            <a:r>
-              <a:rPr lang="en-US" altLang="en-US" sz="2000" dirty="0" err="1">
-                <a:solidFill>
-                  <a:srgbClr val="CC3300"/>
-                </a:solidFill>
-                <a:latin typeface="Ubuntu Mono"/>
-              </a:rPr>
-              <a:t>StringBuilder_buffer</a:t>
-            </a:r>
-            <a:r>
-              <a:rPr lang="en-US" altLang="en-US" sz="2000" dirty="0">
-                <a:solidFill>
-                  <a:srgbClr val="CC3300"/>
-                </a:solidFill>
-                <a:latin typeface="Ubuntu Mono"/>
-              </a:rPr>
-              <a:t>_'</a:t>
-            </a:r>
-            <a:r>
-              <a:rPr lang="en-US" altLang="en-US" sz="2000" dirty="0">
-                <a:solidFill>
-                  <a:srgbClr val="000000"/>
-                </a:solidFill>
-                <a:latin typeface="Ubuntu Mono"/>
-              </a:rPr>
-              <a:t> </a:t>
-            </a:r>
-            <a:r>
-              <a:rPr lang="en-US" altLang="en-US" sz="2000" dirty="0">
-                <a:solidFill>
-                  <a:srgbClr val="555555"/>
-                </a:solidFill>
-                <a:latin typeface="Ubuntu Mono"/>
-              </a:rPr>
-              <a:t>+</a:t>
-            </a:r>
-            <a:r>
-              <a:rPr lang="en-US" altLang="en-US" sz="2000" dirty="0">
-                <a:solidFill>
-                  <a:srgbClr val="000000"/>
-                </a:solidFill>
-                <a:latin typeface="Ubuntu Mono"/>
-              </a:rPr>
-              <a:t> </a:t>
-            </a:r>
-            <a:r>
-              <a:rPr lang="en-US" altLang="en-US" sz="2000" dirty="0">
-                <a:solidFill>
-                  <a:srgbClr val="000088"/>
-                </a:solidFill>
-                <a:latin typeface="Ubuntu Mono"/>
-              </a:rPr>
-              <a:t>uuid</a:t>
-            </a:r>
-            <a:r>
-              <a:rPr lang="en-US" altLang="en-US" sz="2000" dirty="0">
-                <a:solidFill>
-                  <a:srgbClr val="000000"/>
-                </a:solidFill>
-                <a:latin typeface="Ubuntu Mono"/>
-              </a:rPr>
-              <a:t>.</a:t>
-            </a:r>
-            <a:r>
-              <a:rPr lang="en-US" altLang="en-US" sz="2000" dirty="0">
-                <a:solidFill>
-                  <a:srgbClr val="000088"/>
-                </a:solidFill>
-                <a:latin typeface="Ubuntu Mono"/>
-              </a:rPr>
-              <a:t>v4</a:t>
-            </a:r>
-            <a:r>
-              <a:rPr lang="en-US" altLang="en-US" sz="2000" dirty="0">
-                <a:solidFill>
-                  <a:srgbClr val="000000"/>
-                </a:solidFill>
-                <a:latin typeface="Ubuntu Mono"/>
-              </a:rPr>
-              <a:t>(); </a:t>
-            </a:r>
-          </a:p>
-          <a:p>
-            <a:pPr marL="0" indent="0" eaLnBrk="0" fontAlgn="base" hangingPunct="0">
-              <a:lnSpc>
-                <a:spcPct val="100000"/>
-              </a:lnSpc>
+                <a:cs typeface="Sakkal Majalla" panose="02000000000000000000" pitchFamily="2" charset="-78"/>
+              </a:rPr>
+              <a:t> [];</a:t>
+            </a:r>
+          </a:p>
+          <a:p>
+            <a:pPr eaLnBrk="0" fontAlgn="base" hangingPunct="0">
               <a:spcBef>
                 <a:spcPct val="0"/>
               </a:spcBef>
               <a:spcAft>
                 <a:spcPct val="0"/>
               </a:spcAft>
-              <a:buNone/>
             </a:pPr>
-            <a:endParaRPr lang="en-US" altLang="en-US" sz="2000" dirty="0">
-              <a:solidFill>
-                <a:srgbClr val="000000"/>
-              </a:solidFill>
-              <a:latin typeface="Ubuntu Mono"/>
-            </a:endParaRPr>
-          </a:p>
-          <a:p>
-            <a:pPr marL="0" indent="0" eaLnBrk="0" fontAlgn="base" hangingPunct="0">
-              <a:lnSpc>
-                <a:spcPct val="100000"/>
-              </a:lnSpc>
+            <a:r>
+              <a:rPr lang="en-US" altLang="en-US" sz="2400" b="1" dirty="0">
+                <a:solidFill>
+                  <a:srgbClr val="006699"/>
+                </a:solidFill>
+                <a:latin typeface="Ubuntu Mono"/>
+                <a:cs typeface="Sakkal Majalla" panose="02000000000000000000" pitchFamily="2" charset="-78"/>
+              </a:rPr>
+              <a:t>    for</a:t>
+            </a:r>
+            <a:r>
+              <a:rPr lang="en-US" altLang="en-US" sz="2400" dirty="0">
+                <a:solidFill>
+                  <a:srgbClr val="000000"/>
+                </a:solidFill>
+                <a:latin typeface="Ubuntu Mono"/>
+                <a:cs typeface="Sakkal Majalla" panose="02000000000000000000" pitchFamily="2" charset="-78"/>
+              </a:rPr>
+              <a:t> (</a:t>
+            </a:r>
+            <a:r>
+              <a:rPr lang="en-US" altLang="en-US" sz="2400" b="1" dirty="0" err="1">
+                <a:solidFill>
+                  <a:srgbClr val="006699"/>
+                </a:solidFill>
+                <a:latin typeface="Ubuntu Mono"/>
+                <a:cs typeface="Sakkal Majalla" panose="02000000000000000000" pitchFamily="2" charset="-78"/>
+              </a:rPr>
+              <a:t>var</a:t>
+            </a:r>
+            <a:r>
+              <a:rPr lang="en-US" altLang="en-US" sz="2400" dirty="0">
+                <a:solidFill>
+                  <a:srgbClr val="000000"/>
+                </a:solidFill>
+                <a:latin typeface="Ubuntu Mono"/>
+                <a:cs typeface="Sakkal Majalla" panose="02000000000000000000" pitchFamily="2" charset="-78"/>
+              </a:rPr>
+              <a:t> </a:t>
+            </a:r>
+            <a:r>
+              <a:rPr lang="en-US" altLang="en-US" sz="2400" dirty="0" err="1">
+                <a:solidFill>
+                  <a:srgbClr val="000088"/>
+                </a:solidFill>
+                <a:latin typeface="Ubuntu Mono"/>
+                <a:cs typeface="Sakkal Majalla" panose="02000000000000000000" pitchFamily="2" charset="-78"/>
+              </a:rPr>
+              <a:t>i</a:t>
+            </a:r>
+            <a:r>
+              <a:rPr lang="en-US" altLang="en-US" sz="2400" dirty="0">
+                <a:solidFill>
+                  <a:srgbClr val="555555"/>
+                </a:solidFill>
+                <a:latin typeface="Ubuntu Mono"/>
+                <a:cs typeface="Sakkal Majalla" panose="02000000000000000000" pitchFamily="2" charset="-78"/>
+              </a:rPr>
+              <a:t>=</a:t>
+            </a:r>
+            <a:r>
+              <a:rPr lang="en-US" altLang="en-US" sz="2400" dirty="0">
+                <a:solidFill>
+                  <a:srgbClr val="FF6600"/>
+                </a:solidFill>
+                <a:latin typeface="Ubuntu Mono"/>
+                <a:cs typeface="Sakkal Majalla" panose="02000000000000000000" pitchFamily="2" charset="-78"/>
+              </a:rPr>
+              <a:t>0</a:t>
+            </a:r>
+            <a:r>
+              <a:rPr lang="en-US" altLang="en-US" sz="2400" dirty="0">
+                <a:solidFill>
+                  <a:srgbClr val="000000"/>
+                </a:solidFill>
+                <a:latin typeface="Ubuntu Mono"/>
+                <a:cs typeface="Sakkal Majalla" panose="02000000000000000000" pitchFamily="2" charset="-78"/>
+              </a:rPr>
+              <a:t>; </a:t>
+            </a:r>
+            <a:r>
+              <a:rPr lang="en-US" altLang="en-US" sz="2400" dirty="0" err="1">
+                <a:solidFill>
+                  <a:srgbClr val="000088"/>
+                </a:solidFill>
+                <a:latin typeface="Ubuntu Mono"/>
+                <a:cs typeface="Sakkal Majalla" panose="02000000000000000000" pitchFamily="2" charset="-78"/>
+              </a:rPr>
+              <a:t>i</a:t>
+            </a:r>
+            <a:r>
+              <a:rPr lang="en-US" altLang="en-US" sz="2400" dirty="0">
+                <a:solidFill>
+                  <a:srgbClr val="555555"/>
+                </a:solidFill>
+                <a:latin typeface="Ubuntu Mono"/>
+                <a:cs typeface="Sakkal Majalla" panose="02000000000000000000" pitchFamily="2" charset="-78"/>
+              </a:rPr>
+              <a:t>&lt;</a:t>
+            </a:r>
+            <a:r>
+              <a:rPr lang="en-US" altLang="en-US" sz="2400" dirty="0">
+                <a:solidFill>
+                  <a:srgbClr val="FF6600"/>
+                </a:solidFill>
+                <a:latin typeface="Ubuntu Mono"/>
+                <a:cs typeface="Sakkal Majalla" panose="02000000000000000000" pitchFamily="2" charset="-78"/>
+              </a:rPr>
+              <a:t>3</a:t>
+            </a:r>
+            <a:r>
+              <a:rPr lang="en-US" altLang="en-US" sz="2400" dirty="0">
+                <a:solidFill>
+                  <a:srgbClr val="000000"/>
+                </a:solidFill>
+                <a:latin typeface="Ubuntu Mono"/>
+                <a:cs typeface="Sakkal Majalla" panose="02000000000000000000" pitchFamily="2" charset="-78"/>
+              </a:rPr>
+              <a:t>; </a:t>
+            </a:r>
+            <a:r>
+              <a:rPr lang="en-US" altLang="en-US" sz="2400" dirty="0" err="1">
+                <a:solidFill>
+                  <a:srgbClr val="000088"/>
+                </a:solidFill>
+                <a:latin typeface="Ubuntu Mono"/>
+                <a:cs typeface="Sakkal Majalla" panose="02000000000000000000" pitchFamily="2" charset="-78"/>
+              </a:rPr>
+              <a:t>i</a:t>
+            </a:r>
+            <a:r>
+              <a:rPr lang="en-US" altLang="en-US" sz="2400" dirty="0">
+                <a:solidFill>
+                  <a:srgbClr val="555555"/>
+                </a:solidFill>
+                <a:latin typeface="Ubuntu Mono"/>
+                <a:cs typeface="Sakkal Majalla" panose="02000000000000000000" pitchFamily="2" charset="-78"/>
+              </a:rPr>
+              <a:t>++</a:t>
+            </a:r>
+            <a:r>
+              <a:rPr lang="en-US" altLang="en-US" sz="2400" dirty="0">
+                <a:solidFill>
+                  <a:srgbClr val="000000"/>
+                </a:solidFill>
+                <a:latin typeface="Ubuntu Mono"/>
+                <a:cs typeface="Sakkal Majalla" panose="02000000000000000000" pitchFamily="2" charset="-78"/>
+              </a:rPr>
+              <a:t>) { </a:t>
+            </a:r>
+          </a:p>
+          <a:p>
+            <a:pPr eaLnBrk="0" fontAlgn="base" hangingPunct="0">
               <a:spcBef>
                 <a:spcPct val="0"/>
               </a:spcBef>
               <a:spcAft>
                 <a:spcPct val="0"/>
               </a:spcAft>
-              <a:buNone/>
             </a:pPr>
             <a:r>
-              <a:rPr lang="en-US" altLang="en-US" sz="2000" dirty="0">
+              <a:rPr lang="en-US" altLang="en-US" sz="2400" dirty="0">
                 <a:solidFill>
                   <a:srgbClr val="000000"/>
                 </a:solidFill>
                 <a:latin typeface="Ubuntu Mono"/>
-              </a:rPr>
-              <a:t>    </a:t>
-            </a:r>
-            <a:r>
-              <a:rPr lang="en-US" altLang="en-US" sz="2000" b="1" dirty="0">
+                <a:cs typeface="Sakkal Majalla" panose="02000000000000000000" pitchFamily="2" charset="-78"/>
+              </a:rPr>
+              <a:t>        </a:t>
+            </a:r>
+            <a:r>
+              <a:rPr lang="en-US" altLang="en-US" sz="2400" b="1" dirty="0" err="1">
                 <a:solidFill>
                   <a:srgbClr val="006699"/>
                 </a:solidFill>
                 <a:latin typeface="Ubuntu Mono"/>
+                <a:cs typeface="Sakkal Majalla" panose="02000000000000000000" pitchFamily="2" charset="-78"/>
+              </a:rPr>
+              <a:t>var</a:t>
+            </a:r>
+            <a:r>
+              <a:rPr lang="en-US" altLang="en-US" sz="2400" dirty="0">
+                <a:solidFill>
+                  <a:srgbClr val="000000"/>
+                </a:solidFill>
+                <a:latin typeface="Ubuntu Mono"/>
+                <a:cs typeface="Sakkal Majalla" panose="02000000000000000000" pitchFamily="2" charset="-78"/>
+              </a:rPr>
+              <a:t> </a:t>
+            </a:r>
+            <a:r>
+              <a:rPr lang="en-US" altLang="en-US" sz="2400" dirty="0" err="1">
+                <a:solidFill>
+                  <a:srgbClr val="000088"/>
+                </a:solidFill>
+                <a:latin typeface="Ubuntu Mono"/>
+                <a:cs typeface="Sakkal Majalla" panose="02000000000000000000" pitchFamily="2" charset="-78"/>
+              </a:rPr>
+              <a:t>func</a:t>
+            </a:r>
+            <a:r>
+              <a:rPr lang="en-US" altLang="en-US" sz="2400" dirty="0">
+                <a:solidFill>
+                  <a:srgbClr val="000000"/>
+                </a:solidFill>
+                <a:latin typeface="Ubuntu Mono"/>
+                <a:cs typeface="Sakkal Majalla" panose="02000000000000000000" pitchFamily="2" charset="-78"/>
+              </a:rPr>
+              <a:t> </a:t>
+            </a:r>
+            <a:r>
+              <a:rPr lang="en-US" altLang="en-US" sz="2400" dirty="0">
+                <a:solidFill>
+                  <a:srgbClr val="555555"/>
+                </a:solidFill>
+                <a:latin typeface="Ubuntu Mono"/>
+                <a:cs typeface="Sakkal Majalla" panose="02000000000000000000" pitchFamily="2" charset="-78"/>
+              </a:rPr>
+              <a:t>=</a:t>
+            </a:r>
+            <a:r>
+              <a:rPr lang="en-US" altLang="en-US" sz="2400" dirty="0">
+                <a:solidFill>
+                  <a:srgbClr val="000000"/>
+                </a:solidFill>
+                <a:latin typeface="Ubuntu Mono"/>
+                <a:cs typeface="Sakkal Majalla" panose="02000000000000000000" pitchFamily="2" charset="-78"/>
+              </a:rPr>
+              <a:t> </a:t>
+            </a:r>
+            <a:r>
+              <a:rPr lang="en-US" altLang="en-US" sz="2400" b="1" dirty="0">
+                <a:solidFill>
+                  <a:srgbClr val="006699"/>
+                </a:solidFill>
+                <a:latin typeface="Ubuntu Mono"/>
+                <a:cs typeface="Sakkal Majalla" panose="02000000000000000000" pitchFamily="2" charset="-78"/>
               </a:rPr>
               <a:t>function</a:t>
             </a:r>
             <a:r>
-              <a:rPr lang="en-US" altLang="en-US" sz="2000" dirty="0">
+              <a:rPr lang="en-US" altLang="en-US" sz="2400" dirty="0">
                 <a:solidFill>
                   <a:srgbClr val="000000"/>
                 </a:solidFill>
                 <a:latin typeface="Ubuntu Mono"/>
+                <a:cs typeface="Sakkal Majalla" panose="02000000000000000000" pitchFamily="2" charset="-78"/>
+              </a:rPr>
+              <a:t> () { </a:t>
+            </a:r>
+            <a:r>
+              <a:rPr lang="en-US" altLang="en-US" sz="2400" b="1" dirty="0">
+                <a:solidFill>
+                  <a:srgbClr val="006699"/>
+                </a:solidFill>
+                <a:latin typeface="Ubuntu Mono"/>
+                <a:cs typeface="Sakkal Majalla" panose="02000000000000000000" pitchFamily="2" charset="-78"/>
+              </a:rPr>
+              <a:t>return</a:t>
+            </a:r>
+            <a:r>
+              <a:rPr lang="en-US" altLang="en-US" sz="2400" dirty="0">
+                <a:solidFill>
+                  <a:srgbClr val="000000"/>
+                </a:solidFill>
+                <a:latin typeface="Ubuntu Mono"/>
+                <a:cs typeface="Sakkal Majalla" panose="02000000000000000000" pitchFamily="2" charset="-78"/>
               </a:rPr>
               <a:t> </a:t>
             </a:r>
             <a:r>
-              <a:rPr lang="en-US" altLang="en-US" sz="2000" dirty="0" err="1">
+              <a:rPr lang="en-US" altLang="en-US" sz="2400" dirty="0" err="1">
                 <a:solidFill>
                   <a:srgbClr val="000088"/>
                 </a:solidFill>
                 <a:latin typeface="Ubuntu Mono"/>
-              </a:rPr>
-              <a:t>StringBuilder</a:t>
-            </a:r>
-            <a:r>
-              <a:rPr lang="en-US" altLang="en-US" sz="2000" dirty="0">
+                <a:cs typeface="Sakkal Majalla" panose="02000000000000000000" pitchFamily="2" charset="-78"/>
+              </a:rPr>
+              <a:t>i</a:t>
+            </a:r>
+            <a:r>
+              <a:rPr lang="en-US" altLang="en-US" sz="2400" dirty="0">
                 <a:solidFill>
                   <a:srgbClr val="000000"/>
                 </a:solidFill>
                 <a:latin typeface="Ubuntu Mono"/>
-              </a:rPr>
-              <a:t>() { </a:t>
-            </a:r>
-          </a:p>
-          <a:p>
-            <a:pPr marL="0" indent="0" eaLnBrk="0" fontAlgn="base" hangingPunct="0">
-              <a:lnSpc>
-                <a:spcPct val="100000"/>
-              </a:lnSpc>
+                <a:cs typeface="Sakkal Majalla" panose="02000000000000000000" pitchFamily="2" charset="-78"/>
+              </a:rPr>
+              <a:t>; }; </a:t>
+            </a:r>
+          </a:p>
+          <a:p>
+            <a:pPr eaLnBrk="0" fontAlgn="base" hangingPunct="0">
               <a:spcBef>
                 <a:spcPct val="0"/>
               </a:spcBef>
               <a:spcAft>
                 <a:spcPct val="0"/>
               </a:spcAft>
-              <a:buNone/>
             </a:pPr>
             <a:r>
-              <a:rPr lang="en-US" altLang="en-US" sz="2000" dirty="0">
+              <a:rPr lang="en-US" altLang="en-US" sz="2400" dirty="0">
                 <a:solidFill>
                   <a:srgbClr val="000000"/>
                 </a:solidFill>
                 <a:latin typeface="Ubuntu Mono"/>
+                <a:cs typeface="Sakkal Majalla" panose="02000000000000000000" pitchFamily="2" charset="-78"/>
               </a:rPr>
               <a:t>        </a:t>
             </a:r>
             <a:r>
-              <a:rPr lang="en-US" altLang="en-US" sz="2000" b="1" dirty="0">
-                <a:solidFill>
-                  <a:srgbClr val="006699"/>
-                </a:solidFill>
-                <a:latin typeface="Ubuntu Mono"/>
-              </a:rPr>
-              <a:t>this</a:t>
-            </a:r>
-            <a:r>
-              <a:rPr lang="en-US" altLang="en-US" sz="2000" dirty="0">
+              <a:rPr lang="en-US" altLang="en-US" sz="2400" dirty="0" err="1">
+                <a:solidFill>
+                  <a:srgbClr val="000088"/>
+                </a:solidFill>
+                <a:latin typeface="Ubuntu Mono"/>
+                <a:cs typeface="Sakkal Majalla" panose="02000000000000000000" pitchFamily="2" charset="-78"/>
+              </a:rPr>
+              <a:t>result</a:t>
+            </a:r>
+            <a:r>
+              <a:rPr lang="en-US" altLang="en-US" sz="2400" dirty="0" err="1">
                 <a:solidFill>
                   <a:srgbClr val="000000"/>
                 </a:solidFill>
                 <a:latin typeface="Ubuntu Mono"/>
-              </a:rPr>
-              <a:t>[</a:t>
-            </a:r>
-            <a:r>
-              <a:rPr lang="en-US" altLang="en-US" sz="2000" dirty="0">
+                <a:cs typeface="Sakkal Majalla" panose="02000000000000000000" pitchFamily="2" charset="-78"/>
+              </a:rPr>
+              <a:t>.</a:t>
+            </a:r>
+            <a:r>
+              <a:rPr lang="en-US" altLang="en-US" sz="2400" dirty="0" err="1">
                 <a:solidFill>
                   <a:srgbClr val="000088"/>
                 </a:solidFill>
                 <a:latin typeface="Ubuntu Mono"/>
-              </a:rPr>
-              <a:t>KEY_BUFFER</a:t>
-            </a:r>
-            <a:r>
-              <a:rPr lang="en-US" altLang="en-US" sz="2000" dirty="0">
+                <a:cs typeface="Sakkal Majalla" panose="02000000000000000000" pitchFamily="2" charset="-78"/>
+              </a:rPr>
+              <a:t>push</a:t>
+            </a:r>
+            <a:r>
+              <a:rPr lang="en-US" altLang="en-US" sz="2400" dirty="0">
                 <a:solidFill>
                   <a:srgbClr val="000000"/>
                 </a:solidFill>
                 <a:latin typeface="Ubuntu Mono"/>
-              </a:rPr>
-              <a:t>] </a:t>
-            </a:r>
-            <a:r>
-              <a:rPr lang="en-US" altLang="en-US" sz="2000" dirty="0">
-                <a:solidFill>
-                  <a:srgbClr val="555555"/>
-                </a:solidFill>
-                <a:latin typeface="Ubuntu Mono"/>
-              </a:rPr>
-              <a:t>=</a:t>
-            </a:r>
-            <a:r>
-              <a:rPr lang="en-US" altLang="en-US" sz="2000" dirty="0">
+                <a:cs typeface="Sakkal Majalla" panose="02000000000000000000" pitchFamily="2" charset="-78"/>
+              </a:rPr>
+              <a:t>(</a:t>
+            </a:r>
+            <a:r>
+              <a:rPr lang="en-US" altLang="en-US" sz="2400" dirty="0" err="1">
+                <a:solidFill>
+                  <a:srgbClr val="000088"/>
+                </a:solidFill>
+                <a:latin typeface="Ubuntu Mono"/>
+                <a:cs typeface="Sakkal Majalla" panose="02000000000000000000" pitchFamily="2" charset="-78"/>
+              </a:rPr>
+              <a:t>func</a:t>
+            </a:r>
+            <a:r>
+              <a:rPr lang="en-US" altLang="en-US" sz="2400" dirty="0">
                 <a:solidFill>
                   <a:srgbClr val="000000"/>
                 </a:solidFill>
                 <a:latin typeface="Ubuntu Mono"/>
-              </a:rPr>
-              <a:t> []; </a:t>
-            </a:r>
-          </a:p>
-          <a:p>
-            <a:pPr marL="0" indent="0" eaLnBrk="0" fontAlgn="base" hangingPunct="0">
-              <a:lnSpc>
-                <a:spcPct val="100000"/>
-              </a:lnSpc>
+                <a:cs typeface="Sakkal Majalla" panose="02000000000000000000" pitchFamily="2" charset="-78"/>
+              </a:rPr>
+              <a:t>); </a:t>
+            </a:r>
+          </a:p>
+          <a:p>
+            <a:pPr eaLnBrk="0" fontAlgn="base" hangingPunct="0">
               <a:spcBef>
                 <a:spcPct val="0"/>
               </a:spcBef>
               <a:spcAft>
                 <a:spcPct val="0"/>
               </a:spcAft>
-              <a:buNone/>
             </a:pPr>
             <a:r>
-              <a:rPr lang="en-US" altLang="en-US" sz="2000" dirty="0">
+              <a:rPr lang="en-US" altLang="en-US" sz="2400" dirty="0">
                 <a:solidFill>
                   <a:srgbClr val="000000"/>
                 </a:solidFill>
                 <a:latin typeface="Ubuntu Mono"/>
+                <a:cs typeface="Sakkal Majalla" panose="02000000000000000000" pitchFamily="2" charset="-78"/>
               </a:rPr>
               <a:t>    } </a:t>
             </a:r>
           </a:p>
           <a:p>
-            <a:pPr marL="0" indent="0" eaLnBrk="0" fontAlgn="base" hangingPunct="0">
-              <a:lnSpc>
-                <a:spcPct val="100000"/>
-              </a:lnSpc>
+            <a:pPr eaLnBrk="0" fontAlgn="base" hangingPunct="0">
               <a:spcBef>
                 <a:spcPct val="0"/>
               </a:spcBef>
               <a:spcAft>
                 <a:spcPct val="0"/>
               </a:spcAft>
-              <a:buNone/>
             </a:pPr>
-            <a:endParaRPr lang="en-US" altLang="en-US" sz="2000" dirty="0">
-              <a:solidFill>
-                <a:srgbClr val="000000"/>
-              </a:solidFill>
-              <a:latin typeface="Ubuntu Mono"/>
-            </a:endParaRPr>
-          </a:p>
-          <a:p>
-            <a:pPr marL="0" indent="0" eaLnBrk="0" fontAlgn="base" hangingPunct="0">
-              <a:lnSpc>
-                <a:spcPct val="100000"/>
-              </a:lnSpc>
+            <a:r>
+              <a:rPr lang="en-US" altLang="en-US" sz="2400" b="1" dirty="0">
+                <a:solidFill>
+                  <a:srgbClr val="006699"/>
+                </a:solidFill>
+                <a:latin typeface="Ubuntu Mono"/>
+                <a:cs typeface="Sakkal Majalla" panose="02000000000000000000" pitchFamily="2" charset="-78"/>
+              </a:rPr>
+              <a:t>    return</a:t>
+            </a:r>
+            <a:r>
+              <a:rPr lang="en-US" altLang="en-US" sz="2400" dirty="0">
+                <a:solidFill>
+                  <a:srgbClr val="000000"/>
+                </a:solidFill>
+                <a:latin typeface="Ubuntu Mono"/>
+                <a:cs typeface="Sakkal Majalla" panose="02000000000000000000" pitchFamily="2" charset="-78"/>
+              </a:rPr>
+              <a:t> </a:t>
+            </a:r>
+            <a:r>
+              <a:rPr lang="en-US" altLang="en-US" sz="2400" dirty="0">
+                <a:solidFill>
+                  <a:srgbClr val="000088"/>
+                </a:solidFill>
+                <a:latin typeface="Ubuntu Mono"/>
+                <a:cs typeface="Sakkal Majalla" panose="02000000000000000000" pitchFamily="2" charset="-78"/>
+              </a:rPr>
+              <a:t>result</a:t>
+            </a:r>
+            <a:r>
+              <a:rPr lang="en-US" altLang="en-US" sz="2400" dirty="0">
+                <a:solidFill>
+                  <a:srgbClr val="000000"/>
+                </a:solidFill>
+                <a:latin typeface="Ubuntu Mono"/>
+                <a:cs typeface="Sakkal Majalla" panose="02000000000000000000" pitchFamily="2" charset="-78"/>
+              </a:rPr>
+              <a:t>; </a:t>
+            </a:r>
+          </a:p>
+          <a:p>
+            <a:pPr eaLnBrk="0" fontAlgn="base" hangingPunct="0">
               <a:spcBef>
                 <a:spcPct val="0"/>
               </a:spcBef>
               <a:spcAft>
                 <a:spcPct val="0"/>
               </a:spcAft>
-              <a:buNone/>
             </a:pPr>
             <a:r>
-              <a:rPr lang="en-US" altLang="en-US" sz="2000" dirty="0">
+              <a:rPr lang="en-US" altLang="en-US" sz="2400" dirty="0">
                 <a:solidFill>
                   <a:srgbClr val="000000"/>
                 </a:solidFill>
                 <a:latin typeface="Ubuntu Mono"/>
-              </a:rPr>
-              <a:t>    </a:t>
-            </a:r>
-            <a:r>
-              <a:rPr lang="en-US" altLang="en-US" sz="2000" dirty="0" err="1">
-                <a:solidFill>
-                  <a:srgbClr val="000088"/>
-                </a:solidFill>
-                <a:latin typeface="Ubuntu Mono"/>
-              </a:rPr>
-              <a:t>StringBuilder</a:t>
-            </a:r>
-            <a:r>
-              <a:rPr lang="en-US" altLang="en-US" sz="2000" dirty="0" err="1">
-                <a:solidFill>
-                  <a:srgbClr val="000000"/>
-                </a:solidFill>
-                <a:latin typeface="Ubuntu Mono"/>
-              </a:rPr>
-              <a:t>.</a:t>
-            </a:r>
-            <a:r>
-              <a:rPr lang="en-US" altLang="en-US" sz="2000" dirty="0" err="1">
-                <a:solidFill>
-                  <a:srgbClr val="000088"/>
-                </a:solidFill>
-                <a:latin typeface="Ubuntu Mono"/>
-              </a:rPr>
-              <a:t>prototype</a:t>
-            </a:r>
-            <a:r>
-              <a:rPr lang="en-US" altLang="en-US" sz="2000" dirty="0">
-                <a:solidFill>
-                  <a:srgbClr val="000000"/>
-                </a:solidFill>
-                <a:latin typeface="Ubuntu Mono"/>
-              </a:rPr>
-              <a:t> </a:t>
-            </a:r>
-            <a:r>
-              <a:rPr lang="en-US" altLang="en-US" sz="2000" dirty="0">
-                <a:solidFill>
-                  <a:srgbClr val="555555"/>
-                </a:solidFill>
-                <a:latin typeface="Ubuntu Mono"/>
-              </a:rPr>
-              <a:t>=</a:t>
-            </a:r>
-            <a:r>
-              <a:rPr lang="en-US" altLang="en-US" sz="2000" dirty="0">
-                <a:solidFill>
-                  <a:srgbClr val="000000"/>
-                </a:solidFill>
-                <a:latin typeface="Ubuntu Mono"/>
-              </a:rPr>
-              <a:t> { </a:t>
-            </a:r>
-            <a:r>
-              <a:rPr lang="en-US" altLang="en-US" sz="2000" i="1" dirty="0">
-                <a:solidFill>
-                  <a:srgbClr val="35586C"/>
-                </a:solidFill>
-                <a:latin typeface="Ubuntu Mono"/>
-              </a:rPr>
-              <a:t>// Omitted: methods accessing this[KEY_BUFFER]</a:t>
-            </a:r>
-            <a:r>
-              <a:rPr lang="en-US" altLang="en-US" sz="2000" dirty="0">
-                <a:solidFill>
-                  <a:srgbClr val="000000"/>
-                </a:solidFill>
-                <a:latin typeface="Ubuntu Mono"/>
-              </a:rPr>
-              <a:t> </a:t>
-            </a:r>
-          </a:p>
-          <a:p>
-            <a:pPr marL="0" indent="0" eaLnBrk="0" fontAlgn="base" hangingPunct="0">
-              <a:lnSpc>
-                <a:spcPct val="100000"/>
-              </a:lnSpc>
+                <a:cs typeface="Sakkal Majalla" panose="02000000000000000000" pitchFamily="2" charset="-78"/>
+              </a:rPr>
+              <a:t>} </a:t>
+            </a:r>
+          </a:p>
+          <a:p>
+            <a:pPr eaLnBrk="0" fontAlgn="base" hangingPunct="0">
               <a:spcBef>
                 <a:spcPct val="0"/>
               </a:spcBef>
               <a:spcAft>
                 <a:spcPct val="0"/>
               </a:spcAft>
-              <a:buNone/>
             </a:pPr>
             <a:r>
-              <a:rPr lang="en-US" altLang="en-US" sz="2000" dirty="0">
+              <a:rPr lang="en-US" altLang="en-US" sz="2400" dirty="0">
+                <a:solidFill>
+                  <a:srgbClr val="000088"/>
+                </a:solidFill>
+                <a:latin typeface="Ubuntu Mono"/>
+                <a:cs typeface="Sakkal Majalla" panose="02000000000000000000" pitchFamily="2" charset="-78"/>
+              </a:rPr>
+              <a:t>console</a:t>
+            </a:r>
+            <a:r>
+              <a:rPr lang="en-US" altLang="en-US" sz="2400" dirty="0">
                 <a:solidFill>
                   <a:srgbClr val="000000"/>
                 </a:solidFill>
                 <a:latin typeface="Ubuntu Mono"/>
-              </a:rPr>
-              <a:t>    //….</a:t>
-            </a:r>
-          </a:p>
-          <a:p>
-            <a:pPr marL="0" indent="0" eaLnBrk="0" fontAlgn="base" hangingPunct="0">
-              <a:lnSpc>
-                <a:spcPct val="100000"/>
-              </a:lnSpc>
+                <a:cs typeface="Sakkal Majalla" panose="02000000000000000000" pitchFamily="2" charset="-78"/>
+              </a:rPr>
+              <a:t>.</a:t>
+            </a:r>
+            <a:r>
+              <a:rPr lang="en-US" altLang="en-US" sz="2400" dirty="0">
+                <a:solidFill>
+                  <a:srgbClr val="000088"/>
+                </a:solidFill>
+                <a:latin typeface="Ubuntu Mono"/>
+                <a:cs typeface="Sakkal Majalla" panose="02000000000000000000" pitchFamily="2" charset="-78"/>
+              </a:rPr>
+              <a:t>log</a:t>
+            </a:r>
+            <a:r>
+              <a:rPr lang="en-US" altLang="en-US" sz="2400" dirty="0">
+                <a:solidFill>
+                  <a:srgbClr val="000000"/>
+                </a:solidFill>
+                <a:latin typeface="Ubuntu Mono"/>
+                <a:cs typeface="Sakkal Majalla" panose="02000000000000000000" pitchFamily="2" charset="-78"/>
+              </a:rPr>
+              <a:t>(</a:t>
+            </a:r>
+            <a:r>
+              <a:rPr lang="en-US" altLang="en-US" sz="2400" dirty="0">
+                <a:solidFill>
+                  <a:srgbClr val="000088"/>
+                </a:solidFill>
+                <a:latin typeface="Ubuntu Mono"/>
+                <a:cs typeface="Sakkal Majalla" panose="02000000000000000000" pitchFamily="2" charset="-78"/>
+              </a:rPr>
+              <a:t>f</a:t>
+            </a:r>
+            <a:r>
+              <a:rPr lang="en-US" altLang="en-US" sz="2400" dirty="0">
+                <a:solidFill>
+                  <a:srgbClr val="000000"/>
+                </a:solidFill>
+                <a:latin typeface="Ubuntu Mono"/>
+                <a:cs typeface="Sakkal Majalla" panose="02000000000000000000" pitchFamily="2" charset="-78"/>
+              </a:rPr>
+              <a:t>()[</a:t>
+            </a:r>
+            <a:r>
+              <a:rPr lang="en-US" altLang="en-US" sz="2400" dirty="0">
+                <a:solidFill>
+                  <a:srgbClr val="FF6600"/>
+                </a:solidFill>
+                <a:latin typeface="Ubuntu Mono"/>
+                <a:cs typeface="Sakkal Majalla" panose="02000000000000000000" pitchFamily="2" charset="-78"/>
+              </a:rPr>
+              <a:t>0</a:t>
+            </a:r>
+            <a:r>
+              <a:rPr lang="en-US" altLang="en-US" sz="2400" dirty="0">
+                <a:solidFill>
+                  <a:srgbClr val="000000"/>
+                </a:solidFill>
+                <a:latin typeface="Ubuntu Mono"/>
+                <a:cs typeface="Sakkal Majalla" panose="02000000000000000000" pitchFamily="2" charset="-78"/>
+              </a:rPr>
+              <a:t>]()); </a:t>
+            </a:r>
+            <a:r>
+              <a:rPr lang="en-US" altLang="en-US" sz="2400" dirty="0">
+                <a:solidFill>
+                  <a:srgbClr val="35586C"/>
+                </a:solidFill>
+                <a:latin typeface="Ubuntu Mono"/>
+                <a:cs typeface="Sakkal Majalla" panose="02000000000000000000" pitchFamily="2" charset="-78"/>
+              </a:rPr>
+              <a:t>// 3</a:t>
+            </a:r>
+            <a:r>
+              <a:rPr lang="en-US" altLang="en-US" sz="2400" dirty="0">
+                <a:latin typeface="Ubuntu Mono"/>
+                <a:cs typeface="Sakkal Majalla" panose="02000000000000000000" pitchFamily="2" charset="-78"/>
+              </a:rPr>
+              <a:t> </a:t>
+            </a:r>
+          </a:p>
+          <a:p>
+            <a:pPr eaLnBrk="0" fontAlgn="base" hangingPunct="0">
               <a:spcBef>
                 <a:spcPct val="0"/>
               </a:spcBef>
               <a:spcAft>
                 <a:spcPct val="0"/>
               </a:spcAft>
-              <a:buNone/>
             </a:pPr>
             <a:r>
-              <a:rPr lang="en-US" altLang="en-US" sz="2000" dirty="0">
+              <a:rPr lang="en-US" altLang="en-US" sz="2400" dirty="0">
+                <a:solidFill>
+                  <a:srgbClr val="000088"/>
+                </a:solidFill>
+                <a:latin typeface="Ubuntu Mono"/>
+                <a:cs typeface="Sakkal Majalla" panose="02000000000000000000" pitchFamily="2" charset="-78"/>
+              </a:rPr>
+              <a:t>console</a:t>
+            </a:r>
+            <a:r>
+              <a:rPr lang="en-US" altLang="en-US" sz="2400" dirty="0">
                 <a:solidFill>
                   <a:srgbClr val="000000"/>
                 </a:solidFill>
                 <a:latin typeface="Ubuntu Mono"/>
-              </a:rPr>
-              <a:t>    }; </a:t>
-            </a:r>
-          </a:p>
-          <a:p>
-            <a:pPr marL="0" indent="0" eaLnBrk="0" fontAlgn="base" hangingPunct="0">
-              <a:lnSpc>
-                <a:spcPct val="100000"/>
-              </a:lnSpc>
+                <a:cs typeface="Sakkal Majalla" panose="02000000000000000000" pitchFamily="2" charset="-78"/>
+              </a:rPr>
+              <a:t>.</a:t>
+            </a:r>
+            <a:r>
+              <a:rPr lang="en-US" altLang="en-US" sz="2400" dirty="0">
+                <a:solidFill>
+                  <a:srgbClr val="000088"/>
+                </a:solidFill>
+                <a:latin typeface="Ubuntu Mono"/>
+                <a:cs typeface="Sakkal Majalla" panose="02000000000000000000" pitchFamily="2" charset="-78"/>
+              </a:rPr>
+              <a:t>log</a:t>
+            </a:r>
+            <a:r>
+              <a:rPr lang="en-US" altLang="en-US" sz="2400" dirty="0">
+                <a:solidFill>
+                  <a:srgbClr val="000000"/>
+                </a:solidFill>
+                <a:latin typeface="Ubuntu Mono"/>
+                <a:cs typeface="Sakkal Majalla" panose="02000000000000000000" pitchFamily="2" charset="-78"/>
+              </a:rPr>
+              <a:t>(</a:t>
+            </a:r>
+            <a:r>
+              <a:rPr lang="en-US" altLang="en-US" sz="2400" dirty="0">
+                <a:solidFill>
+                  <a:srgbClr val="000088"/>
+                </a:solidFill>
+                <a:latin typeface="Ubuntu Mono"/>
+                <a:cs typeface="Sakkal Majalla" panose="02000000000000000000" pitchFamily="2" charset="-78"/>
+              </a:rPr>
+              <a:t>f</a:t>
+            </a:r>
+            <a:r>
+              <a:rPr lang="en-US" altLang="en-US" sz="2400" dirty="0">
+                <a:solidFill>
+                  <a:srgbClr val="000000"/>
+                </a:solidFill>
+                <a:latin typeface="Ubuntu Mono"/>
+                <a:cs typeface="Sakkal Majalla" panose="02000000000000000000" pitchFamily="2" charset="-78"/>
+              </a:rPr>
+              <a:t>()[</a:t>
+            </a:r>
+            <a:r>
+              <a:rPr lang="en-US" altLang="en-US" sz="2400" dirty="0">
+                <a:solidFill>
+                  <a:srgbClr val="FF6600"/>
+                </a:solidFill>
+                <a:latin typeface="Ubuntu Mono"/>
+                <a:cs typeface="Sakkal Majalla" panose="02000000000000000000" pitchFamily="2" charset="-78"/>
+              </a:rPr>
+              <a:t>1</a:t>
+            </a:r>
+            <a:r>
+              <a:rPr lang="en-US" altLang="en-US" sz="2400" dirty="0">
+                <a:solidFill>
+                  <a:srgbClr val="000000"/>
+                </a:solidFill>
+                <a:latin typeface="Ubuntu Mono"/>
+                <a:cs typeface="Sakkal Majalla" panose="02000000000000000000" pitchFamily="2" charset="-78"/>
+              </a:rPr>
+              <a:t>]()); </a:t>
+            </a:r>
+            <a:r>
+              <a:rPr lang="en-US" altLang="en-US" sz="2400" dirty="0">
+                <a:solidFill>
+                  <a:srgbClr val="35586C"/>
+                </a:solidFill>
+                <a:latin typeface="Ubuntu Mono"/>
+                <a:cs typeface="Sakkal Majalla" panose="02000000000000000000" pitchFamily="2" charset="-78"/>
+              </a:rPr>
+              <a:t>// 3</a:t>
+            </a:r>
+            <a:r>
+              <a:rPr lang="en-US" altLang="en-US" sz="2400" dirty="0">
+                <a:latin typeface="Ubuntu Mono"/>
+                <a:cs typeface="Sakkal Majalla" panose="02000000000000000000" pitchFamily="2" charset="-78"/>
+              </a:rPr>
+              <a:t> </a:t>
+            </a:r>
+          </a:p>
+          <a:p>
+            <a:pPr eaLnBrk="0" fontAlgn="base" hangingPunct="0">
               <a:spcBef>
                 <a:spcPct val="0"/>
               </a:spcBef>
               <a:spcAft>
                 <a:spcPct val="0"/>
               </a:spcAft>
-              <a:buNone/>
             </a:pPr>
-            <a:endParaRPr lang="en-US" altLang="en-US" sz="2000" dirty="0">
-              <a:solidFill>
-                <a:srgbClr val="000000"/>
-              </a:solidFill>
-              <a:latin typeface="Ubuntu Mono"/>
-            </a:endParaRPr>
-          </a:p>
-          <a:p>
-            <a:pPr marL="0" indent="0" eaLnBrk="0" fontAlgn="base" hangingPunct="0">
-              <a:lnSpc>
-                <a:spcPct val="100000"/>
-              </a:lnSpc>
+            <a:r>
+              <a:rPr lang="en-US" altLang="en-US" sz="2400" dirty="0">
+                <a:solidFill>
+                  <a:srgbClr val="000088"/>
+                </a:solidFill>
+                <a:latin typeface="Ubuntu Mono"/>
+                <a:cs typeface="Sakkal Majalla" panose="02000000000000000000" pitchFamily="2" charset="-78"/>
+              </a:rPr>
+              <a:t>console</a:t>
+            </a:r>
+            <a:r>
+              <a:rPr lang="en-US" altLang="en-US" sz="2400" dirty="0">
+                <a:solidFill>
+                  <a:srgbClr val="000000"/>
+                </a:solidFill>
+                <a:latin typeface="Ubuntu Mono"/>
+                <a:cs typeface="Sakkal Majalla" panose="02000000000000000000" pitchFamily="2" charset="-78"/>
+              </a:rPr>
+              <a:t>.</a:t>
+            </a:r>
+            <a:r>
+              <a:rPr lang="en-US" altLang="en-US" sz="2400" dirty="0">
+                <a:solidFill>
+                  <a:srgbClr val="000088"/>
+                </a:solidFill>
+                <a:latin typeface="Ubuntu Mono"/>
+                <a:cs typeface="Sakkal Majalla" panose="02000000000000000000" pitchFamily="2" charset="-78"/>
+              </a:rPr>
+              <a:t>log</a:t>
+            </a:r>
+            <a:r>
+              <a:rPr lang="en-US" altLang="en-US" sz="2400" dirty="0">
+                <a:solidFill>
+                  <a:srgbClr val="000000"/>
+                </a:solidFill>
+                <a:latin typeface="Ubuntu Mono"/>
+                <a:cs typeface="Sakkal Majalla" panose="02000000000000000000" pitchFamily="2" charset="-78"/>
+              </a:rPr>
+              <a:t>(</a:t>
+            </a:r>
+            <a:r>
+              <a:rPr lang="en-US" altLang="en-US" sz="2400" dirty="0">
+                <a:solidFill>
+                  <a:srgbClr val="000088"/>
+                </a:solidFill>
+                <a:latin typeface="Ubuntu Mono"/>
+                <a:cs typeface="Sakkal Majalla" panose="02000000000000000000" pitchFamily="2" charset="-78"/>
+              </a:rPr>
+              <a:t>f</a:t>
+            </a:r>
+            <a:r>
+              <a:rPr lang="en-US" altLang="en-US" sz="2400" dirty="0">
+                <a:solidFill>
+                  <a:srgbClr val="000000"/>
+                </a:solidFill>
+                <a:latin typeface="Ubuntu Mono"/>
+                <a:cs typeface="Sakkal Majalla" panose="02000000000000000000" pitchFamily="2" charset="-78"/>
+              </a:rPr>
+              <a:t>()[</a:t>
+            </a:r>
+            <a:r>
+              <a:rPr lang="en-US" altLang="en-US" sz="2400" dirty="0">
+                <a:solidFill>
+                  <a:srgbClr val="FF6600"/>
+                </a:solidFill>
+                <a:latin typeface="Ubuntu Mono"/>
+                <a:cs typeface="Sakkal Majalla" panose="02000000000000000000" pitchFamily="2" charset="-78"/>
+              </a:rPr>
+              <a:t>2</a:t>
+            </a:r>
+            <a:r>
+              <a:rPr lang="en-US" altLang="en-US" sz="2400" dirty="0">
+                <a:solidFill>
+                  <a:srgbClr val="000000"/>
+                </a:solidFill>
+                <a:latin typeface="Ubuntu Mono"/>
+                <a:cs typeface="Sakkal Majalla" panose="02000000000000000000" pitchFamily="2" charset="-78"/>
+              </a:rPr>
+              <a:t>]()); </a:t>
+            </a:r>
+            <a:r>
+              <a:rPr lang="en-US" altLang="en-US" sz="2400" dirty="0">
+                <a:solidFill>
+                  <a:srgbClr val="35586C"/>
+                </a:solidFill>
+                <a:latin typeface="Ubuntu Mono"/>
+                <a:cs typeface="Sakkal Majalla" panose="02000000000000000000" pitchFamily="2" charset="-78"/>
+              </a:rPr>
+              <a:t>// 3</a:t>
+            </a:r>
+            <a:r>
+              <a:rPr lang="en-US" altLang="en-US" sz="2400" dirty="0">
+                <a:latin typeface="Ubuntu Mono"/>
+                <a:cs typeface="Sakkal Majalla" panose="02000000000000000000" pitchFamily="2" charset="-78"/>
+              </a:rPr>
+              <a:t> </a:t>
+            </a:r>
+          </a:p>
+          <a:p>
+            <a:pPr eaLnBrk="0" fontAlgn="base" hangingPunct="0">
               <a:spcBef>
                 <a:spcPct val="0"/>
               </a:spcBef>
               <a:spcAft>
                 <a:spcPct val="0"/>
               </a:spcAft>
-              <a:buNone/>
             </a:pPr>
-            <a:r>
-              <a:rPr lang="en-US" altLang="en-US" sz="2000" b="1" dirty="0">
-                <a:solidFill>
-                  <a:srgbClr val="006699"/>
-                </a:solidFill>
-                <a:latin typeface="Ubuntu Mono"/>
-              </a:rPr>
-              <a:t>    return</a:t>
-            </a:r>
-            <a:r>
-              <a:rPr lang="en-US" altLang="en-US" sz="2000" dirty="0">
-                <a:solidFill>
-                  <a:srgbClr val="000000"/>
-                </a:solidFill>
-                <a:latin typeface="Ubuntu Mono"/>
-              </a:rPr>
-              <a:t> </a:t>
-            </a:r>
-            <a:r>
-              <a:rPr lang="en-US" altLang="en-US" sz="2000" dirty="0" err="1">
-                <a:solidFill>
-                  <a:srgbClr val="000088"/>
-                </a:solidFill>
-                <a:latin typeface="Ubuntu Mono"/>
-              </a:rPr>
-              <a:t>StringBuilder</a:t>
-            </a:r>
-            <a:r>
-              <a:rPr lang="en-US" altLang="en-US" sz="2000" dirty="0">
-                <a:solidFill>
-                  <a:srgbClr val="000000"/>
-                </a:solidFill>
-                <a:latin typeface="Ubuntu Mono"/>
-              </a:rPr>
-              <a:t>; </a:t>
-            </a:r>
-          </a:p>
-          <a:p>
-            <a:pPr marL="0" indent="0" eaLnBrk="0" fontAlgn="base" hangingPunct="0">
-              <a:lnSpc>
-                <a:spcPct val="100000"/>
-              </a:lnSpc>
-              <a:spcBef>
-                <a:spcPct val="0"/>
-              </a:spcBef>
-              <a:spcAft>
-                <a:spcPct val="0"/>
-              </a:spcAft>
-              <a:buNone/>
-            </a:pPr>
-            <a:r>
-              <a:rPr lang="en-US" altLang="en-US" sz="2000" dirty="0">
-                <a:solidFill>
-                  <a:srgbClr val="000000"/>
-                </a:solidFill>
-                <a:latin typeface="Ubuntu Mono"/>
-              </a:rPr>
-              <a:t>}(); </a:t>
-            </a:r>
-            <a:r>
-              <a:rPr lang="en-US" altLang="en-US" sz="2000" i="1" dirty="0">
-                <a:solidFill>
-                  <a:srgbClr val="35586C"/>
-                </a:solidFill>
-                <a:latin typeface="Ubuntu Mono"/>
-              </a:rPr>
-              <a:t>// close IIFE</a:t>
-            </a:r>
-            <a:r>
-              <a:rPr lang="en-US" altLang="en-US" sz="2000" dirty="0"/>
-              <a:t> </a:t>
-            </a:r>
-            <a:endParaRPr lang="en-US" altLang="en-US" sz="2000" dirty="0">
-              <a:latin typeface="Arial" panose="020B0604020202020204" pitchFamily="34" charset="0"/>
+            <a:endParaRPr lang="en-US" altLang="en-US" sz="2400" dirty="0">
+              <a:latin typeface="Ubuntu Mono"/>
+              <a:cs typeface="Sakkal Majalla" panose="02000000000000000000" pitchFamily="2" charset="-78"/>
             </a:endParaRPr>
           </a:p>
         </p:txBody>
@@ -18530,7 +16885,7 @@
     </p:spTree>
     <p:extLst>
       <p:ext uri="{BB962C8B-B14F-4D97-AF65-F5344CB8AC3E}">
-        <p14:creationId xmlns:p14="http://schemas.microsoft.com/office/powerpoint/2010/main" val="2998229706"/>
+        <p14:creationId xmlns:p14="http://schemas.microsoft.com/office/powerpoint/2010/main" val="2264664392"/>
       </p:ext>
     </p:extLst>
   </p:cSld>
@@ -18566,47 +16921,52 @@
       </p:grpSpPr>
       <p:sp>
         <p:nvSpPr>
-          <p:cNvPr id="2" name="Title 1"/>
+          <p:cNvPr id="3" name="Content Placeholder 2"/>
           <p:cNvSpPr>
             <a:spLocks noGrp="1"/>
-          </p:cNvSpPr>
-          <p:nvPr>
-            <p:ph type="title"/>
-          </p:nvPr>
-        </p:nvSpPr>
-        <p:spPr>
-          <a:xfrm>
-            <a:off x="2207568" y="116632"/>
-            <a:ext cx="8229600" cy="1143000"/>
-          </a:xfrm>
-        </p:spPr>
-        <p:txBody>
-          <a:bodyPr>
-            <a:normAutofit/>
-          </a:bodyPr>
-          <a:lstStyle/>
-          <a:p>
-            <a:r>
-              <a:rPr lang="en-US" sz="3200" dirty="0"/>
-              <a:t>4. Attaching data to a method </a:t>
-            </a:r>
-          </a:p>
-        </p:txBody>
-      </p:sp>
-      <p:sp>
-        <p:nvSpPr>
-          <p:cNvPr id="4" name="Rectangle 1"/>
-          <p:cNvSpPr>
-            <a:spLocks noGrp="1" noChangeArrowheads="1"/>
           </p:cNvSpPr>
           <p:nvPr>
             <p:ph idx="1"/>
           </p:nvPr>
         </p:nvSpPr>
+        <p:spPr>
+          <a:xfrm>
+            <a:off x="1991544" y="260649"/>
+            <a:ext cx="8229600" cy="4525963"/>
+          </a:xfrm>
+        </p:spPr>
+        <p:txBody>
+          <a:bodyPr/>
+          <a:lstStyle/>
+          <a:p>
+            <a:pPr marL="0" indent="0">
+              <a:buNone/>
+            </a:pPr>
+            <a:r>
+              <a:rPr lang="en-US" dirty="0" smtClean="0"/>
+              <a:t>2. Avoiding variable sharing.</a:t>
+            </a:r>
+          </a:p>
+          <a:p>
+            <a:pPr marL="0" indent="0">
+              <a:buNone/>
+            </a:pPr>
+            <a:endParaRPr lang="en-US" dirty="0"/>
+          </a:p>
+        </p:txBody>
+      </p:sp>
+      <p:sp>
+        <p:nvSpPr>
+          <p:cNvPr id="5" name="Rectangle 2"/>
+          <p:cNvSpPr>
+            <a:spLocks noChangeArrowheads="1"/>
+          </p:cNvSpPr>
+          <p:nvPr/>
+        </p:nvSpPr>
         <p:spPr bwMode="auto">
           <a:xfrm>
-            <a:off x="1994198" y="1628800"/>
-            <a:ext cx="5370060" cy="3077766"/>
+            <a:off x="1991545" y="908720"/>
+            <a:ext cx="6187591" cy="5170646"/>
           </a:xfrm>
           <a:prstGeom prst="rect">
             <a:avLst/>
@@ -18646,7 +17006,7 @@
           </a:extLst>
         </p:spPr>
         <p:txBody>
-          <a:bodyPr vert="horz" wrap="none" lIns="0" tIns="0" rIns="0" bIns="0" numCol="1" rtlCol="0" anchor="ctr" anchorCtr="0" compatLnSpc="1">
+          <a:bodyPr vert="horz" wrap="none" lIns="0" tIns="0" rIns="0" bIns="0" numCol="1" anchor="ctr" anchorCtr="0" compatLnSpc="1">
             <a:prstTxWarp prst="textNoShape">
               <a:avLst/>
             </a:prstTxWarp>
@@ -18654,29 +17014,25 @@
           </a:bodyPr>
           <a:lstStyle/>
           <a:p>
-            <a:pPr marL="0" indent="0" eaLnBrk="0" fontAlgn="base" hangingPunct="0">
-              <a:lnSpc>
-                <a:spcPct val="100000"/>
-              </a:lnSpc>
+            <a:pPr eaLnBrk="0" fontAlgn="base" hangingPunct="0">
               <a:spcBef>
                 <a:spcPct val="0"/>
               </a:spcBef>
               <a:spcAft>
                 <a:spcPct val="0"/>
               </a:spcAft>
-              <a:buNone/>
             </a:pPr>
             <a:r>
-              <a:rPr lang="en-US" altLang="en-US" sz="2000" b="1" dirty="0" err="1">
+              <a:rPr lang="en-US" altLang="en-US" sz="2400" b="1" dirty="0">
                 <a:solidFill>
                   <a:srgbClr val="006699"/>
                 </a:solidFill>
                 <a:latin typeface="Ubuntu Mono"/>
               </a:rPr>
-              <a:t>var</a:t>
-            </a:r>
-            <a:r>
-              <a:rPr lang="en-US" altLang="en-US" sz="2000" dirty="0">
+              <a:t>function</a:t>
+            </a:r>
+            <a:r>
+              <a:rPr lang="en-US" altLang="en-US" sz="2400" dirty="0">
                 <a:solidFill>
                   <a:srgbClr val="000000"/>
                 </a:solidFill>
@@ -18685,288 +17041,335 @@
               <a:t> </a:t>
             </a:r>
             <a:r>
-              <a:rPr lang="en-US" altLang="en-US" sz="2000" dirty="0" err="1">
+              <a:rPr lang="en-US" altLang="en-US" sz="2400" dirty="0">
                 <a:solidFill>
                   <a:srgbClr val="000088"/>
                 </a:solidFill>
                 <a:latin typeface="Ubuntu Mono"/>
               </a:rPr>
-              <a:t>obj</a:t>
-            </a:r>
-            <a:r>
-              <a:rPr lang="en-US" altLang="en-US" sz="2000" dirty="0">
+              <a:t>f</a:t>
+            </a:r>
+            <a:r>
+              <a:rPr lang="en-US" altLang="en-US" sz="2400" dirty="0">
                 <a:solidFill>
                   <a:srgbClr val="000000"/>
                 </a:solidFill>
                 <a:latin typeface="Ubuntu Mono"/>
               </a:rPr>
-              <a:t> </a:t>
-            </a:r>
-            <a:r>
-              <a:rPr lang="en-US" altLang="en-US" sz="2000" dirty="0">
-                <a:solidFill>
-                  <a:srgbClr val="555555"/>
-                </a:solidFill>
-                <a:latin typeface="Ubuntu Mono"/>
-              </a:rPr>
-              <a:t>=</a:t>
-            </a:r>
-            <a:r>
-              <a:rPr lang="en-US" altLang="en-US" sz="2000" dirty="0">
-                <a:solidFill>
-                  <a:srgbClr val="000000"/>
-                </a:solidFill>
-                <a:latin typeface="Ubuntu Mono"/>
-              </a:rPr>
-              <a:t> {</a:t>
-            </a:r>
-          </a:p>
-          <a:p>
-            <a:pPr marL="0" indent="0" eaLnBrk="0" fontAlgn="base" hangingPunct="0">
-              <a:lnSpc>
-                <a:spcPct val="100000"/>
-              </a:lnSpc>
+              <a:t>() { </a:t>
+            </a:r>
+          </a:p>
+          <a:p>
+            <a:pPr eaLnBrk="0" fontAlgn="base" hangingPunct="0">
               <a:spcBef>
                 <a:spcPct val="0"/>
               </a:spcBef>
               <a:spcAft>
                 <a:spcPct val="0"/>
               </a:spcAft>
-              <a:buNone/>
             </a:pPr>
             <a:r>
-              <a:rPr lang="en-US" altLang="en-US" sz="2000" dirty="0">
+              <a:rPr lang="en-US" altLang="en-US" sz="2400" dirty="0">
+                <a:solidFill>
+                  <a:srgbClr val="000000"/>
+                </a:solidFill>
+                <a:latin typeface="Ubuntu Mono"/>
+              </a:rPr>
+              <a:t>    </a:t>
+            </a:r>
+            <a:r>
+              <a:rPr lang="en-US" altLang="en-US" sz="2400" b="1" dirty="0" err="1">
+                <a:solidFill>
+                  <a:srgbClr val="006699"/>
+                </a:solidFill>
+                <a:latin typeface="Ubuntu Mono"/>
+              </a:rPr>
+              <a:t>var</a:t>
+            </a:r>
+            <a:r>
+              <a:rPr lang="en-US" altLang="en-US" sz="2400" dirty="0">
+                <a:solidFill>
+                  <a:srgbClr val="000000"/>
+                </a:solidFill>
+                <a:latin typeface="Ubuntu Mono"/>
+              </a:rPr>
+              <a:t> </a:t>
+            </a:r>
+            <a:r>
+              <a:rPr lang="en-US" altLang="en-US" sz="2400" dirty="0">
                 <a:solidFill>
                   <a:srgbClr val="000088"/>
                 </a:solidFill>
                 <a:latin typeface="Ubuntu Mono"/>
               </a:rPr>
-              <a:t>    method</a:t>
-            </a:r>
-            <a:r>
-              <a:rPr lang="en-US" altLang="en-US" sz="2000" dirty="0">
+              <a:t>result</a:t>
+            </a:r>
+            <a:r>
+              <a:rPr lang="en-US" altLang="en-US" sz="2400" dirty="0">
+                <a:solidFill>
+                  <a:srgbClr val="000000"/>
+                </a:solidFill>
+                <a:latin typeface="Ubuntu Mono"/>
+              </a:rPr>
+              <a:t> </a:t>
+            </a:r>
+            <a:r>
+              <a:rPr lang="en-US" altLang="en-US" sz="2400" dirty="0">
                 <a:solidFill>
                   <a:srgbClr val="555555"/>
                 </a:solidFill>
                 <a:latin typeface="Ubuntu Mono"/>
               </a:rPr>
-              <a:t>:</a:t>
-            </a:r>
-            <a:r>
-              <a:rPr lang="en-US" altLang="en-US" sz="2000" dirty="0">
+              <a:t>=</a:t>
+            </a:r>
+            <a:r>
+              <a:rPr lang="en-US" altLang="en-US" sz="2400" dirty="0">
                 <a:solidFill>
                   <a:srgbClr val="000000"/>
                 </a:solidFill>
                 <a:latin typeface="Ubuntu Mono"/>
               </a:rPr>
-              <a:t> </a:t>
-            </a:r>
-            <a:r>
-              <a:rPr lang="en-US" altLang="en-US" sz="2000" b="1" dirty="0">
-                <a:solidFill>
-                  <a:srgbClr val="006699"/>
-                </a:solidFill>
-                <a:latin typeface="Ubuntu Mono"/>
-              </a:rPr>
-              <a:t>function</a:t>
-            </a:r>
-            <a:r>
-              <a:rPr lang="en-US" altLang="en-US" sz="2000" dirty="0">
-                <a:solidFill>
-                  <a:srgbClr val="000000"/>
-                </a:solidFill>
-                <a:latin typeface="Ubuntu Mono"/>
-              </a:rPr>
-              <a:t> () { </a:t>
-            </a:r>
-            <a:r>
-              <a:rPr lang="en-US" altLang="en-US" sz="2000" i="1" dirty="0">
-                <a:solidFill>
-                  <a:srgbClr val="35586C"/>
-                </a:solidFill>
-                <a:latin typeface="Ubuntu Mono"/>
-              </a:rPr>
-              <a:t>// open IIFE</a:t>
-            </a:r>
-            <a:r>
-              <a:rPr lang="en-US" altLang="en-US" sz="2000" dirty="0">
-                <a:solidFill>
-                  <a:srgbClr val="000000"/>
-                </a:solidFill>
-                <a:latin typeface="Ubuntu Mono"/>
-              </a:rPr>
-              <a:t> </a:t>
-            </a:r>
-          </a:p>
-          <a:p>
-            <a:pPr marL="0" indent="0" eaLnBrk="0" fontAlgn="base" hangingPunct="0">
-              <a:lnSpc>
-                <a:spcPct val="100000"/>
-              </a:lnSpc>
+              <a:t> []; </a:t>
+            </a:r>
+          </a:p>
+          <a:p>
+            <a:pPr eaLnBrk="0" fontAlgn="base" hangingPunct="0">
               <a:spcBef>
                 <a:spcPct val="0"/>
               </a:spcBef>
               <a:spcAft>
                 <a:spcPct val="0"/>
               </a:spcAft>
-              <a:buNone/>
             </a:pPr>
             <a:r>
-              <a:rPr lang="en-US" altLang="en-US" sz="2000" dirty="0">
+              <a:rPr lang="en-US" altLang="en-US" sz="2400" dirty="0">
                 <a:solidFill>
                   <a:srgbClr val="000000"/>
                 </a:solidFill>
                 <a:latin typeface="Ubuntu Mono"/>
               </a:rPr>
-              <a:t>        </a:t>
-            </a:r>
-            <a:r>
-              <a:rPr lang="en-US" altLang="en-US" sz="2000" i="1" dirty="0">
-                <a:solidFill>
-                  <a:srgbClr val="35586C"/>
-                </a:solidFill>
-                <a:latin typeface="Ubuntu Mono"/>
-              </a:rPr>
-              <a:t>// method-private data</a:t>
-            </a:r>
-            <a:r>
-              <a:rPr lang="en-US" altLang="en-US" sz="2000" dirty="0">
+              <a:t>    </a:t>
+            </a:r>
+            <a:r>
+              <a:rPr lang="en-US" altLang="en-US" sz="2400" b="1" dirty="0">
+                <a:solidFill>
+                  <a:srgbClr val="006699"/>
+                </a:solidFill>
+                <a:latin typeface="Ubuntu Mono"/>
+              </a:rPr>
+              <a:t>for</a:t>
+            </a:r>
+            <a:r>
+              <a:rPr lang="en-US" altLang="en-US" sz="2400" dirty="0">
                 <a:solidFill>
                   <a:srgbClr val="000000"/>
                 </a:solidFill>
                 <a:latin typeface="Ubuntu Mono"/>
               </a:rPr>
+              <a:t> (</a:t>
+            </a:r>
+            <a:r>
+              <a:rPr lang="en-US" altLang="en-US" sz="2400" b="1" dirty="0" err="1">
+                <a:solidFill>
+                  <a:srgbClr val="006699"/>
+                </a:solidFill>
+                <a:latin typeface="Ubuntu Mono"/>
+              </a:rPr>
+              <a:t>var</a:t>
+            </a:r>
+            <a:r>
+              <a:rPr lang="en-US" altLang="en-US" sz="2400" dirty="0">
+                <a:solidFill>
+                  <a:srgbClr val="000000"/>
+                </a:solidFill>
+                <a:latin typeface="Ubuntu Mono"/>
+              </a:rPr>
               <a:t> </a:t>
             </a:r>
-          </a:p>
-          <a:p>
-            <a:pPr marL="0" indent="0" eaLnBrk="0" fontAlgn="base" hangingPunct="0">
-              <a:lnSpc>
-                <a:spcPct val="100000"/>
-              </a:lnSpc>
+            <a:r>
+              <a:rPr lang="en-US" altLang="en-US" sz="2400" dirty="0" err="1">
+                <a:solidFill>
+                  <a:srgbClr val="000088"/>
+                </a:solidFill>
+                <a:latin typeface="Ubuntu Mono"/>
+              </a:rPr>
+              <a:t>i</a:t>
+            </a:r>
+            <a:r>
+              <a:rPr lang="en-US" altLang="en-US" sz="2400" dirty="0">
+                <a:solidFill>
+                  <a:srgbClr val="555555"/>
+                </a:solidFill>
+                <a:latin typeface="Ubuntu Mono"/>
+              </a:rPr>
+              <a:t>=</a:t>
+            </a:r>
+            <a:r>
+              <a:rPr lang="en-US" altLang="en-US" sz="2400" dirty="0">
+                <a:solidFill>
+                  <a:srgbClr val="FF6600"/>
+                </a:solidFill>
+                <a:latin typeface="Ubuntu Mono"/>
+              </a:rPr>
+              <a:t>0</a:t>
+            </a:r>
+            <a:r>
+              <a:rPr lang="en-US" altLang="en-US" sz="2400" dirty="0">
+                <a:solidFill>
+                  <a:srgbClr val="000000"/>
+                </a:solidFill>
+                <a:latin typeface="Ubuntu Mono"/>
+              </a:rPr>
+              <a:t>; </a:t>
+            </a:r>
+            <a:r>
+              <a:rPr lang="en-US" altLang="en-US" sz="2400" dirty="0" err="1">
+                <a:solidFill>
+                  <a:srgbClr val="000088"/>
+                </a:solidFill>
+                <a:latin typeface="Ubuntu Mono"/>
+              </a:rPr>
+              <a:t>i</a:t>
+            </a:r>
+            <a:r>
+              <a:rPr lang="en-US" altLang="en-US" sz="2400" dirty="0">
+                <a:solidFill>
+                  <a:srgbClr val="555555"/>
+                </a:solidFill>
+                <a:latin typeface="Ubuntu Mono"/>
+              </a:rPr>
+              <a:t>&lt;</a:t>
+            </a:r>
+            <a:r>
+              <a:rPr lang="en-US" altLang="en-US" sz="2400" dirty="0">
+                <a:solidFill>
+                  <a:srgbClr val="FF6600"/>
+                </a:solidFill>
+                <a:latin typeface="Ubuntu Mono"/>
+              </a:rPr>
+              <a:t>3</a:t>
+            </a:r>
+            <a:r>
+              <a:rPr lang="en-US" altLang="en-US" sz="2400" dirty="0">
+                <a:solidFill>
+                  <a:srgbClr val="000000"/>
+                </a:solidFill>
+                <a:latin typeface="Ubuntu Mono"/>
+              </a:rPr>
+              <a:t>; </a:t>
+            </a:r>
+            <a:r>
+              <a:rPr lang="en-US" altLang="en-US" sz="2400" dirty="0" err="1">
+                <a:solidFill>
+                  <a:srgbClr val="000088"/>
+                </a:solidFill>
+                <a:latin typeface="Ubuntu Mono"/>
+              </a:rPr>
+              <a:t>i</a:t>
+            </a:r>
+            <a:r>
+              <a:rPr lang="en-US" altLang="en-US" sz="2400" dirty="0">
+                <a:solidFill>
+                  <a:srgbClr val="555555"/>
+                </a:solidFill>
+                <a:latin typeface="Ubuntu Mono"/>
+              </a:rPr>
+              <a:t>++</a:t>
+            </a:r>
+            <a:r>
+              <a:rPr lang="en-US" altLang="en-US" sz="2400" dirty="0">
+                <a:solidFill>
+                  <a:srgbClr val="000000"/>
+                </a:solidFill>
+                <a:latin typeface="Ubuntu Mono"/>
+              </a:rPr>
+              <a:t>) { </a:t>
+            </a:r>
+          </a:p>
+          <a:p>
+            <a:pPr eaLnBrk="0" fontAlgn="base" hangingPunct="0">
               <a:spcBef>
                 <a:spcPct val="0"/>
               </a:spcBef>
               <a:spcAft>
                 <a:spcPct val="0"/>
               </a:spcAft>
-              <a:buNone/>
             </a:pPr>
             <a:r>
-              <a:rPr lang="en-US" altLang="en-US" sz="2000" dirty="0">
+              <a:rPr lang="en-US" altLang="en-US" sz="2400" dirty="0">
                 <a:solidFill>
                   <a:srgbClr val="000000"/>
                 </a:solidFill>
                 <a:latin typeface="Ubuntu Mono"/>
               </a:rPr>
-              <a:t>        </a:t>
-            </a:r>
-            <a:r>
-              <a:rPr lang="en-US" altLang="en-US" sz="2000" b="1" dirty="0" err="1">
+              <a:t>         (</a:t>
+            </a:r>
+            <a:r>
+              <a:rPr lang="en-US" altLang="en-US" sz="2400" b="1" dirty="0">
                 <a:solidFill>
                   <a:srgbClr val="006699"/>
                 </a:solidFill>
                 <a:latin typeface="Ubuntu Mono"/>
               </a:rPr>
-              <a:t>var</a:t>
-            </a:r>
-            <a:r>
-              <a:rPr lang="en-US" altLang="en-US" sz="2000" dirty="0">
+              <a:t>function</a:t>
+            </a:r>
+            <a:r>
+              <a:rPr lang="en-US" altLang="en-US" sz="2400" dirty="0">
                 <a:solidFill>
                   <a:srgbClr val="000000"/>
                 </a:solidFill>
                 <a:latin typeface="Ubuntu Mono"/>
               </a:rPr>
+              <a:t> () { </a:t>
+            </a:r>
+            <a:r>
+              <a:rPr lang="en-US" altLang="en-US" sz="2400" i="1" dirty="0">
+                <a:solidFill>
+                  <a:srgbClr val="35586C"/>
+                </a:solidFill>
+                <a:latin typeface="Ubuntu Mono"/>
+              </a:rPr>
+              <a:t>// step 1: IIFE</a:t>
+            </a:r>
+            <a:r>
+              <a:rPr lang="en-US" altLang="en-US" sz="2400" dirty="0">
+                <a:solidFill>
+                  <a:srgbClr val="000000"/>
+                </a:solidFill>
+                <a:latin typeface="Ubuntu Mono"/>
+              </a:rPr>
               <a:t> </a:t>
             </a:r>
-            <a:r>
-              <a:rPr lang="en-US" altLang="en-US" sz="2000" dirty="0" err="1">
-                <a:solidFill>
-                  <a:srgbClr val="000088"/>
-                </a:solidFill>
-                <a:latin typeface="Ubuntu Mono"/>
-              </a:rPr>
-              <a:t>invocCount</a:t>
-            </a:r>
-            <a:r>
-              <a:rPr lang="en-US" altLang="en-US" sz="2000" dirty="0">
-                <a:solidFill>
-                  <a:srgbClr val="000000"/>
-                </a:solidFill>
-                <a:latin typeface="Ubuntu Mono"/>
-              </a:rPr>
-              <a:t> </a:t>
-            </a:r>
-            <a:r>
-              <a:rPr lang="en-US" altLang="en-US" sz="2000" dirty="0">
-                <a:solidFill>
-                  <a:srgbClr val="555555"/>
-                </a:solidFill>
-                <a:latin typeface="Ubuntu Mono"/>
-              </a:rPr>
-              <a:t>=</a:t>
-            </a:r>
-            <a:r>
-              <a:rPr lang="en-US" altLang="en-US" sz="2000" dirty="0">
-                <a:solidFill>
-                  <a:srgbClr val="000000"/>
-                </a:solidFill>
-                <a:latin typeface="Ubuntu Mono"/>
-              </a:rPr>
-              <a:t> </a:t>
-            </a:r>
-            <a:r>
-              <a:rPr lang="en-US" altLang="en-US" sz="2000" dirty="0">
-                <a:solidFill>
-                  <a:srgbClr val="FF6600"/>
-                </a:solidFill>
-                <a:latin typeface="Ubuntu Mono"/>
-              </a:rPr>
-              <a:t>0</a:t>
-            </a:r>
-            <a:r>
-              <a:rPr lang="en-US" altLang="en-US" sz="2000" dirty="0">
-                <a:solidFill>
-                  <a:srgbClr val="000000"/>
-                </a:solidFill>
-                <a:latin typeface="Ubuntu Mono"/>
-              </a:rPr>
-              <a:t>; </a:t>
-            </a:r>
-          </a:p>
-          <a:p>
-            <a:pPr marL="0" indent="0" eaLnBrk="0" fontAlgn="base" hangingPunct="0">
-              <a:lnSpc>
-                <a:spcPct val="100000"/>
-              </a:lnSpc>
+          </a:p>
+          <a:p>
+            <a:pPr eaLnBrk="0" fontAlgn="base" hangingPunct="0">
               <a:spcBef>
                 <a:spcPct val="0"/>
               </a:spcBef>
               <a:spcAft>
                 <a:spcPct val="0"/>
               </a:spcAft>
-              <a:buNone/>
             </a:pPr>
             <a:r>
-              <a:rPr lang="en-US" altLang="en-US" sz="2000" dirty="0">
+              <a:rPr lang="en-US" altLang="en-US" sz="2400" dirty="0">
                 <a:solidFill>
                   <a:srgbClr val="000000"/>
                 </a:solidFill>
                 <a:latin typeface="Ubuntu Mono"/>
               </a:rPr>
-              <a:t>        </a:t>
-            </a:r>
-            <a:r>
-              <a:rPr lang="en-US" altLang="en-US" sz="2000" b="1" dirty="0">
+              <a:t>             </a:t>
+            </a:r>
+            <a:r>
+              <a:rPr lang="en-US" altLang="en-US" sz="2400" b="1" dirty="0" err="1">
                 <a:solidFill>
                   <a:srgbClr val="006699"/>
                 </a:solidFill>
                 <a:latin typeface="Ubuntu Mono"/>
               </a:rPr>
-              <a:t>return</a:t>
-            </a:r>
-            <a:r>
-              <a:rPr lang="en-US" altLang="en-US" sz="2000" dirty="0">
+              <a:t>var</a:t>
+            </a:r>
+            <a:r>
+              <a:rPr lang="en-US" altLang="en-US" sz="2400" dirty="0">
                 <a:solidFill>
                   <a:srgbClr val="000000"/>
                 </a:solidFill>
@@ -18975,107 +17378,234 @@
               <a:t> </a:t>
             </a:r>
             <a:r>
-              <a:rPr lang="en-US" altLang="en-US" sz="2000" b="1" dirty="0">
-                <a:solidFill>
-                  <a:srgbClr val="006699"/>
-                </a:solidFill>
-                <a:latin typeface="Ubuntu Mono"/>
-              </a:rPr>
-              <a:t>function</a:t>
-            </a:r>
-            <a:r>
-              <a:rPr lang="en-US" altLang="en-US" sz="2000" dirty="0">
+              <a:rPr lang="en-US" altLang="en-US" sz="2400" dirty="0" err="1">
+                <a:solidFill>
+                  <a:srgbClr val="000088"/>
+                </a:solidFill>
+                <a:latin typeface="Ubuntu Mono"/>
+              </a:rPr>
+              <a:t>pos</a:t>
+            </a:r>
+            <a:r>
+              <a:rPr lang="en-US" altLang="en-US" sz="2400" dirty="0">
                 <a:solidFill>
                   <a:srgbClr val="000000"/>
                 </a:solidFill>
                 <a:latin typeface="Ubuntu Mono"/>
               </a:rPr>
-              <a:t> () { </a:t>
-            </a:r>
-          </a:p>
-          <a:p>
-            <a:pPr marL="0" indent="0" eaLnBrk="0" fontAlgn="base" hangingPunct="0">
-              <a:lnSpc>
-                <a:spcPct val="100000"/>
-              </a:lnSpc>
+              <a:t> </a:t>
+            </a:r>
+            <a:r>
+              <a:rPr lang="en-US" altLang="en-US" sz="2400" dirty="0">
+                <a:solidFill>
+                  <a:srgbClr val="555555"/>
+                </a:solidFill>
+                <a:latin typeface="Ubuntu Mono"/>
+              </a:rPr>
+              <a:t>=</a:t>
+            </a:r>
+            <a:r>
+              <a:rPr lang="en-US" altLang="en-US" sz="2400" dirty="0">
+                <a:solidFill>
+                  <a:srgbClr val="000000"/>
+                </a:solidFill>
+                <a:latin typeface="Ubuntu Mono"/>
+              </a:rPr>
+              <a:t> </a:t>
+            </a:r>
+            <a:r>
+              <a:rPr lang="en-US" altLang="en-US" sz="2400" dirty="0" err="1">
+                <a:solidFill>
+                  <a:srgbClr val="000088"/>
+                </a:solidFill>
+                <a:latin typeface="Ubuntu Mono"/>
+              </a:rPr>
+              <a:t>i</a:t>
+            </a:r>
+            <a:r>
+              <a:rPr lang="en-US" altLang="en-US" sz="2400" dirty="0">
+                <a:solidFill>
+                  <a:srgbClr val="000000"/>
+                </a:solidFill>
+                <a:latin typeface="Ubuntu Mono"/>
+              </a:rPr>
+              <a:t>; </a:t>
+            </a:r>
+            <a:r>
+              <a:rPr lang="en-US" altLang="en-US" sz="2400" i="1" dirty="0">
+                <a:solidFill>
+                  <a:srgbClr val="35586C"/>
+                </a:solidFill>
+                <a:latin typeface="Ubuntu Mono"/>
+              </a:rPr>
+              <a:t>// step 2: copy</a:t>
+            </a:r>
+            <a:r>
+              <a:rPr lang="en-US" altLang="en-US" sz="2400" dirty="0">
+                <a:solidFill>
+                  <a:srgbClr val="000000"/>
+                </a:solidFill>
+                <a:latin typeface="Ubuntu Mono"/>
+              </a:rPr>
+              <a:t> </a:t>
+            </a:r>
+          </a:p>
+          <a:p>
+            <a:pPr eaLnBrk="0" fontAlgn="base" hangingPunct="0">
               <a:spcBef>
                 <a:spcPct val="0"/>
               </a:spcBef>
               <a:spcAft>
                 <a:spcPct val="0"/>
               </a:spcAft>
-              <a:buNone/>
             </a:pPr>
             <a:r>
-              <a:rPr lang="en-US" altLang="en-US" sz="2000" dirty="0">
+              <a:rPr lang="en-US" altLang="en-US" sz="2400" dirty="0">
                 <a:solidFill>
                   <a:srgbClr val="000000"/>
                 </a:solidFill>
                 <a:latin typeface="Ubuntu Mono"/>
               </a:rPr>
-              <a:t>            </a:t>
-            </a:r>
-            <a:r>
-              <a:rPr lang="en-US" altLang="en-US" sz="2000" dirty="0" err="1">
+              <a:t>             </a:t>
+            </a:r>
+            <a:r>
+              <a:rPr lang="en-US" altLang="en-US" sz="2400" b="1" dirty="0" err="1">
+                <a:solidFill>
+                  <a:srgbClr val="006699"/>
+                </a:solidFill>
+                <a:latin typeface="Ubuntu Mono"/>
+              </a:rPr>
+              <a:t>var</a:t>
+            </a:r>
+            <a:r>
+              <a:rPr lang="en-US" altLang="en-US" sz="2400" dirty="0">
+                <a:solidFill>
+                  <a:srgbClr val="000000"/>
+                </a:solidFill>
+                <a:latin typeface="Ubuntu Mono"/>
+              </a:rPr>
+              <a:t> </a:t>
+            </a:r>
+            <a:r>
+              <a:rPr lang="en-US" altLang="en-US" sz="2400" dirty="0" err="1">
                 <a:solidFill>
                   <a:srgbClr val="000088"/>
                 </a:solidFill>
                 <a:latin typeface="Ubuntu Mono"/>
               </a:rPr>
-              <a:t>invocCount</a:t>
-            </a:r>
-            <a:r>
-              <a:rPr lang="en-US" altLang="en-US" sz="2000" dirty="0">
+              <a:t>func</a:t>
+            </a:r>
+            <a:r>
+              <a:rPr lang="en-US" altLang="en-US" sz="2400" dirty="0">
+                <a:solidFill>
+                  <a:srgbClr val="000000"/>
+                </a:solidFill>
+                <a:latin typeface="Ubuntu Mono"/>
+              </a:rPr>
+              <a:t> </a:t>
+            </a:r>
+            <a:r>
+              <a:rPr lang="en-US" altLang="en-US" sz="2400" dirty="0">
                 <a:solidFill>
                   <a:srgbClr val="555555"/>
                 </a:solidFill>
                 <a:latin typeface="Ubuntu Mono"/>
               </a:rPr>
-              <a:t>++</a:t>
-            </a:r>
-            <a:r>
-              <a:rPr lang="en-US" altLang="en-US" sz="2000" dirty="0">
+              <a:t>=</a:t>
+            </a:r>
+            <a:r>
+              <a:rPr lang="en-US" altLang="en-US" sz="2400" dirty="0">
                 <a:solidFill>
                   <a:srgbClr val="000000"/>
                 </a:solidFill>
                 <a:latin typeface="Ubuntu Mono"/>
               </a:rPr>
-              <a:t>; </a:t>
-            </a:r>
-          </a:p>
-          <a:p>
-            <a:pPr marL="0" indent="0" eaLnBrk="0" fontAlgn="base" hangingPunct="0">
-              <a:lnSpc>
-                <a:spcPct val="100000"/>
-              </a:lnSpc>
+              <a:t> </a:t>
+            </a:r>
+            <a:r>
+              <a:rPr lang="en-US" altLang="en-US" sz="2400" b="1" dirty="0">
+                <a:solidFill>
+                  <a:srgbClr val="006699"/>
+                </a:solidFill>
+                <a:latin typeface="Ubuntu Mono"/>
+              </a:rPr>
+              <a:t>function</a:t>
+            </a:r>
+            <a:r>
+              <a:rPr lang="en-US" altLang="en-US" sz="2400" dirty="0">
+                <a:solidFill>
+                  <a:srgbClr val="000000"/>
+                </a:solidFill>
+                <a:latin typeface="Ubuntu Mono"/>
+              </a:rPr>
+              <a:t> () { </a:t>
+            </a:r>
+            <a:r>
+              <a:rPr lang="en-US" altLang="en-US" sz="2400" b="1" dirty="0">
+                <a:solidFill>
+                  <a:srgbClr val="006699"/>
+                </a:solidFill>
+                <a:latin typeface="Ubuntu Mono"/>
+              </a:rPr>
+              <a:t>return</a:t>
+            </a:r>
+            <a:r>
+              <a:rPr lang="en-US" altLang="en-US" sz="2400" dirty="0">
+                <a:solidFill>
+                  <a:srgbClr val="000000"/>
+                </a:solidFill>
+                <a:latin typeface="Ubuntu Mono"/>
+              </a:rPr>
+              <a:t> </a:t>
+            </a:r>
+            <a:r>
+              <a:rPr lang="en-US" altLang="en-US" sz="2400" dirty="0" err="1">
+                <a:solidFill>
+                  <a:srgbClr val="000088"/>
+                </a:solidFill>
+                <a:latin typeface="Ubuntu Mono"/>
+              </a:rPr>
+              <a:t>pos</a:t>
+            </a:r>
+            <a:r>
+              <a:rPr lang="en-US" altLang="en-US" sz="2400" dirty="0">
+                <a:solidFill>
+                  <a:srgbClr val="000000"/>
+                </a:solidFill>
+                <a:latin typeface="Ubuntu Mono"/>
+              </a:rPr>
+              <a:t>; };</a:t>
+            </a:r>
+          </a:p>
+          <a:p>
+            <a:pPr eaLnBrk="0" fontAlgn="base" hangingPunct="0">
               <a:spcBef>
                 <a:spcPct val="0"/>
               </a:spcBef>
               <a:spcAft>
                 <a:spcPct val="0"/>
               </a:spcAft>
-              <a:buNone/>
             </a:pPr>
             <a:r>
-              <a:rPr lang="en-US" altLang="en-US" sz="2000" dirty="0">
+              <a:rPr lang="en-US" altLang="en-US" sz="2400" dirty="0">
                 <a:solidFill>
                   <a:srgbClr val="000000"/>
                 </a:solidFill>
                 <a:latin typeface="Ubuntu Mono"/>
               </a:rPr>
-              <a:t>            </a:t>
-            </a:r>
-            <a:r>
-              <a:rPr lang="en-US" altLang="en-US" sz="2000" dirty="0">
+              <a:t>             </a:t>
+            </a:r>
+            <a:r>
+              <a:rPr lang="en-US" altLang="en-US" sz="2400" dirty="0" err="1">
                 <a:solidFill>
                   <a:srgbClr val="000088"/>
                 </a:solidFill>
                 <a:latin typeface="Ubuntu Mono"/>
               </a:rPr>
-              <a:t>console</a:t>
-            </a:r>
-            <a:r>
-              <a:rPr lang="en-US" altLang="en-US" sz="2000" dirty="0">
+              <a:t>result</a:t>
+            </a:r>
+            <a:r>
+              <a:rPr lang="en-US" altLang="en-US" sz="2400" dirty="0" err="1">
                 <a:solidFill>
                   <a:srgbClr val="000000"/>
                 </a:solidFill>
@@ -19084,16 +17614,16 @@
               <a:t>.</a:t>
             </a:r>
             <a:r>
-              <a:rPr lang="en-US" altLang="en-US" sz="2000" dirty="0">
+              <a:rPr lang="en-US" altLang="en-US" sz="2400" dirty="0" err="1">
                 <a:solidFill>
                   <a:srgbClr val="000088"/>
                 </a:solidFill>
                 <a:latin typeface="Ubuntu Mono"/>
               </a:rPr>
-              <a:t>log</a:t>
-            </a:r>
-            <a:r>
-              <a:rPr lang="en-US" altLang="en-US" sz="2000" dirty="0">
+              <a:t>push</a:t>
+            </a:r>
+            <a:r>
+              <a:rPr lang="en-US" altLang="en-US" sz="2400" dirty="0">
                 <a:solidFill>
                   <a:srgbClr val="000000"/>
                 </a:solidFill>
@@ -19102,134 +17632,72 @@
               <a:t>(</a:t>
             </a:r>
             <a:r>
-              <a:rPr lang="en-US" altLang="en-US" sz="2000" dirty="0">
-                <a:solidFill>
-                  <a:srgbClr val="CC3300"/>
-                </a:solidFill>
-                <a:latin typeface="Ubuntu Mono"/>
-              </a:rPr>
-              <a:t>'Invocation #'</a:t>
-            </a:r>
-            <a:r>
-              <a:rPr lang="en-US" altLang="en-US" sz="2000" dirty="0">
-                <a:solidFill>
-                  <a:srgbClr val="555555"/>
-                </a:solidFill>
-                <a:latin typeface="Ubuntu Mono"/>
-              </a:rPr>
-              <a:t>+</a:t>
-            </a:r>
-            <a:r>
-              <a:rPr lang="en-US" altLang="en-US" sz="2000" dirty="0" err="1">
+              <a:rPr lang="en-US" altLang="en-US" sz="2400" dirty="0" err="1">
                 <a:solidFill>
                   <a:srgbClr val="000088"/>
                 </a:solidFill>
                 <a:latin typeface="Ubuntu Mono"/>
               </a:rPr>
-              <a:t>invocCount</a:t>
-            </a:r>
-            <a:r>
-              <a:rPr lang="en-US" altLang="en-US" sz="2000" dirty="0">
+              <a:t>func</a:t>
+            </a:r>
+            <a:r>
+              <a:rPr lang="en-US" altLang="en-US" sz="2400" dirty="0">
                 <a:solidFill>
                   <a:srgbClr val="000000"/>
                 </a:solidFill>
                 <a:latin typeface="Ubuntu Mono"/>
               </a:rPr>
-              <a:t>); </a:t>
-            </a:r>
-          </a:p>
-          <a:p>
-            <a:pPr marL="0" indent="0" eaLnBrk="0" fontAlgn="base" hangingPunct="0">
-              <a:lnSpc>
-                <a:spcPct val="100000"/>
-              </a:lnSpc>
+              <a:t>);</a:t>
+            </a:r>
+          </a:p>
+          <a:p>
+            <a:pPr eaLnBrk="0" fontAlgn="base" hangingPunct="0">
               <a:spcBef>
                 <a:spcPct val="0"/>
               </a:spcBef>
               <a:spcAft>
                 <a:spcPct val="0"/>
               </a:spcAft>
-              <a:buNone/>
             </a:pPr>
             <a:r>
-              <a:rPr lang="en-US" altLang="en-US" sz="2000" dirty="0">
+              <a:rPr lang="en-US" altLang="en-US" sz="2400" dirty="0">
                 <a:solidFill>
                   <a:srgbClr val="000000"/>
                 </a:solidFill>
                 <a:latin typeface="Ubuntu Mono"/>
               </a:rPr>
-              <a:t>            </a:t>
-            </a:r>
-            <a:r>
-              <a:rPr lang="en-US" altLang="en-US" sz="2000" b="1" dirty="0">
-                <a:solidFill>
-                  <a:srgbClr val="006699"/>
-                </a:solidFill>
-                <a:latin typeface="Ubuntu Mono"/>
-              </a:rPr>
-              <a:t>return</a:t>
-            </a:r>
-            <a:r>
-              <a:rPr lang="en-US" altLang="en-US" sz="2000" dirty="0">
-                <a:solidFill>
-                  <a:srgbClr val="000000"/>
-                </a:solidFill>
-                <a:latin typeface="Ubuntu Mono"/>
-              </a:rPr>
-              <a:t> </a:t>
-            </a:r>
-            <a:r>
-              <a:rPr lang="en-US" altLang="en-US" sz="2000" dirty="0">
-                <a:solidFill>
-                  <a:srgbClr val="CC3300"/>
-                </a:solidFill>
-                <a:latin typeface="Ubuntu Mono"/>
-              </a:rPr>
-              <a:t>'result'</a:t>
-            </a:r>
-            <a:r>
-              <a:rPr lang="en-US" altLang="en-US" sz="2000" dirty="0">
-                <a:solidFill>
-                  <a:srgbClr val="000000"/>
-                </a:solidFill>
-                <a:latin typeface="Ubuntu Mono"/>
-              </a:rPr>
-              <a:t>; }; </a:t>
-            </a:r>
-          </a:p>
-          <a:p>
-            <a:pPr marL="0" indent="0" eaLnBrk="0" fontAlgn="base" hangingPunct="0">
-              <a:lnSpc>
-                <a:spcPct val="100000"/>
-              </a:lnSpc>
+              <a:t>         }()); } </a:t>
+            </a:r>
+          </a:p>
+          <a:p>
+            <a:pPr eaLnBrk="0" fontAlgn="base" hangingPunct="0">
               <a:spcBef>
                 <a:spcPct val="0"/>
               </a:spcBef>
               <a:spcAft>
                 <a:spcPct val="0"/>
               </a:spcAft>
-              <a:buNone/>
             </a:pPr>
             <a:r>
-              <a:rPr lang="en-US" altLang="en-US" sz="2000" dirty="0">
+              <a:rPr lang="en-US" altLang="en-US" sz="2400" dirty="0">
                 <a:solidFill>
                   <a:srgbClr val="000000"/>
                 </a:solidFill>
                 <a:latin typeface="Ubuntu Mono"/>
               </a:rPr>
-              <a:t>     }() </a:t>
-            </a:r>
-            <a:r>
-              <a:rPr lang="en-US" altLang="en-US" sz="2000" i="1" dirty="0">
-                <a:solidFill>
-                  <a:srgbClr val="35586C"/>
-                </a:solidFill>
-                <a:latin typeface="Ubuntu Mono"/>
-              </a:rPr>
-              <a:t>// close IIFE</a:t>
-            </a:r>
-            <a:r>
-              <a:rPr lang="en-US" altLang="en-US" sz="2000" dirty="0">
+              <a:t>     </a:t>
+            </a:r>
+            <a:r>
+              <a:rPr lang="en-US" altLang="en-US" sz="2400" b="1" dirty="0">
+                <a:solidFill>
+                  <a:srgbClr val="006699"/>
+                </a:solidFill>
+                <a:latin typeface="Ubuntu Mono"/>
+              </a:rPr>
+              <a:t>return</a:t>
+            </a:r>
+            <a:r>
+              <a:rPr lang="en-US" altLang="en-US" sz="2400" dirty="0">
                 <a:solidFill>
                   <a:srgbClr val="000000"/>
                 </a:solidFill>
@@ -19237,34 +17705,345 @@
               </a:rPr>
               <a:t> </a:t>
             </a:r>
-          </a:p>
-          <a:p>
-            <a:pPr marL="0" indent="0" eaLnBrk="0" fontAlgn="base" hangingPunct="0">
-              <a:lnSpc>
-                <a:spcPct val="100000"/>
-              </a:lnSpc>
+            <a:r>
+              <a:rPr lang="en-US" altLang="en-US" sz="2400" dirty="0">
+                <a:solidFill>
+                  <a:srgbClr val="000088"/>
+                </a:solidFill>
+                <a:latin typeface="Ubuntu Mono"/>
+              </a:rPr>
+              <a:t>result</a:t>
+            </a:r>
+            <a:r>
+              <a:rPr lang="en-US" altLang="en-US" sz="2400" dirty="0">
+                <a:solidFill>
+                  <a:srgbClr val="000000"/>
+                </a:solidFill>
+                <a:latin typeface="Ubuntu Mono"/>
+              </a:rPr>
+              <a:t>; </a:t>
+            </a:r>
+          </a:p>
+          <a:p>
+            <a:pPr eaLnBrk="0" fontAlgn="base" hangingPunct="0">
               <a:spcBef>
                 <a:spcPct val="0"/>
               </a:spcBef>
               <a:spcAft>
                 <a:spcPct val="0"/>
               </a:spcAft>
-              <a:buNone/>
             </a:pPr>
             <a:r>
-              <a:rPr lang="en-US" altLang="en-US" sz="2000" dirty="0">
+              <a:rPr lang="en-US" altLang="en-US" sz="2400" dirty="0">
                 <a:solidFill>
                   <a:srgbClr val="000000"/>
                 </a:solidFill>
                 <a:latin typeface="Ubuntu Mono"/>
               </a:rPr>
-              <a:t>};</a:t>
-            </a:r>
-            <a:r>
-              <a:rPr lang="en-US" altLang="en-US" sz="2000" dirty="0"/>
+              <a:t>}</a:t>
+            </a:r>
+          </a:p>
+          <a:p>
+            <a:pPr lvl="0" eaLnBrk="0" fontAlgn="base" hangingPunct="0">
+              <a:spcBef>
+                <a:spcPct val="0"/>
+              </a:spcBef>
+              <a:spcAft>
+                <a:spcPct val="0"/>
+              </a:spcAft>
+            </a:pPr>
+            <a:r>
+              <a:rPr lang="en-US" altLang="en-US" sz="2400" dirty="0">
+                <a:solidFill>
+                  <a:srgbClr val="000088"/>
+                </a:solidFill>
+                <a:latin typeface="Ubuntu Mono"/>
+              </a:rPr>
+              <a:t>console</a:t>
+            </a:r>
+            <a:r>
+              <a:rPr lang="en-US" altLang="en-US" sz="2400" dirty="0">
+                <a:solidFill>
+                  <a:srgbClr val="000000"/>
+                </a:solidFill>
+                <a:latin typeface="Ubuntu Mono"/>
+              </a:rPr>
+              <a:t>.</a:t>
+            </a:r>
+            <a:r>
+              <a:rPr lang="en-US" altLang="en-US" sz="2400" dirty="0">
+                <a:solidFill>
+                  <a:srgbClr val="000088"/>
+                </a:solidFill>
+                <a:latin typeface="Ubuntu Mono"/>
+              </a:rPr>
+              <a:t>log</a:t>
+            </a:r>
+            <a:r>
+              <a:rPr lang="en-US" altLang="en-US" sz="2400" dirty="0">
+                <a:solidFill>
+                  <a:srgbClr val="000000"/>
+                </a:solidFill>
+                <a:latin typeface="Ubuntu Mono"/>
+              </a:rPr>
+              <a:t>(</a:t>
+            </a:r>
+            <a:r>
+              <a:rPr lang="en-US" altLang="en-US" sz="2400" dirty="0">
+                <a:solidFill>
+                  <a:srgbClr val="000088"/>
+                </a:solidFill>
+                <a:latin typeface="Ubuntu Mono"/>
+              </a:rPr>
+              <a:t>f</a:t>
+            </a:r>
+            <a:r>
+              <a:rPr lang="en-US" altLang="en-US" sz="2400" dirty="0">
+                <a:solidFill>
+                  <a:srgbClr val="000000"/>
+                </a:solidFill>
+                <a:latin typeface="Ubuntu Mono"/>
+              </a:rPr>
+              <a:t>()[</a:t>
+            </a:r>
+            <a:r>
+              <a:rPr lang="en-US" altLang="en-US" sz="2400" dirty="0">
+                <a:solidFill>
+                  <a:srgbClr val="FF6600"/>
+                </a:solidFill>
+                <a:latin typeface="Ubuntu Mono"/>
+              </a:rPr>
+              <a:t>0</a:t>
+            </a:r>
+            <a:r>
+              <a:rPr lang="en-US" altLang="en-US" sz="2400" dirty="0">
+                <a:solidFill>
+                  <a:srgbClr val="000000"/>
+                </a:solidFill>
+                <a:latin typeface="Ubuntu Mono"/>
+              </a:rPr>
+              <a:t>]()); </a:t>
+            </a:r>
+            <a:r>
+              <a:rPr lang="en-US" altLang="en-US" sz="2400" i="1" dirty="0">
+                <a:solidFill>
+                  <a:srgbClr val="35586C"/>
+                </a:solidFill>
+                <a:latin typeface="Ubuntu Mono"/>
+              </a:rPr>
+              <a:t>// 0</a:t>
+            </a:r>
+            <a:r>
+              <a:rPr lang="en-US" altLang="en-US" sz="2400" dirty="0"/>
               <a:t> </a:t>
             </a:r>
-            <a:endParaRPr lang="en-US" altLang="en-US" sz="2000" dirty="0">
+          </a:p>
+          <a:p>
+            <a:pPr eaLnBrk="0" fontAlgn="base" hangingPunct="0">
+              <a:spcBef>
+                <a:spcPct val="0"/>
+              </a:spcBef>
+              <a:spcAft>
+                <a:spcPct val="0"/>
+              </a:spcAft>
+            </a:pPr>
+            <a:r>
+              <a:rPr lang="en-US" altLang="en-US" sz="2400" dirty="0">
+                <a:solidFill>
+                  <a:srgbClr val="000088"/>
+                </a:solidFill>
+                <a:latin typeface="Ubuntu Mono"/>
+              </a:rPr>
+              <a:t>console</a:t>
+            </a:r>
+            <a:r>
+              <a:rPr lang="en-US" altLang="en-US" sz="2400" dirty="0">
+                <a:solidFill>
+                  <a:srgbClr val="000000"/>
+                </a:solidFill>
+                <a:latin typeface="Ubuntu Mono"/>
+              </a:rPr>
+              <a:t>.</a:t>
+            </a:r>
+            <a:r>
+              <a:rPr lang="en-US" altLang="en-US" sz="2400" dirty="0">
+                <a:solidFill>
+                  <a:srgbClr val="000088"/>
+                </a:solidFill>
+                <a:latin typeface="Ubuntu Mono"/>
+              </a:rPr>
+              <a:t>log</a:t>
+            </a:r>
+            <a:r>
+              <a:rPr lang="en-US" altLang="en-US" sz="2400" dirty="0">
+                <a:solidFill>
+                  <a:srgbClr val="000000"/>
+                </a:solidFill>
+                <a:latin typeface="Ubuntu Mono"/>
+              </a:rPr>
+              <a:t>(</a:t>
+            </a:r>
+            <a:r>
+              <a:rPr lang="en-US" altLang="en-US" sz="2400" dirty="0">
+                <a:solidFill>
+                  <a:srgbClr val="000088"/>
+                </a:solidFill>
+                <a:latin typeface="Ubuntu Mono"/>
+              </a:rPr>
+              <a:t>f</a:t>
+            </a:r>
+            <a:r>
+              <a:rPr lang="en-US" altLang="en-US" sz="2400" dirty="0">
+                <a:solidFill>
+                  <a:srgbClr val="000000"/>
+                </a:solidFill>
+                <a:latin typeface="Ubuntu Mono"/>
+              </a:rPr>
+              <a:t>()[</a:t>
+            </a:r>
+            <a:r>
+              <a:rPr lang="en-US" altLang="en-US" sz="2400" dirty="0">
+                <a:solidFill>
+                  <a:srgbClr val="FF6600"/>
+                </a:solidFill>
+                <a:latin typeface="Ubuntu Mono"/>
+              </a:rPr>
+              <a:t>1</a:t>
+            </a:r>
+            <a:r>
+              <a:rPr lang="en-US" altLang="en-US" sz="2400" dirty="0">
+                <a:solidFill>
+                  <a:srgbClr val="000000"/>
+                </a:solidFill>
+                <a:latin typeface="Ubuntu Mono"/>
+              </a:rPr>
+              <a:t>]()); </a:t>
+            </a:r>
+            <a:r>
+              <a:rPr lang="en-US" altLang="en-US" sz="2400" i="1" dirty="0">
+                <a:solidFill>
+                  <a:srgbClr val="35586C"/>
+                </a:solidFill>
+                <a:latin typeface="Ubuntu Mono"/>
+              </a:rPr>
+              <a:t>// 1</a:t>
+            </a:r>
+            <a:r>
+              <a:rPr lang="en-US" altLang="en-US" sz="2400" dirty="0"/>
+              <a:t> </a:t>
+            </a:r>
+            <a:endParaRPr lang="en-US" altLang="en-US" sz="2400" dirty="0">
+              <a:latin typeface="Arial" panose="020B0604020202020204" pitchFamily="34" charset="0"/>
+            </a:endParaRPr>
+          </a:p>
+          <a:p>
+            <a:pPr eaLnBrk="0" fontAlgn="base" hangingPunct="0">
+              <a:spcBef>
+                <a:spcPct val="0"/>
+              </a:spcBef>
+              <a:spcAft>
+                <a:spcPct val="0"/>
+              </a:spcAft>
+            </a:pPr>
+            <a:r>
+              <a:rPr lang="en-US" altLang="en-US" sz="2400" dirty="0">
+                <a:solidFill>
+                  <a:srgbClr val="000088"/>
+                </a:solidFill>
+                <a:latin typeface="Ubuntu Mono"/>
+              </a:rPr>
+              <a:t>console</a:t>
+            </a:r>
+            <a:r>
+              <a:rPr lang="en-US" altLang="en-US" sz="2400" dirty="0">
+                <a:solidFill>
+                  <a:srgbClr val="000000"/>
+                </a:solidFill>
+                <a:latin typeface="Ubuntu Mono"/>
+              </a:rPr>
+              <a:t>.</a:t>
+            </a:r>
+            <a:r>
+              <a:rPr lang="en-US" altLang="en-US" sz="2400" dirty="0">
+                <a:solidFill>
+                  <a:srgbClr val="000088"/>
+                </a:solidFill>
+                <a:latin typeface="Ubuntu Mono"/>
+              </a:rPr>
+              <a:t>log</a:t>
+            </a:r>
+            <a:r>
+              <a:rPr lang="en-US" altLang="en-US" sz="2400" dirty="0">
+                <a:solidFill>
+                  <a:srgbClr val="000000"/>
+                </a:solidFill>
+                <a:latin typeface="Ubuntu Mono"/>
+              </a:rPr>
+              <a:t>(</a:t>
+            </a:r>
+            <a:r>
+              <a:rPr lang="en-US" altLang="en-US" sz="2400" dirty="0">
+                <a:solidFill>
+                  <a:srgbClr val="000088"/>
+                </a:solidFill>
+                <a:latin typeface="Ubuntu Mono"/>
+              </a:rPr>
+              <a:t>f</a:t>
+            </a:r>
+            <a:r>
+              <a:rPr lang="en-US" altLang="en-US" sz="2400" dirty="0">
+                <a:solidFill>
+                  <a:srgbClr val="000000"/>
+                </a:solidFill>
+                <a:latin typeface="Ubuntu Mono"/>
+              </a:rPr>
+              <a:t>()[</a:t>
+            </a:r>
+            <a:r>
+              <a:rPr lang="en-US" altLang="en-US" sz="2400" dirty="0">
+                <a:solidFill>
+                  <a:srgbClr val="FF6600"/>
+                </a:solidFill>
+                <a:latin typeface="Ubuntu Mono"/>
+              </a:rPr>
+              <a:t>2</a:t>
+            </a:r>
+            <a:r>
+              <a:rPr lang="en-US" altLang="en-US" sz="2400" dirty="0">
+                <a:solidFill>
+                  <a:srgbClr val="000000"/>
+                </a:solidFill>
+                <a:latin typeface="Ubuntu Mono"/>
+              </a:rPr>
+              <a:t>]()); </a:t>
+            </a:r>
+            <a:r>
+              <a:rPr lang="en-US" altLang="en-US" sz="2400" i="1" dirty="0">
+                <a:solidFill>
+                  <a:srgbClr val="35586C"/>
+                </a:solidFill>
+                <a:latin typeface="Ubuntu Mono"/>
+              </a:rPr>
+              <a:t>// 2</a:t>
+            </a:r>
+            <a:r>
+              <a:rPr lang="en-US" altLang="en-US" sz="2400" dirty="0"/>
+              <a:t> </a:t>
+            </a:r>
+            <a:endParaRPr lang="en-US" altLang="en-US" sz="2400" dirty="0">
+              <a:latin typeface="Arial" panose="020B0604020202020204" pitchFamily="34" charset="0"/>
+            </a:endParaRPr>
+          </a:p>
+          <a:p>
+            <a:pPr eaLnBrk="0" fontAlgn="base" hangingPunct="0">
+              <a:spcBef>
+                <a:spcPct val="0"/>
+              </a:spcBef>
+              <a:spcAft>
+                <a:spcPct val="0"/>
+              </a:spcAft>
+            </a:pPr>
+            <a:endParaRPr lang="en-US" altLang="en-US" sz="2400" dirty="0">
               <a:latin typeface="Arial" panose="020B0604020202020204" pitchFamily="34" charset="0"/>
             </a:endParaRPr>
           </a:p>
@@ -19273,7 +18052,7 @@
     </p:spTree>
     <p:extLst>
       <p:ext uri="{BB962C8B-B14F-4D97-AF65-F5344CB8AC3E}">
-        <p14:creationId xmlns:p14="http://schemas.microsoft.com/office/powerpoint/2010/main" val="1649025231"/>
+        <p14:creationId xmlns:p14="http://schemas.microsoft.com/office/powerpoint/2010/main" val="213778407"/>
       </p:ext>
     </p:extLst>
   </p:cSld>
@@ -19317,6 +18096,1601 @@
             <p:ph type="title"/>
           </p:nvPr>
         </p:nvSpPr>
+        <p:spPr>
+          <a:xfrm>
+            <a:off x="1847528" y="274638"/>
+            <a:ext cx="8712968" cy="1143000"/>
+          </a:xfrm>
+        </p:spPr>
+        <p:txBody>
+          <a:bodyPr>
+            <a:noAutofit/>
+          </a:bodyPr>
+          <a:lstStyle/>
+          <a:p>
+            <a:r>
+              <a:rPr lang="en-US" sz="3200" dirty="0"/>
+              <a:t>3. Keeping data private to all of a constructor</a:t>
+            </a:r>
+            <a:br>
+              <a:rPr lang="en-US" sz="3200" dirty="0"/>
+            </a:br>
+            <a:endParaRPr lang="en-US" sz="3200" dirty="0"/>
+          </a:p>
+        </p:txBody>
+      </p:sp>
+      <p:sp>
+        <p:nvSpPr>
+          <p:cNvPr id="4" name="Rectangle 1"/>
+          <p:cNvSpPr>
+            <a:spLocks noGrp="1" noChangeArrowheads="1"/>
+          </p:cNvSpPr>
+          <p:nvPr>
+            <p:ph idx="1"/>
+          </p:nvPr>
+        </p:nvSpPr>
+        <p:spPr bwMode="auto">
+          <a:xfrm>
+            <a:off x="1847529" y="1400896"/>
+            <a:ext cx="9132565" cy="4001095"/>
+          </a:xfrm>
+          <a:prstGeom prst="rect">
+            <a:avLst/>
+          </a:prstGeom>
+          <a:noFill/>
+          <a:ln>
+            <a:noFill/>
+          </a:ln>
+          <a:effectLst/>
+          <a:extLst>
+            <a:ext uri="{909E8E84-426E-40DD-AFC4-6F175D3DCCD1}">
+              <a14:hiddenFill xmlns:a14="http://schemas.microsoft.com/office/drawing/2010/main">
+                <a:solidFill>
+                  <a:schemeClr val="accent1"/>
+                </a:solidFill>
+              </a14:hiddenFill>
+            </a:ext>
+            <a:ext uri="{91240B29-F687-4F45-9708-019B960494DF}">
+              <a14:hiddenLine xmlns:a14="http://schemas.microsoft.com/office/drawing/2010/main" w="9525">
+                <a:solidFill>
+                  <a:schemeClr val="tx1"/>
+                </a:solidFill>
+                <a:miter lim="800000"/>
+                <a:headEnd/>
+                <a:tailEnd/>
+              </a14:hiddenLine>
+            </a:ext>
+            <a:ext uri="{AF507438-7753-43E0-B8FC-AC1667EBCBE1}">
+              <a14:hiddenEffects xmlns:a14="http://schemas.microsoft.com/office/drawing/2010/main">
+                <a:effectLst>
+                  <a:outerShdw dist="35921" dir="2700000" algn="ctr" rotWithShape="0">
+                    <a:schemeClr val="bg2"/>
+                  </a:outerShdw>
+                </a:effectLst>
+              </a14:hiddenEffects>
+            </a:ext>
+          </a:extLst>
+        </p:spPr>
+        <p:txBody>
+          <a:bodyPr vert="horz" wrap="none" lIns="0" tIns="0" rIns="0" bIns="0" numCol="1" rtlCol="0" anchor="ctr" anchorCtr="0" compatLnSpc="1">
+            <a:prstTxWarp prst="textNoShape">
+              <a:avLst/>
+            </a:prstTxWarp>
+            <a:spAutoFit/>
+          </a:bodyPr>
+          <a:lstStyle/>
+          <a:p>
+            <a:pPr marL="0" indent="0" eaLnBrk="0" fontAlgn="base" hangingPunct="0">
+              <a:lnSpc>
+                <a:spcPct val="100000"/>
+              </a:lnSpc>
+              <a:spcBef>
+                <a:spcPct val="0"/>
+              </a:spcBef>
+              <a:spcAft>
+                <a:spcPct val="0"/>
+              </a:spcAft>
+              <a:buNone/>
+            </a:pPr>
+            <a:r>
+              <a:rPr lang="en-US" altLang="en-US" sz="2000" b="1" dirty="0" err="1">
+                <a:solidFill>
+                  <a:srgbClr val="006699"/>
+                </a:solidFill>
+                <a:latin typeface="Ubuntu Mono"/>
+              </a:rPr>
+              <a:t>var</a:t>
+            </a:r>
+            <a:r>
+              <a:rPr lang="en-US" altLang="en-US" sz="2000" dirty="0">
+                <a:solidFill>
+                  <a:srgbClr val="000000"/>
+                </a:solidFill>
+                <a:latin typeface="Ubuntu Mono"/>
+              </a:rPr>
+              <a:t> </a:t>
+            </a:r>
+            <a:r>
+              <a:rPr lang="en-US" altLang="en-US" sz="2000" dirty="0" err="1">
+                <a:solidFill>
+                  <a:srgbClr val="000088"/>
+                </a:solidFill>
+                <a:latin typeface="Ubuntu Mono"/>
+              </a:rPr>
+              <a:t>StringBuilder</a:t>
+            </a:r>
+            <a:r>
+              <a:rPr lang="en-US" altLang="en-US" sz="2000" dirty="0">
+                <a:solidFill>
+                  <a:srgbClr val="000000"/>
+                </a:solidFill>
+                <a:latin typeface="Ubuntu Mono"/>
+              </a:rPr>
+              <a:t> </a:t>
+            </a:r>
+            <a:r>
+              <a:rPr lang="en-US" altLang="en-US" sz="2000" dirty="0">
+                <a:solidFill>
+                  <a:srgbClr val="555555"/>
+                </a:solidFill>
+                <a:latin typeface="Ubuntu Mono"/>
+              </a:rPr>
+              <a:t>=</a:t>
+            </a:r>
+            <a:r>
+              <a:rPr lang="en-US" altLang="en-US" sz="2000" dirty="0">
+                <a:solidFill>
+                  <a:srgbClr val="000000"/>
+                </a:solidFill>
+                <a:latin typeface="Ubuntu Mono"/>
+              </a:rPr>
+              <a:t> </a:t>
+            </a:r>
+            <a:r>
+              <a:rPr lang="en-US" altLang="en-US" sz="2000" b="1" dirty="0">
+                <a:solidFill>
+                  <a:srgbClr val="006699"/>
+                </a:solidFill>
+                <a:latin typeface="Ubuntu Mono"/>
+              </a:rPr>
+              <a:t>function</a:t>
+            </a:r>
+            <a:r>
+              <a:rPr lang="en-US" altLang="en-US" sz="2000" dirty="0">
+                <a:solidFill>
+                  <a:srgbClr val="000000"/>
+                </a:solidFill>
+                <a:latin typeface="Ubuntu Mono"/>
+              </a:rPr>
+              <a:t> () { </a:t>
+            </a:r>
+            <a:r>
+              <a:rPr lang="en-US" altLang="en-US" sz="2000" i="1" dirty="0">
+                <a:solidFill>
+                  <a:srgbClr val="35586C"/>
+                </a:solidFill>
+                <a:latin typeface="Ubuntu Mono"/>
+              </a:rPr>
+              <a:t>// open IIFE</a:t>
+            </a:r>
+            <a:r>
+              <a:rPr lang="en-US" altLang="en-US" sz="2000" dirty="0">
+                <a:solidFill>
+                  <a:srgbClr val="000000"/>
+                </a:solidFill>
+                <a:latin typeface="Ubuntu Mono"/>
+              </a:rPr>
+              <a:t> </a:t>
+            </a:r>
+          </a:p>
+          <a:p>
+            <a:pPr marL="0" indent="0" eaLnBrk="0" fontAlgn="base" hangingPunct="0">
+              <a:lnSpc>
+                <a:spcPct val="100000"/>
+              </a:lnSpc>
+              <a:spcBef>
+                <a:spcPct val="0"/>
+              </a:spcBef>
+              <a:spcAft>
+                <a:spcPct val="0"/>
+              </a:spcAft>
+              <a:buNone/>
+            </a:pPr>
+            <a:r>
+              <a:rPr lang="en-US" altLang="en-US" sz="2000" dirty="0">
+                <a:solidFill>
+                  <a:srgbClr val="000000"/>
+                </a:solidFill>
+                <a:latin typeface="Ubuntu Mono"/>
+              </a:rPr>
+              <a:t>    </a:t>
+            </a:r>
+            <a:r>
+              <a:rPr lang="en-US" altLang="en-US" sz="2000" b="1" dirty="0" err="1">
+                <a:solidFill>
+                  <a:srgbClr val="006699"/>
+                </a:solidFill>
+                <a:latin typeface="Ubuntu Mono"/>
+              </a:rPr>
+              <a:t>var</a:t>
+            </a:r>
+            <a:r>
+              <a:rPr lang="en-US" altLang="en-US" sz="2000" dirty="0">
+                <a:solidFill>
+                  <a:srgbClr val="000000"/>
+                </a:solidFill>
+                <a:latin typeface="Ubuntu Mono"/>
+              </a:rPr>
+              <a:t> </a:t>
+            </a:r>
+            <a:r>
+              <a:rPr lang="en-US" altLang="en-US" sz="2000" dirty="0">
+                <a:solidFill>
+                  <a:srgbClr val="000088"/>
+                </a:solidFill>
+                <a:latin typeface="Ubuntu Mono"/>
+              </a:rPr>
+              <a:t>KEY_BUFFER</a:t>
+            </a:r>
+            <a:r>
+              <a:rPr lang="en-US" altLang="en-US" sz="2000" dirty="0">
+                <a:solidFill>
+                  <a:srgbClr val="000000"/>
+                </a:solidFill>
+                <a:latin typeface="Ubuntu Mono"/>
+              </a:rPr>
+              <a:t> </a:t>
+            </a:r>
+            <a:r>
+              <a:rPr lang="en-US" altLang="en-US" sz="2000" dirty="0">
+                <a:solidFill>
+                  <a:srgbClr val="555555"/>
+                </a:solidFill>
+                <a:latin typeface="Ubuntu Mono"/>
+              </a:rPr>
+              <a:t>=</a:t>
+            </a:r>
+            <a:r>
+              <a:rPr lang="en-US" altLang="en-US" sz="2000" dirty="0">
+                <a:solidFill>
+                  <a:srgbClr val="000000"/>
+                </a:solidFill>
+                <a:latin typeface="Ubuntu Mono"/>
+              </a:rPr>
+              <a:t> </a:t>
+            </a:r>
+            <a:r>
+              <a:rPr lang="en-US" altLang="en-US" sz="2000" dirty="0">
+                <a:solidFill>
+                  <a:srgbClr val="CC3300"/>
+                </a:solidFill>
+                <a:latin typeface="Ubuntu Mono"/>
+              </a:rPr>
+              <a:t>'_</a:t>
+            </a:r>
+            <a:r>
+              <a:rPr lang="en-US" altLang="en-US" sz="2000" dirty="0" err="1">
+                <a:solidFill>
+                  <a:srgbClr val="CC3300"/>
+                </a:solidFill>
+                <a:latin typeface="Ubuntu Mono"/>
+              </a:rPr>
+              <a:t>StringBuilder_buffer</a:t>
+            </a:r>
+            <a:r>
+              <a:rPr lang="en-US" altLang="en-US" sz="2000" dirty="0">
+                <a:solidFill>
+                  <a:srgbClr val="CC3300"/>
+                </a:solidFill>
+                <a:latin typeface="Ubuntu Mono"/>
+              </a:rPr>
+              <a:t>_'</a:t>
+            </a:r>
+            <a:r>
+              <a:rPr lang="en-US" altLang="en-US" sz="2000" dirty="0">
+                <a:solidFill>
+                  <a:srgbClr val="000000"/>
+                </a:solidFill>
+                <a:latin typeface="Ubuntu Mono"/>
+              </a:rPr>
+              <a:t> </a:t>
+            </a:r>
+            <a:r>
+              <a:rPr lang="en-US" altLang="en-US" sz="2000" dirty="0">
+                <a:solidFill>
+                  <a:srgbClr val="555555"/>
+                </a:solidFill>
+                <a:latin typeface="Ubuntu Mono"/>
+              </a:rPr>
+              <a:t>+</a:t>
+            </a:r>
+            <a:r>
+              <a:rPr lang="en-US" altLang="en-US" sz="2000" dirty="0">
+                <a:solidFill>
+                  <a:srgbClr val="000000"/>
+                </a:solidFill>
+                <a:latin typeface="Ubuntu Mono"/>
+              </a:rPr>
+              <a:t> </a:t>
+            </a:r>
+            <a:r>
+              <a:rPr lang="en-US" altLang="en-US" sz="2000" dirty="0">
+                <a:solidFill>
+                  <a:srgbClr val="000088"/>
+                </a:solidFill>
+                <a:latin typeface="Ubuntu Mono"/>
+              </a:rPr>
+              <a:t>uuid</a:t>
+            </a:r>
+            <a:r>
+              <a:rPr lang="en-US" altLang="en-US" sz="2000" dirty="0">
+                <a:solidFill>
+                  <a:srgbClr val="000000"/>
+                </a:solidFill>
+                <a:latin typeface="Ubuntu Mono"/>
+              </a:rPr>
+              <a:t>.</a:t>
+            </a:r>
+            <a:r>
+              <a:rPr lang="en-US" altLang="en-US" sz="2000" dirty="0">
+                <a:solidFill>
+                  <a:srgbClr val="000088"/>
+                </a:solidFill>
+                <a:latin typeface="Ubuntu Mono"/>
+              </a:rPr>
+              <a:t>v4</a:t>
+            </a:r>
+            <a:r>
+              <a:rPr lang="en-US" altLang="en-US" sz="2000" dirty="0">
+                <a:solidFill>
+                  <a:srgbClr val="000000"/>
+                </a:solidFill>
+                <a:latin typeface="Ubuntu Mono"/>
+              </a:rPr>
+              <a:t>(); </a:t>
+            </a:r>
+          </a:p>
+          <a:p>
+            <a:pPr marL="0" indent="0" eaLnBrk="0" fontAlgn="base" hangingPunct="0">
+              <a:lnSpc>
+                <a:spcPct val="100000"/>
+              </a:lnSpc>
+              <a:spcBef>
+                <a:spcPct val="0"/>
+              </a:spcBef>
+              <a:spcAft>
+                <a:spcPct val="0"/>
+              </a:spcAft>
+              <a:buNone/>
+            </a:pPr>
+            <a:endParaRPr lang="en-US" altLang="en-US" sz="2000" dirty="0">
+              <a:solidFill>
+                <a:srgbClr val="000000"/>
+              </a:solidFill>
+              <a:latin typeface="Ubuntu Mono"/>
+            </a:endParaRPr>
+          </a:p>
+          <a:p>
+            <a:pPr marL="0" indent="0" eaLnBrk="0" fontAlgn="base" hangingPunct="0">
+              <a:lnSpc>
+                <a:spcPct val="100000"/>
+              </a:lnSpc>
+              <a:spcBef>
+                <a:spcPct val="0"/>
+              </a:spcBef>
+              <a:spcAft>
+                <a:spcPct val="0"/>
+              </a:spcAft>
+              <a:buNone/>
+            </a:pPr>
+            <a:r>
+              <a:rPr lang="en-US" altLang="en-US" sz="2000" dirty="0">
+                <a:solidFill>
+                  <a:srgbClr val="000000"/>
+                </a:solidFill>
+                <a:latin typeface="Ubuntu Mono"/>
+              </a:rPr>
+              <a:t>    </a:t>
+            </a:r>
+            <a:r>
+              <a:rPr lang="en-US" altLang="en-US" sz="2000" b="1" dirty="0">
+                <a:solidFill>
+                  <a:srgbClr val="006699"/>
+                </a:solidFill>
+                <a:latin typeface="Ubuntu Mono"/>
+              </a:rPr>
+              <a:t>function</a:t>
+            </a:r>
+            <a:r>
+              <a:rPr lang="en-US" altLang="en-US" sz="2000" dirty="0">
+                <a:solidFill>
+                  <a:srgbClr val="000000"/>
+                </a:solidFill>
+                <a:latin typeface="Ubuntu Mono"/>
+              </a:rPr>
+              <a:t> </a:t>
+            </a:r>
+            <a:r>
+              <a:rPr lang="en-US" altLang="en-US" sz="2000" dirty="0" err="1">
+                <a:solidFill>
+                  <a:srgbClr val="000088"/>
+                </a:solidFill>
+                <a:latin typeface="Ubuntu Mono"/>
+              </a:rPr>
+              <a:t>StringBuilder</a:t>
+            </a:r>
+            <a:r>
+              <a:rPr lang="en-US" altLang="en-US" sz="2000" dirty="0">
+                <a:solidFill>
+                  <a:srgbClr val="000000"/>
+                </a:solidFill>
+                <a:latin typeface="Ubuntu Mono"/>
+              </a:rPr>
+              <a:t>() { </a:t>
+            </a:r>
+          </a:p>
+          <a:p>
+            <a:pPr marL="0" indent="0" eaLnBrk="0" fontAlgn="base" hangingPunct="0">
+              <a:lnSpc>
+                <a:spcPct val="100000"/>
+              </a:lnSpc>
+              <a:spcBef>
+                <a:spcPct val="0"/>
+              </a:spcBef>
+              <a:spcAft>
+                <a:spcPct val="0"/>
+              </a:spcAft>
+              <a:buNone/>
+            </a:pPr>
+            <a:r>
+              <a:rPr lang="en-US" altLang="en-US" sz="2000" dirty="0">
+                <a:solidFill>
+                  <a:srgbClr val="000000"/>
+                </a:solidFill>
+                <a:latin typeface="Ubuntu Mono"/>
+              </a:rPr>
+              <a:t>        </a:t>
+            </a:r>
+            <a:r>
+              <a:rPr lang="en-US" altLang="en-US" sz="2000" b="1" dirty="0">
+                <a:solidFill>
+                  <a:srgbClr val="006699"/>
+                </a:solidFill>
+                <a:latin typeface="Ubuntu Mono"/>
+              </a:rPr>
+              <a:t>this</a:t>
+            </a:r>
+            <a:r>
+              <a:rPr lang="en-US" altLang="en-US" sz="2000" dirty="0">
+                <a:solidFill>
+                  <a:srgbClr val="000000"/>
+                </a:solidFill>
+                <a:latin typeface="Ubuntu Mono"/>
+              </a:rPr>
+              <a:t>[</a:t>
+            </a:r>
+            <a:r>
+              <a:rPr lang="en-US" altLang="en-US" sz="2000" dirty="0">
+                <a:solidFill>
+                  <a:srgbClr val="000088"/>
+                </a:solidFill>
+                <a:latin typeface="Ubuntu Mono"/>
+              </a:rPr>
+              <a:t>KEY_BUFFER</a:t>
+            </a:r>
+            <a:r>
+              <a:rPr lang="en-US" altLang="en-US" sz="2000" dirty="0">
+                <a:solidFill>
+                  <a:srgbClr val="000000"/>
+                </a:solidFill>
+                <a:latin typeface="Ubuntu Mono"/>
+              </a:rPr>
+              <a:t>] </a:t>
+            </a:r>
+            <a:r>
+              <a:rPr lang="en-US" altLang="en-US" sz="2000" dirty="0">
+                <a:solidFill>
+                  <a:srgbClr val="555555"/>
+                </a:solidFill>
+                <a:latin typeface="Ubuntu Mono"/>
+              </a:rPr>
+              <a:t>=</a:t>
+            </a:r>
+            <a:r>
+              <a:rPr lang="en-US" altLang="en-US" sz="2000" dirty="0">
+                <a:solidFill>
+                  <a:srgbClr val="000000"/>
+                </a:solidFill>
+                <a:latin typeface="Ubuntu Mono"/>
+              </a:rPr>
+              <a:t> []; </a:t>
+            </a:r>
+          </a:p>
+          <a:p>
+            <a:pPr marL="0" indent="0" eaLnBrk="0" fontAlgn="base" hangingPunct="0">
+              <a:lnSpc>
+                <a:spcPct val="100000"/>
+              </a:lnSpc>
+              <a:spcBef>
+                <a:spcPct val="0"/>
+              </a:spcBef>
+              <a:spcAft>
+                <a:spcPct val="0"/>
+              </a:spcAft>
+              <a:buNone/>
+            </a:pPr>
+            <a:r>
+              <a:rPr lang="en-US" altLang="en-US" sz="2000" dirty="0">
+                <a:solidFill>
+                  <a:srgbClr val="000000"/>
+                </a:solidFill>
+                <a:latin typeface="Ubuntu Mono"/>
+              </a:rPr>
+              <a:t>    } </a:t>
+            </a:r>
+          </a:p>
+          <a:p>
+            <a:pPr marL="0" indent="0" eaLnBrk="0" fontAlgn="base" hangingPunct="0">
+              <a:lnSpc>
+                <a:spcPct val="100000"/>
+              </a:lnSpc>
+              <a:spcBef>
+                <a:spcPct val="0"/>
+              </a:spcBef>
+              <a:spcAft>
+                <a:spcPct val="0"/>
+              </a:spcAft>
+              <a:buNone/>
+            </a:pPr>
+            <a:endParaRPr lang="en-US" altLang="en-US" sz="2000" dirty="0">
+              <a:solidFill>
+                <a:srgbClr val="000000"/>
+              </a:solidFill>
+              <a:latin typeface="Ubuntu Mono"/>
+            </a:endParaRPr>
+          </a:p>
+          <a:p>
+            <a:pPr marL="0" indent="0" eaLnBrk="0" fontAlgn="base" hangingPunct="0">
+              <a:lnSpc>
+                <a:spcPct val="100000"/>
+              </a:lnSpc>
+              <a:spcBef>
+                <a:spcPct val="0"/>
+              </a:spcBef>
+              <a:spcAft>
+                <a:spcPct val="0"/>
+              </a:spcAft>
+              <a:buNone/>
+            </a:pPr>
+            <a:r>
+              <a:rPr lang="en-US" altLang="en-US" sz="2000" dirty="0">
+                <a:solidFill>
+                  <a:srgbClr val="000000"/>
+                </a:solidFill>
+                <a:latin typeface="Ubuntu Mono"/>
+              </a:rPr>
+              <a:t>    </a:t>
+            </a:r>
+            <a:r>
+              <a:rPr lang="en-US" altLang="en-US" sz="2000" dirty="0" err="1">
+                <a:solidFill>
+                  <a:srgbClr val="000088"/>
+                </a:solidFill>
+                <a:latin typeface="Ubuntu Mono"/>
+              </a:rPr>
+              <a:t>StringBuilder</a:t>
+            </a:r>
+            <a:r>
+              <a:rPr lang="en-US" altLang="en-US" sz="2000" dirty="0" err="1">
+                <a:solidFill>
+                  <a:srgbClr val="000000"/>
+                </a:solidFill>
+                <a:latin typeface="Ubuntu Mono"/>
+              </a:rPr>
+              <a:t>.</a:t>
+            </a:r>
+            <a:r>
+              <a:rPr lang="en-US" altLang="en-US" sz="2000" dirty="0" err="1">
+                <a:solidFill>
+                  <a:srgbClr val="000088"/>
+                </a:solidFill>
+                <a:latin typeface="Ubuntu Mono"/>
+              </a:rPr>
+              <a:t>prototype</a:t>
+            </a:r>
+            <a:r>
+              <a:rPr lang="en-US" altLang="en-US" sz="2000" dirty="0">
+                <a:solidFill>
+                  <a:srgbClr val="000000"/>
+                </a:solidFill>
+                <a:latin typeface="Ubuntu Mono"/>
+              </a:rPr>
+              <a:t> </a:t>
+            </a:r>
+            <a:r>
+              <a:rPr lang="en-US" altLang="en-US" sz="2000" dirty="0">
+                <a:solidFill>
+                  <a:srgbClr val="555555"/>
+                </a:solidFill>
+                <a:latin typeface="Ubuntu Mono"/>
+              </a:rPr>
+              <a:t>=</a:t>
+            </a:r>
+            <a:r>
+              <a:rPr lang="en-US" altLang="en-US" sz="2000" dirty="0">
+                <a:solidFill>
+                  <a:srgbClr val="000000"/>
+                </a:solidFill>
+                <a:latin typeface="Ubuntu Mono"/>
+              </a:rPr>
+              <a:t> { </a:t>
+            </a:r>
+            <a:r>
+              <a:rPr lang="en-US" altLang="en-US" sz="2000" i="1" dirty="0">
+                <a:solidFill>
+                  <a:srgbClr val="35586C"/>
+                </a:solidFill>
+                <a:latin typeface="Ubuntu Mono"/>
+              </a:rPr>
+              <a:t>// Omitted: methods accessing this[KEY_BUFFER]</a:t>
+            </a:r>
+            <a:r>
+              <a:rPr lang="en-US" altLang="en-US" sz="2000" dirty="0">
+                <a:solidFill>
+                  <a:srgbClr val="000000"/>
+                </a:solidFill>
+                <a:latin typeface="Ubuntu Mono"/>
+              </a:rPr>
+              <a:t> </a:t>
+            </a:r>
+          </a:p>
+          <a:p>
+            <a:pPr marL="0" indent="0" eaLnBrk="0" fontAlgn="base" hangingPunct="0">
+              <a:lnSpc>
+                <a:spcPct val="100000"/>
+              </a:lnSpc>
+              <a:spcBef>
+                <a:spcPct val="0"/>
+              </a:spcBef>
+              <a:spcAft>
+                <a:spcPct val="0"/>
+              </a:spcAft>
+              <a:buNone/>
+            </a:pPr>
+            <a:r>
+              <a:rPr lang="en-US" altLang="en-US" sz="2000" dirty="0">
+                <a:solidFill>
+                  <a:srgbClr val="000000"/>
+                </a:solidFill>
+                <a:latin typeface="Ubuntu Mono"/>
+              </a:rPr>
+              <a:t>    //….</a:t>
+            </a:r>
+          </a:p>
+          <a:p>
+            <a:pPr marL="0" indent="0" eaLnBrk="0" fontAlgn="base" hangingPunct="0">
+              <a:lnSpc>
+                <a:spcPct val="100000"/>
+              </a:lnSpc>
+              <a:spcBef>
+                <a:spcPct val="0"/>
+              </a:spcBef>
+              <a:spcAft>
+                <a:spcPct val="0"/>
+              </a:spcAft>
+              <a:buNone/>
+            </a:pPr>
+            <a:r>
+              <a:rPr lang="en-US" altLang="en-US" sz="2000" dirty="0">
+                <a:solidFill>
+                  <a:srgbClr val="000000"/>
+                </a:solidFill>
+                <a:latin typeface="Ubuntu Mono"/>
+              </a:rPr>
+              <a:t>    }; </a:t>
+            </a:r>
+          </a:p>
+          <a:p>
+            <a:pPr marL="0" indent="0" eaLnBrk="0" fontAlgn="base" hangingPunct="0">
+              <a:lnSpc>
+                <a:spcPct val="100000"/>
+              </a:lnSpc>
+              <a:spcBef>
+                <a:spcPct val="0"/>
+              </a:spcBef>
+              <a:spcAft>
+                <a:spcPct val="0"/>
+              </a:spcAft>
+              <a:buNone/>
+            </a:pPr>
+            <a:endParaRPr lang="en-US" altLang="en-US" sz="2000" dirty="0">
+              <a:solidFill>
+                <a:srgbClr val="000000"/>
+              </a:solidFill>
+              <a:latin typeface="Ubuntu Mono"/>
+            </a:endParaRPr>
+          </a:p>
+          <a:p>
+            <a:pPr marL="0" indent="0" eaLnBrk="0" fontAlgn="base" hangingPunct="0">
+              <a:lnSpc>
+                <a:spcPct val="100000"/>
+              </a:lnSpc>
+              <a:spcBef>
+                <a:spcPct val="0"/>
+              </a:spcBef>
+              <a:spcAft>
+                <a:spcPct val="0"/>
+              </a:spcAft>
+              <a:buNone/>
+            </a:pPr>
+            <a:r>
+              <a:rPr lang="en-US" altLang="en-US" sz="2000" b="1" dirty="0">
+                <a:solidFill>
+                  <a:srgbClr val="006699"/>
+                </a:solidFill>
+                <a:latin typeface="Ubuntu Mono"/>
+              </a:rPr>
+              <a:t>    return</a:t>
+            </a:r>
+            <a:r>
+              <a:rPr lang="en-US" altLang="en-US" sz="2000" dirty="0">
+                <a:solidFill>
+                  <a:srgbClr val="000000"/>
+                </a:solidFill>
+                <a:latin typeface="Ubuntu Mono"/>
+              </a:rPr>
+              <a:t> </a:t>
+            </a:r>
+            <a:r>
+              <a:rPr lang="en-US" altLang="en-US" sz="2000" dirty="0" err="1">
+                <a:solidFill>
+                  <a:srgbClr val="000088"/>
+                </a:solidFill>
+                <a:latin typeface="Ubuntu Mono"/>
+              </a:rPr>
+              <a:t>StringBuilder</a:t>
+            </a:r>
+            <a:r>
+              <a:rPr lang="en-US" altLang="en-US" sz="2000" dirty="0">
+                <a:solidFill>
+                  <a:srgbClr val="000000"/>
+                </a:solidFill>
+                <a:latin typeface="Ubuntu Mono"/>
+              </a:rPr>
+              <a:t>; </a:t>
+            </a:r>
+          </a:p>
+          <a:p>
+            <a:pPr marL="0" indent="0" eaLnBrk="0" fontAlgn="base" hangingPunct="0">
+              <a:lnSpc>
+                <a:spcPct val="100000"/>
+              </a:lnSpc>
+              <a:spcBef>
+                <a:spcPct val="0"/>
+              </a:spcBef>
+              <a:spcAft>
+                <a:spcPct val="0"/>
+              </a:spcAft>
+              <a:buNone/>
+            </a:pPr>
+            <a:r>
+              <a:rPr lang="en-US" altLang="en-US" sz="2000" dirty="0">
+                <a:solidFill>
+                  <a:srgbClr val="000000"/>
+                </a:solidFill>
+                <a:latin typeface="Ubuntu Mono"/>
+              </a:rPr>
+              <a:t>}(); </a:t>
+            </a:r>
+            <a:r>
+              <a:rPr lang="en-US" altLang="en-US" sz="2000" i="1" dirty="0">
+                <a:solidFill>
+                  <a:srgbClr val="35586C"/>
+                </a:solidFill>
+                <a:latin typeface="Ubuntu Mono"/>
+              </a:rPr>
+              <a:t>// close IIFE</a:t>
+            </a:r>
+            <a:r>
+              <a:rPr lang="en-US" altLang="en-US" sz="2000" dirty="0"/>
+              <a:t> </a:t>
+            </a:r>
+            <a:endParaRPr lang="en-US" altLang="en-US" sz="2000" dirty="0">
+              <a:latin typeface="Arial" panose="020B0604020202020204" pitchFamily="34" charset="0"/>
+            </a:endParaRPr>
+          </a:p>
+        </p:txBody>
+      </p:sp>
+    </p:spTree>
+    <p:extLst>
+      <p:ext uri="{BB962C8B-B14F-4D97-AF65-F5344CB8AC3E}">
+        <p14:creationId xmlns:p14="http://schemas.microsoft.com/office/powerpoint/2010/main" val="2998229706"/>
+      </p:ext>
+    </p:extLst>
+  </p:cSld>
+  <p:clrMapOvr>
+    <a:masterClrMapping/>
+  </p:clrMapOvr>
+  <p:timing>
+    <p:tnLst>
+      <p:par>
+        <p:cTn id="1" dur="indefinite" restart="never" nodeType="tmRoot"/>
+      </p:par>
+    </p:tnLst>
+  </p:timing>
+</p:sld>
+</file>
+
+<file path=ppt/slides/slide48.xml><?xml version="1.0" encoding="utf-8"?>
+<p:sld xmlns:a="http://schemas.openxmlformats.org/drawingml/2006/main" xmlns:r="http://schemas.openxmlformats.org/officeDocument/2006/relationships" xmlns:p="http://schemas.openxmlformats.org/presentationml/2006/main">
+  <p:cSld>
+    <p:spTree>
+      <p:nvGrpSpPr>
+        <p:cNvPr id="1" name=""/>
+        <p:cNvGrpSpPr/>
+        <p:nvPr/>
+      </p:nvGrpSpPr>
+      <p:grpSpPr>
+        <a:xfrm>
+          <a:off x="0" y="0"/>
+          <a:ext cx="0" cy="0"/>
+          <a:chOff x="0" y="0"/>
+          <a:chExt cx="0" cy="0"/>
+        </a:xfrm>
+      </p:grpSpPr>
+      <p:sp>
+        <p:nvSpPr>
+          <p:cNvPr id="2" name="Title 1"/>
+          <p:cNvSpPr>
+            <a:spLocks noGrp="1"/>
+          </p:cNvSpPr>
+          <p:nvPr>
+            <p:ph type="title"/>
+          </p:nvPr>
+        </p:nvSpPr>
+        <p:spPr>
+          <a:xfrm>
+            <a:off x="2207568" y="116632"/>
+            <a:ext cx="8229600" cy="1143000"/>
+          </a:xfrm>
+        </p:spPr>
+        <p:txBody>
+          <a:bodyPr>
+            <a:normAutofit/>
+          </a:bodyPr>
+          <a:lstStyle/>
+          <a:p>
+            <a:r>
+              <a:rPr lang="en-US" sz="3200" dirty="0"/>
+              <a:t>4. Attaching data to a method </a:t>
+            </a:r>
+          </a:p>
+        </p:txBody>
+      </p:sp>
+      <p:sp>
+        <p:nvSpPr>
+          <p:cNvPr id="4" name="Rectangle 1"/>
+          <p:cNvSpPr>
+            <a:spLocks noGrp="1" noChangeArrowheads="1"/>
+          </p:cNvSpPr>
+          <p:nvPr>
+            <p:ph idx="1"/>
+          </p:nvPr>
+        </p:nvSpPr>
+        <p:spPr bwMode="auto">
+          <a:xfrm>
+            <a:off x="1994198" y="1628800"/>
+            <a:ext cx="5370060" cy="3077766"/>
+          </a:xfrm>
+          <a:prstGeom prst="rect">
+            <a:avLst/>
+          </a:prstGeom>
+          <a:noFill/>
+          <a:ln>
+            <a:noFill/>
+          </a:ln>
+          <a:effectLst/>
+          <a:extLst>
+            <a:ext uri="{909E8E84-426E-40DD-AFC4-6F175D3DCCD1}">
+              <a14:hiddenFill xmlns:a14="http://schemas.microsoft.com/office/drawing/2010/main">
+                <a:solidFill>
+                  <a:schemeClr val="accent1"/>
+                </a:solidFill>
+              </a14:hiddenFill>
+            </a:ext>
+            <a:ext uri="{91240B29-F687-4F45-9708-019B960494DF}">
+              <a14:hiddenLine xmlns:a14="http://schemas.microsoft.com/office/drawing/2010/main" w="9525">
+                <a:solidFill>
+                  <a:schemeClr val="tx1"/>
+                </a:solidFill>
+                <a:miter lim="800000"/>
+                <a:headEnd/>
+                <a:tailEnd/>
+              </a14:hiddenLine>
+            </a:ext>
+            <a:ext uri="{AF507438-7753-43E0-B8FC-AC1667EBCBE1}">
+              <a14:hiddenEffects xmlns:a14="http://schemas.microsoft.com/office/drawing/2010/main">
+                <a:effectLst>
+                  <a:outerShdw dist="35921" dir="2700000" algn="ctr" rotWithShape="0">
+                    <a:schemeClr val="bg2"/>
+                  </a:outerShdw>
+                </a:effectLst>
+              </a14:hiddenEffects>
+            </a:ext>
+          </a:extLst>
+        </p:spPr>
+        <p:txBody>
+          <a:bodyPr vert="horz" wrap="none" lIns="0" tIns="0" rIns="0" bIns="0" numCol="1" rtlCol="0" anchor="ctr" anchorCtr="0" compatLnSpc="1">
+            <a:prstTxWarp prst="textNoShape">
+              <a:avLst/>
+            </a:prstTxWarp>
+            <a:spAutoFit/>
+          </a:bodyPr>
+          <a:lstStyle/>
+          <a:p>
+            <a:pPr marL="0" indent="0" eaLnBrk="0" fontAlgn="base" hangingPunct="0">
+              <a:lnSpc>
+                <a:spcPct val="100000"/>
+              </a:lnSpc>
+              <a:spcBef>
+                <a:spcPct val="0"/>
+              </a:spcBef>
+              <a:spcAft>
+                <a:spcPct val="0"/>
+              </a:spcAft>
+              <a:buNone/>
+            </a:pPr>
+            <a:r>
+              <a:rPr lang="en-US" altLang="en-US" sz="2000" b="1" dirty="0" err="1">
+                <a:solidFill>
+                  <a:srgbClr val="006699"/>
+                </a:solidFill>
+                <a:latin typeface="Ubuntu Mono"/>
+              </a:rPr>
+              <a:t>var</a:t>
+            </a:r>
+            <a:r>
+              <a:rPr lang="en-US" altLang="en-US" sz="2000" dirty="0">
+                <a:solidFill>
+                  <a:srgbClr val="000000"/>
+                </a:solidFill>
+                <a:latin typeface="Ubuntu Mono"/>
+              </a:rPr>
+              <a:t> </a:t>
+            </a:r>
+            <a:r>
+              <a:rPr lang="en-US" altLang="en-US" sz="2000" dirty="0" err="1">
+                <a:solidFill>
+                  <a:srgbClr val="000088"/>
+                </a:solidFill>
+                <a:latin typeface="Ubuntu Mono"/>
+              </a:rPr>
+              <a:t>obj</a:t>
+            </a:r>
+            <a:r>
+              <a:rPr lang="en-US" altLang="en-US" sz="2000" dirty="0">
+                <a:solidFill>
+                  <a:srgbClr val="000000"/>
+                </a:solidFill>
+                <a:latin typeface="Ubuntu Mono"/>
+              </a:rPr>
+              <a:t> </a:t>
+            </a:r>
+            <a:r>
+              <a:rPr lang="en-US" altLang="en-US" sz="2000" dirty="0">
+                <a:solidFill>
+                  <a:srgbClr val="555555"/>
+                </a:solidFill>
+                <a:latin typeface="Ubuntu Mono"/>
+              </a:rPr>
+              <a:t>=</a:t>
+            </a:r>
+            <a:r>
+              <a:rPr lang="en-US" altLang="en-US" sz="2000" dirty="0">
+                <a:solidFill>
+                  <a:srgbClr val="000000"/>
+                </a:solidFill>
+                <a:latin typeface="Ubuntu Mono"/>
+              </a:rPr>
+              <a:t> {</a:t>
+            </a:r>
+          </a:p>
+          <a:p>
+            <a:pPr marL="0" indent="0" eaLnBrk="0" fontAlgn="base" hangingPunct="0">
+              <a:lnSpc>
+                <a:spcPct val="100000"/>
+              </a:lnSpc>
+              <a:spcBef>
+                <a:spcPct val="0"/>
+              </a:spcBef>
+              <a:spcAft>
+                <a:spcPct val="0"/>
+              </a:spcAft>
+              <a:buNone/>
+            </a:pPr>
+            <a:r>
+              <a:rPr lang="en-US" altLang="en-US" sz="2000" dirty="0">
+                <a:solidFill>
+                  <a:srgbClr val="000088"/>
+                </a:solidFill>
+                <a:latin typeface="Ubuntu Mono"/>
+              </a:rPr>
+              <a:t>    method</a:t>
+            </a:r>
+            <a:r>
+              <a:rPr lang="en-US" altLang="en-US" sz="2000" dirty="0">
+                <a:solidFill>
+                  <a:srgbClr val="555555"/>
+                </a:solidFill>
+                <a:latin typeface="Ubuntu Mono"/>
+              </a:rPr>
+              <a:t>:</a:t>
+            </a:r>
+            <a:r>
+              <a:rPr lang="en-US" altLang="en-US" sz="2000" dirty="0">
+                <a:solidFill>
+                  <a:srgbClr val="000000"/>
+                </a:solidFill>
+                <a:latin typeface="Ubuntu Mono"/>
+              </a:rPr>
+              <a:t> </a:t>
+            </a:r>
+            <a:r>
+              <a:rPr lang="en-US" altLang="en-US" sz="2000" b="1" dirty="0">
+                <a:solidFill>
+                  <a:srgbClr val="006699"/>
+                </a:solidFill>
+                <a:latin typeface="Ubuntu Mono"/>
+              </a:rPr>
+              <a:t>function</a:t>
+            </a:r>
+            <a:r>
+              <a:rPr lang="en-US" altLang="en-US" sz="2000" dirty="0">
+                <a:solidFill>
+                  <a:srgbClr val="000000"/>
+                </a:solidFill>
+                <a:latin typeface="Ubuntu Mono"/>
+              </a:rPr>
+              <a:t> () { </a:t>
+            </a:r>
+            <a:r>
+              <a:rPr lang="en-US" altLang="en-US" sz="2000" i="1" dirty="0">
+                <a:solidFill>
+                  <a:srgbClr val="35586C"/>
+                </a:solidFill>
+                <a:latin typeface="Ubuntu Mono"/>
+              </a:rPr>
+              <a:t>// open IIFE</a:t>
+            </a:r>
+            <a:r>
+              <a:rPr lang="en-US" altLang="en-US" sz="2000" dirty="0">
+                <a:solidFill>
+                  <a:srgbClr val="000000"/>
+                </a:solidFill>
+                <a:latin typeface="Ubuntu Mono"/>
+              </a:rPr>
+              <a:t> </a:t>
+            </a:r>
+          </a:p>
+          <a:p>
+            <a:pPr marL="0" indent="0" eaLnBrk="0" fontAlgn="base" hangingPunct="0">
+              <a:lnSpc>
+                <a:spcPct val="100000"/>
+              </a:lnSpc>
+              <a:spcBef>
+                <a:spcPct val="0"/>
+              </a:spcBef>
+              <a:spcAft>
+                <a:spcPct val="0"/>
+              </a:spcAft>
+              <a:buNone/>
+            </a:pPr>
+            <a:r>
+              <a:rPr lang="en-US" altLang="en-US" sz="2000" dirty="0">
+                <a:solidFill>
+                  <a:srgbClr val="000000"/>
+                </a:solidFill>
+                <a:latin typeface="Ubuntu Mono"/>
+              </a:rPr>
+              <a:t>        </a:t>
+            </a:r>
+            <a:r>
+              <a:rPr lang="en-US" altLang="en-US" sz="2000" i="1" dirty="0">
+                <a:solidFill>
+                  <a:srgbClr val="35586C"/>
+                </a:solidFill>
+                <a:latin typeface="Ubuntu Mono"/>
+              </a:rPr>
+              <a:t>// method-private data</a:t>
+            </a:r>
+            <a:r>
+              <a:rPr lang="en-US" altLang="en-US" sz="2000" dirty="0">
+                <a:solidFill>
+                  <a:srgbClr val="000000"/>
+                </a:solidFill>
+                <a:latin typeface="Ubuntu Mono"/>
+              </a:rPr>
+              <a:t> </a:t>
+            </a:r>
+          </a:p>
+          <a:p>
+            <a:pPr marL="0" indent="0" eaLnBrk="0" fontAlgn="base" hangingPunct="0">
+              <a:lnSpc>
+                <a:spcPct val="100000"/>
+              </a:lnSpc>
+              <a:spcBef>
+                <a:spcPct val="0"/>
+              </a:spcBef>
+              <a:spcAft>
+                <a:spcPct val="0"/>
+              </a:spcAft>
+              <a:buNone/>
+            </a:pPr>
+            <a:r>
+              <a:rPr lang="en-US" altLang="en-US" sz="2000" dirty="0">
+                <a:solidFill>
+                  <a:srgbClr val="000000"/>
+                </a:solidFill>
+                <a:latin typeface="Ubuntu Mono"/>
+              </a:rPr>
+              <a:t>        </a:t>
+            </a:r>
+            <a:r>
+              <a:rPr lang="en-US" altLang="en-US" sz="2000" b="1" dirty="0" err="1">
+                <a:solidFill>
+                  <a:srgbClr val="006699"/>
+                </a:solidFill>
+                <a:latin typeface="Ubuntu Mono"/>
+              </a:rPr>
+              <a:t>var</a:t>
+            </a:r>
+            <a:r>
+              <a:rPr lang="en-US" altLang="en-US" sz="2000" dirty="0">
+                <a:solidFill>
+                  <a:srgbClr val="000000"/>
+                </a:solidFill>
+                <a:latin typeface="Ubuntu Mono"/>
+              </a:rPr>
+              <a:t> </a:t>
+            </a:r>
+            <a:r>
+              <a:rPr lang="en-US" altLang="en-US" sz="2000" dirty="0" err="1">
+                <a:solidFill>
+                  <a:srgbClr val="000088"/>
+                </a:solidFill>
+                <a:latin typeface="Ubuntu Mono"/>
+              </a:rPr>
+              <a:t>invocCount</a:t>
+            </a:r>
+            <a:r>
+              <a:rPr lang="en-US" altLang="en-US" sz="2000" dirty="0">
+                <a:solidFill>
+                  <a:srgbClr val="000000"/>
+                </a:solidFill>
+                <a:latin typeface="Ubuntu Mono"/>
+              </a:rPr>
+              <a:t> </a:t>
+            </a:r>
+            <a:r>
+              <a:rPr lang="en-US" altLang="en-US" sz="2000" dirty="0">
+                <a:solidFill>
+                  <a:srgbClr val="555555"/>
+                </a:solidFill>
+                <a:latin typeface="Ubuntu Mono"/>
+              </a:rPr>
+              <a:t>=</a:t>
+            </a:r>
+            <a:r>
+              <a:rPr lang="en-US" altLang="en-US" sz="2000" dirty="0">
+                <a:solidFill>
+                  <a:srgbClr val="000000"/>
+                </a:solidFill>
+                <a:latin typeface="Ubuntu Mono"/>
+              </a:rPr>
+              <a:t> </a:t>
+            </a:r>
+            <a:r>
+              <a:rPr lang="en-US" altLang="en-US" sz="2000" dirty="0">
+                <a:solidFill>
+                  <a:srgbClr val="FF6600"/>
+                </a:solidFill>
+                <a:latin typeface="Ubuntu Mono"/>
+              </a:rPr>
+              <a:t>0</a:t>
+            </a:r>
+            <a:r>
+              <a:rPr lang="en-US" altLang="en-US" sz="2000" dirty="0">
+                <a:solidFill>
+                  <a:srgbClr val="000000"/>
+                </a:solidFill>
+                <a:latin typeface="Ubuntu Mono"/>
+              </a:rPr>
+              <a:t>; </a:t>
+            </a:r>
+          </a:p>
+          <a:p>
+            <a:pPr marL="0" indent="0" eaLnBrk="0" fontAlgn="base" hangingPunct="0">
+              <a:lnSpc>
+                <a:spcPct val="100000"/>
+              </a:lnSpc>
+              <a:spcBef>
+                <a:spcPct val="0"/>
+              </a:spcBef>
+              <a:spcAft>
+                <a:spcPct val="0"/>
+              </a:spcAft>
+              <a:buNone/>
+            </a:pPr>
+            <a:r>
+              <a:rPr lang="en-US" altLang="en-US" sz="2000" dirty="0">
+                <a:solidFill>
+                  <a:srgbClr val="000000"/>
+                </a:solidFill>
+                <a:latin typeface="Ubuntu Mono"/>
+              </a:rPr>
+              <a:t>        </a:t>
+            </a:r>
+            <a:r>
+              <a:rPr lang="en-US" altLang="en-US" sz="2000" b="1" dirty="0">
+                <a:solidFill>
+                  <a:srgbClr val="006699"/>
+                </a:solidFill>
+                <a:latin typeface="Ubuntu Mono"/>
+              </a:rPr>
+              <a:t>return</a:t>
+            </a:r>
+            <a:r>
+              <a:rPr lang="en-US" altLang="en-US" sz="2000" dirty="0">
+                <a:solidFill>
+                  <a:srgbClr val="000000"/>
+                </a:solidFill>
+                <a:latin typeface="Ubuntu Mono"/>
+              </a:rPr>
+              <a:t> </a:t>
+            </a:r>
+            <a:r>
+              <a:rPr lang="en-US" altLang="en-US" sz="2000" b="1" dirty="0">
+                <a:solidFill>
+                  <a:srgbClr val="006699"/>
+                </a:solidFill>
+                <a:latin typeface="Ubuntu Mono"/>
+              </a:rPr>
+              <a:t>function</a:t>
+            </a:r>
+            <a:r>
+              <a:rPr lang="en-US" altLang="en-US" sz="2000" dirty="0">
+                <a:solidFill>
+                  <a:srgbClr val="000000"/>
+                </a:solidFill>
+                <a:latin typeface="Ubuntu Mono"/>
+              </a:rPr>
+              <a:t> () { </a:t>
+            </a:r>
+          </a:p>
+          <a:p>
+            <a:pPr marL="0" indent="0" eaLnBrk="0" fontAlgn="base" hangingPunct="0">
+              <a:lnSpc>
+                <a:spcPct val="100000"/>
+              </a:lnSpc>
+              <a:spcBef>
+                <a:spcPct val="0"/>
+              </a:spcBef>
+              <a:spcAft>
+                <a:spcPct val="0"/>
+              </a:spcAft>
+              <a:buNone/>
+            </a:pPr>
+            <a:r>
+              <a:rPr lang="en-US" altLang="en-US" sz="2000" dirty="0">
+                <a:solidFill>
+                  <a:srgbClr val="000000"/>
+                </a:solidFill>
+                <a:latin typeface="Ubuntu Mono"/>
+              </a:rPr>
+              <a:t>            </a:t>
+            </a:r>
+            <a:r>
+              <a:rPr lang="en-US" altLang="en-US" sz="2000" dirty="0" err="1">
+                <a:solidFill>
+                  <a:srgbClr val="000088"/>
+                </a:solidFill>
+                <a:latin typeface="Ubuntu Mono"/>
+              </a:rPr>
+              <a:t>invocCount</a:t>
+            </a:r>
+            <a:r>
+              <a:rPr lang="en-US" altLang="en-US" sz="2000" dirty="0">
+                <a:solidFill>
+                  <a:srgbClr val="555555"/>
+                </a:solidFill>
+                <a:latin typeface="Ubuntu Mono"/>
+              </a:rPr>
+              <a:t>++</a:t>
+            </a:r>
+            <a:r>
+              <a:rPr lang="en-US" altLang="en-US" sz="2000" dirty="0">
+                <a:solidFill>
+                  <a:srgbClr val="000000"/>
+                </a:solidFill>
+                <a:latin typeface="Ubuntu Mono"/>
+              </a:rPr>
+              <a:t>; </a:t>
+            </a:r>
+          </a:p>
+          <a:p>
+            <a:pPr marL="0" indent="0" eaLnBrk="0" fontAlgn="base" hangingPunct="0">
+              <a:lnSpc>
+                <a:spcPct val="100000"/>
+              </a:lnSpc>
+              <a:spcBef>
+                <a:spcPct val="0"/>
+              </a:spcBef>
+              <a:spcAft>
+                <a:spcPct val="0"/>
+              </a:spcAft>
+              <a:buNone/>
+            </a:pPr>
+            <a:r>
+              <a:rPr lang="en-US" altLang="en-US" sz="2000" dirty="0">
+                <a:solidFill>
+                  <a:srgbClr val="000000"/>
+                </a:solidFill>
+                <a:latin typeface="Ubuntu Mono"/>
+              </a:rPr>
+              <a:t>            </a:t>
+            </a:r>
+            <a:r>
+              <a:rPr lang="en-US" altLang="en-US" sz="2000" dirty="0">
+                <a:solidFill>
+                  <a:srgbClr val="000088"/>
+                </a:solidFill>
+                <a:latin typeface="Ubuntu Mono"/>
+              </a:rPr>
+              <a:t>console</a:t>
+            </a:r>
+            <a:r>
+              <a:rPr lang="en-US" altLang="en-US" sz="2000" dirty="0">
+                <a:solidFill>
+                  <a:srgbClr val="000000"/>
+                </a:solidFill>
+                <a:latin typeface="Ubuntu Mono"/>
+              </a:rPr>
+              <a:t>.</a:t>
+            </a:r>
+            <a:r>
+              <a:rPr lang="en-US" altLang="en-US" sz="2000" dirty="0">
+                <a:solidFill>
+                  <a:srgbClr val="000088"/>
+                </a:solidFill>
+                <a:latin typeface="Ubuntu Mono"/>
+              </a:rPr>
+              <a:t>log</a:t>
+            </a:r>
+            <a:r>
+              <a:rPr lang="en-US" altLang="en-US" sz="2000" dirty="0">
+                <a:solidFill>
+                  <a:srgbClr val="000000"/>
+                </a:solidFill>
+                <a:latin typeface="Ubuntu Mono"/>
+              </a:rPr>
+              <a:t>(</a:t>
+            </a:r>
+            <a:r>
+              <a:rPr lang="en-US" altLang="en-US" sz="2000" dirty="0">
+                <a:solidFill>
+                  <a:srgbClr val="CC3300"/>
+                </a:solidFill>
+                <a:latin typeface="Ubuntu Mono"/>
+              </a:rPr>
+              <a:t>'Invocation #'</a:t>
+            </a:r>
+            <a:r>
+              <a:rPr lang="en-US" altLang="en-US" sz="2000" dirty="0">
+                <a:solidFill>
+                  <a:srgbClr val="555555"/>
+                </a:solidFill>
+                <a:latin typeface="Ubuntu Mono"/>
+              </a:rPr>
+              <a:t>+</a:t>
+            </a:r>
+            <a:r>
+              <a:rPr lang="en-US" altLang="en-US" sz="2000" dirty="0" err="1">
+                <a:solidFill>
+                  <a:srgbClr val="000088"/>
+                </a:solidFill>
+                <a:latin typeface="Ubuntu Mono"/>
+              </a:rPr>
+              <a:t>invocCount</a:t>
+            </a:r>
+            <a:r>
+              <a:rPr lang="en-US" altLang="en-US" sz="2000" dirty="0">
+                <a:solidFill>
+                  <a:srgbClr val="000000"/>
+                </a:solidFill>
+                <a:latin typeface="Ubuntu Mono"/>
+              </a:rPr>
+              <a:t>); </a:t>
+            </a:r>
+          </a:p>
+          <a:p>
+            <a:pPr marL="0" indent="0" eaLnBrk="0" fontAlgn="base" hangingPunct="0">
+              <a:lnSpc>
+                <a:spcPct val="100000"/>
+              </a:lnSpc>
+              <a:spcBef>
+                <a:spcPct val="0"/>
+              </a:spcBef>
+              <a:spcAft>
+                <a:spcPct val="0"/>
+              </a:spcAft>
+              <a:buNone/>
+            </a:pPr>
+            <a:r>
+              <a:rPr lang="en-US" altLang="en-US" sz="2000" dirty="0">
+                <a:solidFill>
+                  <a:srgbClr val="000000"/>
+                </a:solidFill>
+                <a:latin typeface="Ubuntu Mono"/>
+              </a:rPr>
+              <a:t>            </a:t>
+            </a:r>
+            <a:r>
+              <a:rPr lang="en-US" altLang="en-US" sz="2000" b="1" dirty="0">
+                <a:solidFill>
+                  <a:srgbClr val="006699"/>
+                </a:solidFill>
+                <a:latin typeface="Ubuntu Mono"/>
+              </a:rPr>
+              <a:t>return</a:t>
+            </a:r>
+            <a:r>
+              <a:rPr lang="en-US" altLang="en-US" sz="2000" dirty="0">
+                <a:solidFill>
+                  <a:srgbClr val="000000"/>
+                </a:solidFill>
+                <a:latin typeface="Ubuntu Mono"/>
+              </a:rPr>
+              <a:t> </a:t>
+            </a:r>
+            <a:r>
+              <a:rPr lang="en-US" altLang="en-US" sz="2000" dirty="0">
+                <a:solidFill>
+                  <a:srgbClr val="CC3300"/>
+                </a:solidFill>
+                <a:latin typeface="Ubuntu Mono"/>
+              </a:rPr>
+              <a:t>'result'</a:t>
+            </a:r>
+            <a:r>
+              <a:rPr lang="en-US" altLang="en-US" sz="2000" dirty="0">
+                <a:solidFill>
+                  <a:srgbClr val="000000"/>
+                </a:solidFill>
+                <a:latin typeface="Ubuntu Mono"/>
+              </a:rPr>
+              <a:t>; }; </a:t>
+            </a:r>
+          </a:p>
+          <a:p>
+            <a:pPr marL="0" indent="0" eaLnBrk="0" fontAlgn="base" hangingPunct="0">
+              <a:lnSpc>
+                <a:spcPct val="100000"/>
+              </a:lnSpc>
+              <a:spcBef>
+                <a:spcPct val="0"/>
+              </a:spcBef>
+              <a:spcAft>
+                <a:spcPct val="0"/>
+              </a:spcAft>
+              <a:buNone/>
+            </a:pPr>
+            <a:r>
+              <a:rPr lang="en-US" altLang="en-US" sz="2000" dirty="0">
+                <a:solidFill>
+                  <a:srgbClr val="000000"/>
+                </a:solidFill>
+                <a:latin typeface="Ubuntu Mono"/>
+              </a:rPr>
+              <a:t>     }() </a:t>
+            </a:r>
+            <a:r>
+              <a:rPr lang="en-US" altLang="en-US" sz="2000" i="1" dirty="0">
+                <a:solidFill>
+                  <a:srgbClr val="35586C"/>
+                </a:solidFill>
+                <a:latin typeface="Ubuntu Mono"/>
+              </a:rPr>
+              <a:t>// close IIFE</a:t>
+            </a:r>
+            <a:r>
+              <a:rPr lang="en-US" altLang="en-US" sz="2000" dirty="0">
+                <a:solidFill>
+                  <a:srgbClr val="000000"/>
+                </a:solidFill>
+                <a:latin typeface="Ubuntu Mono"/>
+              </a:rPr>
+              <a:t> </a:t>
+            </a:r>
+          </a:p>
+          <a:p>
+            <a:pPr marL="0" indent="0" eaLnBrk="0" fontAlgn="base" hangingPunct="0">
+              <a:lnSpc>
+                <a:spcPct val="100000"/>
+              </a:lnSpc>
+              <a:spcBef>
+                <a:spcPct val="0"/>
+              </a:spcBef>
+              <a:spcAft>
+                <a:spcPct val="0"/>
+              </a:spcAft>
+              <a:buNone/>
+            </a:pPr>
+            <a:r>
+              <a:rPr lang="en-US" altLang="en-US" sz="2000" dirty="0">
+                <a:solidFill>
+                  <a:srgbClr val="000000"/>
+                </a:solidFill>
+                <a:latin typeface="Ubuntu Mono"/>
+              </a:rPr>
+              <a:t>};</a:t>
+            </a:r>
+            <a:r>
+              <a:rPr lang="en-US" altLang="en-US" sz="2000" dirty="0"/>
+              <a:t> </a:t>
+            </a:r>
+            <a:endParaRPr lang="en-US" altLang="en-US" sz="2000" dirty="0">
+              <a:latin typeface="Arial" panose="020B0604020202020204" pitchFamily="34" charset="0"/>
+            </a:endParaRPr>
+          </a:p>
+        </p:txBody>
+      </p:sp>
+    </p:spTree>
+    <p:extLst>
+      <p:ext uri="{BB962C8B-B14F-4D97-AF65-F5344CB8AC3E}">
+        <p14:creationId xmlns:p14="http://schemas.microsoft.com/office/powerpoint/2010/main" val="1649025231"/>
+      </p:ext>
+    </p:extLst>
+  </p:cSld>
+  <p:clrMapOvr>
+    <a:masterClrMapping/>
+  </p:clrMapOvr>
+  <p:timing>
+    <p:tnLst>
+      <p:par>
+        <p:cTn id="1" dur="indefinite" restart="never" nodeType="tmRoot"/>
+      </p:par>
+    </p:tnLst>
+  </p:timing>
+</p:sld>
+</file>
+
+<file path=ppt/slides/slide49.xml><?xml version="1.0" encoding="utf-8"?>
+<p:sld xmlns:a="http://schemas.openxmlformats.org/drawingml/2006/main" xmlns:r="http://schemas.openxmlformats.org/officeDocument/2006/relationships" xmlns:p="http://schemas.openxmlformats.org/presentationml/2006/main">
+  <p:cSld>
+    <p:spTree>
+      <p:nvGrpSpPr>
+        <p:cNvPr id="1" name=""/>
+        <p:cNvGrpSpPr/>
+        <p:nvPr/>
+      </p:nvGrpSpPr>
+      <p:grpSpPr>
+        <a:xfrm>
+          <a:off x="0" y="0"/>
+          <a:ext cx="0" cy="0"/>
+          <a:chOff x="0" y="0"/>
+          <a:chExt cx="0" cy="0"/>
+        </a:xfrm>
+      </p:grpSpPr>
+      <p:sp>
+        <p:nvSpPr>
+          <p:cNvPr id="2" name="Title 1"/>
+          <p:cNvSpPr>
+            <a:spLocks noGrp="1"/>
+          </p:cNvSpPr>
+          <p:nvPr>
+            <p:ph type="title"/>
+          </p:nvPr>
+        </p:nvSpPr>
         <p:spPr/>
         <p:txBody>
           <a:bodyPr/>
@@ -19650,7 +20024,115 @@
 </p:sld>
 </file>
 
-<file path=ppt/slides/slide48.xml><?xml version="1.0" encoding="utf-8"?>
+<file path=ppt/slides/slide5.xml><?xml version="1.0" encoding="utf-8"?>
+<p:sld xmlns:a="http://schemas.openxmlformats.org/drawingml/2006/main" xmlns:r="http://schemas.openxmlformats.org/officeDocument/2006/relationships" xmlns:p="http://schemas.openxmlformats.org/presentationml/2006/main">
+  <p:cSld>
+    <p:spTree>
+      <p:nvGrpSpPr>
+        <p:cNvPr id="1" name=""/>
+        <p:cNvGrpSpPr/>
+        <p:nvPr/>
+      </p:nvGrpSpPr>
+      <p:grpSpPr>
+        <a:xfrm>
+          <a:off x="0" y="0"/>
+          <a:ext cx="0" cy="0"/>
+          <a:chOff x="0" y="0"/>
+          <a:chExt cx="0" cy="0"/>
+        </a:xfrm>
+      </p:grpSpPr>
+      <p:sp>
+        <p:nvSpPr>
+          <p:cNvPr id="2" name="Title 1"/>
+          <p:cNvSpPr>
+            <a:spLocks noGrp="1"/>
+          </p:cNvSpPr>
+          <p:nvPr>
+            <p:ph type="title"/>
+          </p:nvPr>
+        </p:nvSpPr>
+        <p:spPr/>
+        <p:txBody>
+          <a:bodyPr/>
+          <a:lstStyle/>
+          <a:p>
+            <a:r>
+              <a:rPr lang="en-US" dirty="0" smtClean="0"/>
+              <a:t>Function as normal function</a:t>
+            </a:r>
+            <a:endParaRPr lang="en-US" dirty="0"/>
+          </a:p>
+        </p:txBody>
+      </p:sp>
+      <p:sp>
+        <p:nvSpPr>
+          <p:cNvPr id="3" name="Content Placeholder 2"/>
+          <p:cNvSpPr>
+            <a:spLocks noGrp="1"/>
+          </p:cNvSpPr>
+          <p:nvPr>
+            <p:ph idx="1"/>
+          </p:nvPr>
+        </p:nvSpPr>
+        <p:spPr/>
+        <p:txBody>
+          <a:bodyPr/>
+          <a:lstStyle/>
+          <a:p>
+            <a:pPr marL="0" indent="0">
+              <a:buNone/>
+            </a:pPr>
+            <a:r>
+              <a:rPr lang="en-US" dirty="0" smtClean="0"/>
+              <a:t>function add(a, b) {</a:t>
+            </a:r>
+          </a:p>
+          <a:p>
+            <a:pPr marL="0" indent="0">
+              <a:buNone/>
+            </a:pPr>
+            <a:r>
+              <a:rPr lang="en-US" dirty="0"/>
+              <a:t> </a:t>
+            </a:r>
+            <a:r>
+              <a:rPr lang="en-US" dirty="0" smtClean="0"/>
+              <a:t>   return a + b;</a:t>
+            </a:r>
+          </a:p>
+          <a:p>
+            <a:pPr marL="0" indent="0">
+              <a:buNone/>
+            </a:pPr>
+            <a:r>
+              <a:rPr lang="en-US" dirty="0" smtClean="0"/>
+              <a:t>}</a:t>
+            </a:r>
+            <a:endParaRPr lang="en-US" dirty="0"/>
+          </a:p>
+        </p:txBody>
+      </p:sp>
+    </p:spTree>
+    <p:extLst>
+      <p:ext uri="{BB962C8B-B14F-4D97-AF65-F5344CB8AC3E}">
+        <p14:creationId xmlns:p14="http://schemas.microsoft.com/office/powerpoint/2010/main" val="1001232260"/>
+      </p:ext>
+    </p:extLst>
+  </p:cSld>
+  <p:clrMapOvr>
+    <a:masterClrMapping/>
+  </p:clrMapOvr>
+  <p:timing>
+    <p:tnLst>
+      <p:par>
+        <p:cTn id="1" dur="indefinite" restart="never" nodeType="tmRoot"/>
+      </p:par>
+    </p:tnLst>
+  </p:timing>
+</p:sld>
+</file>
+
+<file path=ppt/slides/slide50.xml><?xml version="1.0" encoding="utf-8"?>
 <p:sld xmlns:a="http://schemas.openxmlformats.org/drawingml/2006/main" xmlns:r="http://schemas.openxmlformats.org/officeDocument/2006/relationships" xmlns:p="http://schemas.openxmlformats.org/presentationml/2006/main">
   <p:cSld>
     <p:spTree>
@@ -20181,7 +20663,7 @@
 </p:sld>
 </file>
 
-<file path=ppt/slides/slide49.xml><?xml version="1.0" encoding="utf-8"?>
+<file path=ppt/slides/slide51.xml><?xml version="1.0" encoding="utf-8"?>
 <p:sld xmlns:a="http://schemas.openxmlformats.org/drawingml/2006/main" xmlns:r="http://schemas.openxmlformats.org/officeDocument/2006/relationships" xmlns:p="http://schemas.openxmlformats.org/presentationml/2006/main">
   <p:cSld>
     <p:spTree>
@@ -20274,115 +20756,7 @@
 </p:sld>
 </file>
 
-<file path=ppt/slides/slide5.xml><?xml version="1.0" encoding="utf-8"?>
-<p:sld xmlns:a="http://schemas.openxmlformats.org/drawingml/2006/main" xmlns:r="http://schemas.openxmlformats.org/officeDocument/2006/relationships" xmlns:p="http://schemas.openxmlformats.org/presentationml/2006/main">
-  <p:cSld>
-    <p:spTree>
-      <p:nvGrpSpPr>
-        <p:cNvPr id="1" name=""/>
-        <p:cNvGrpSpPr/>
-        <p:nvPr/>
-      </p:nvGrpSpPr>
-      <p:grpSpPr>
-        <a:xfrm>
-          <a:off x="0" y="0"/>
-          <a:ext cx="0" cy="0"/>
-          <a:chOff x="0" y="0"/>
-          <a:chExt cx="0" cy="0"/>
-        </a:xfrm>
-      </p:grpSpPr>
-      <p:sp>
-        <p:nvSpPr>
-          <p:cNvPr id="2" name="Title 1"/>
-          <p:cNvSpPr>
-            <a:spLocks noGrp="1"/>
-          </p:cNvSpPr>
-          <p:nvPr>
-            <p:ph type="title"/>
-          </p:nvPr>
-        </p:nvSpPr>
-        <p:spPr/>
-        <p:txBody>
-          <a:bodyPr/>
-          <a:lstStyle/>
-          <a:p>
-            <a:r>
-              <a:rPr lang="en-US" dirty="0" smtClean="0"/>
-              <a:t>Function as normal function</a:t>
-            </a:r>
-            <a:endParaRPr lang="en-US" dirty="0"/>
-          </a:p>
-        </p:txBody>
-      </p:sp>
-      <p:sp>
-        <p:nvSpPr>
-          <p:cNvPr id="3" name="Content Placeholder 2"/>
-          <p:cNvSpPr>
-            <a:spLocks noGrp="1"/>
-          </p:cNvSpPr>
-          <p:nvPr>
-            <p:ph idx="1"/>
-          </p:nvPr>
-        </p:nvSpPr>
-        <p:spPr/>
-        <p:txBody>
-          <a:bodyPr/>
-          <a:lstStyle/>
-          <a:p>
-            <a:pPr marL="0" indent="0">
-              <a:buNone/>
-            </a:pPr>
-            <a:r>
-              <a:rPr lang="en-US" dirty="0" smtClean="0"/>
-              <a:t>function add(a, b) {</a:t>
-            </a:r>
-          </a:p>
-          <a:p>
-            <a:pPr marL="0" indent="0">
-              <a:buNone/>
-            </a:pPr>
-            <a:r>
-              <a:rPr lang="en-US" dirty="0"/>
-              <a:t> </a:t>
-            </a:r>
-            <a:r>
-              <a:rPr lang="en-US" dirty="0" smtClean="0"/>
-              <a:t>   return a + b;</a:t>
-            </a:r>
-          </a:p>
-          <a:p>
-            <a:pPr marL="0" indent="0">
-              <a:buNone/>
-            </a:pPr>
-            <a:r>
-              <a:rPr lang="en-US" dirty="0" smtClean="0"/>
-              <a:t>}</a:t>
-            </a:r>
-            <a:endParaRPr lang="en-US" dirty="0"/>
-          </a:p>
-        </p:txBody>
-      </p:sp>
-    </p:spTree>
-    <p:extLst>
-      <p:ext uri="{BB962C8B-B14F-4D97-AF65-F5344CB8AC3E}">
-        <p14:creationId xmlns:p14="http://schemas.microsoft.com/office/powerpoint/2010/main" val="1001232260"/>
-      </p:ext>
-    </p:extLst>
-  </p:cSld>
-  <p:clrMapOvr>
-    <a:masterClrMapping/>
-  </p:clrMapOvr>
-  <p:timing>
-    <p:tnLst>
-      <p:par>
-        <p:cTn id="1" dur="indefinite" restart="never" nodeType="tmRoot"/>
-      </p:par>
-    </p:tnLst>
-  </p:timing>
-</p:sld>
-</file>
-
-<file path=ppt/slides/slide50.xml><?xml version="1.0" encoding="utf-8"?>
+<file path=ppt/slides/slide52.xml><?xml version="1.0" encoding="utf-8"?>
 <p:sld xmlns:a="http://schemas.openxmlformats.org/drawingml/2006/main" xmlns:r="http://schemas.openxmlformats.org/officeDocument/2006/relationships" xmlns:p="http://schemas.openxmlformats.org/presentationml/2006/main">
   <p:cSld>
     <p:spTree>
@@ -20471,7 +20845,7 @@
 </p:sld>
 </file>
 
-<file path=ppt/slides/slide51.xml><?xml version="1.0" encoding="utf-8"?>
+<file path=ppt/slides/slide53.xml><?xml version="1.0" encoding="utf-8"?>
 <p:sld xmlns:a="http://schemas.openxmlformats.org/drawingml/2006/main" xmlns:r="http://schemas.openxmlformats.org/officeDocument/2006/relationships" xmlns:p="http://schemas.openxmlformats.org/presentationml/2006/main">
   <p:cSld>
     <p:spTree>
@@ -20578,7 +20952,7 @@
 </p:sld>
 </file>
 
-<file path=ppt/slides/slide52.xml><?xml version="1.0" encoding="utf-8"?>
+<file path=ppt/slides/slide54.xml><?xml version="1.0" encoding="utf-8"?>
 <p:sld xmlns:a="http://schemas.openxmlformats.org/drawingml/2006/main" xmlns:r="http://schemas.openxmlformats.org/officeDocument/2006/relationships" xmlns:p="http://schemas.openxmlformats.org/presentationml/2006/main">
   <p:cSld>
     <p:spTree>
@@ -20685,7 +21059,7 @@
 </p:sld>
 </file>
 
-<file path=ppt/slides/slide53.xml><?xml version="1.0" encoding="utf-8"?>
+<file path=ppt/slides/slide55.xml><?xml version="1.0" encoding="utf-8"?>
 <p:sld xmlns:a="http://schemas.openxmlformats.org/drawingml/2006/main" xmlns:r="http://schemas.openxmlformats.org/officeDocument/2006/relationships" xmlns:p="http://schemas.openxmlformats.org/presentationml/2006/main">
   <p:cSld>
     <p:spTree>
@@ -20799,7 +21173,7 @@
 </p:sld>
 </file>
 
-<file path=ppt/slides/slide54.xml><?xml version="1.0" encoding="utf-8"?>
+<file path=ppt/slides/slide56.xml><?xml version="1.0" encoding="utf-8"?>
 <p:sld xmlns:a="http://schemas.openxmlformats.org/drawingml/2006/main" xmlns:r="http://schemas.openxmlformats.org/officeDocument/2006/relationships" xmlns:p="http://schemas.openxmlformats.org/presentationml/2006/main">
   <p:cSld>
     <p:spTree>
@@ -20884,355 +21258,6 @@
 </p:sld>
 </file>
 
-<file path=ppt/slides/slide55.xml><?xml version="1.0" encoding="utf-8"?>
-<p:sld xmlns:a="http://schemas.openxmlformats.org/drawingml/2006/main" xmlns:r="http://schemas.openxmlformats.org/officeDocument/2006/relationships" xmlns:p="http://schemas.openxmlformats.org/presentationml/2006/main">
-  <p:cSld>
-    <p:spTree>
-      <p:nvGrpSpPr>
-        <p:cNvPr id="1" name=""/>
-        <p:cNvGrpSpPr/>
-        <p:nvPr/>
-      </p:nvGrpSpPr>
-      <p:grpSpPr>
-        <a:xfrm>
-          <a:off x="0" y="0"/>
-          <a:ext cx="0" cy="0"/>
-          <a:chOff x="0" y="0"/>
-          <a:chExt cx="0" cy="0"/>
-        </a:xfrm>
-      </p:grpSpPr>
-      <p:sp>
-        <p:nvSpPr>
-          <p:cNvPr id="2" name="Заголовок 1"/>
-          <p:cNvSpPr>
-            <a:spLocks noGrp="1"/>
-          </p:cNvSpPr>
-          <p:nvPr>
-            <p:ph type="ctrTitle"/>
-          </p:nvPr>
-        </p:nvSpPr>
-        <p:spPr>
-          <a:xfrm>
-            <a:off x="2166910" y="142852"/>
-            <a:ext cx="7772400" cy="528640"/>
-          </a:xfrm>
-        </p:spPr>
-        <p:txBody>
-          <a:bodyPr>
-            <a:normAutofit fontScale="90000"/>
-          </a:bodyPr>
-          <a:lstStyle/>
-          <a:p>
-            <a:r>
-              <a:rPr lang="en-US" b="1" dirty="0" smtClean="0"/>
-              <a:t>Duck typing</a:t>
-            </a:r>
-          </a:p>
-        </p:txBody>
-      </p:sp>
-      <p:sp>
-        <p:nvSpPr>
-          <p:cNvPr id="5" name="Rectangle 5"/>
-          <p:cNvSpPr/>
-          <p:nvPr/>
-        </p:nvSpPr>
-        <p:spPr>
-          <a:xfrm>
-            <a:off x="1919536" y="908721"/>
-            <a:ext cx="8352928" cy="3170099"/>
-          </a:xfrm>
-          <a:prstGeom prst="rect">
-            <a:avLst/>
-          </a:prstGeom>
-        </p:spPr>
-        <p:style>
-          <a:lnRef idx="1">
-            <a:schemeClr val="dk1"/>
-          </a:lnRef>
-          <a:fillRef idx="1001">
-            <a:schemeClr val="lt2"/>
-          </a:fillRef>
-          <a:effectRef idx="1">
-            <a:schemeClr val="dk1"/>
-          </a:effectRef>
-          <a:fontRef idx="minor">
-            <a:schemeClr val="dk1"/>
-          </a:fontRef>
-        </p:style>
-        <p:txBody>
-          <a:bodyPr wrap="square">
-            <a:spAutoFit/>
-          </a:bodyPr>
-          <a:lstStyle/>
-          <a:p>
-            <a:r>
-              <a:rPr lang="en-US" sz="2000" b="1" dirty="0" err="1"/>
-              <a:t>var</a:t>
-            </a:r>
-            <a:r>
-              <a:rPr lang="en-US" sz="2000" b="1" dirty="0"/>
-              <a:t> t = {</a:t>
-            </a:r>
-          </a:p>
-          <a:p>
-            <a:pPr lvl="1"/>
-            <a:r>
-              <a:rPr lang="en-US" sz="2000" b="1" dirty="0"/>
-              <a:t>"0": "a",</a:t>
-            </a:r>
-          </a:p>
-          <a:p>
-            <a:pPr lvl="1"/>
-            <a:r>
-              <a:rPr lang="en-US" sz="2000" b="1" dirty="0"/>
-              <a:t>"1": "</a:t>
-            </a:r>
-            <a:r>
-              <a:rPr lang="en-US" sz="2000" b="1" dirty="0" err="1"/>
-              <a:t>ab</a:t>
-            </a:r>
-            <a:r>
-              <a:rPr lang="en-US" sz="2000" b="1" dirty="0"/>
-              <a:t>",</a:t>
-            </a:r>
-          </a:p>
-          <a:p>
-            <a:pPr lvl="1"/>
-            <a:r>
-              <a:rPr lang="en-US" sz="2000" b="1" dirty="0"/>
-              <a:t>"2": "</a:t>
-            </a:r>
-            <a:r>
-              <a:rPr lang="en-US" sz="2000" b="1" dirty="0" err="1"/>
-              <a:t>abc</a:t>
-            </a:r>
-            <a:r>
-              <a:rPr lang="en-US" sz="2000" b="1" dirty="0"/>
-              <a:t>",</a:t>
-            </a:r>
-          </a:p>
-          <a:p>
-            <a:pPr lvl="1"/>
-            <a:r>
-              <a:rPr lang="en-US" sz="2000" b="1" dirty="0"/>
-              <a:t>length: 3</a:t>
-            </a:r>
-          </a:p>
-          <a:p>
-            <a:r>
-              <a:rPr lang="en-US" sz="2000" b="1" dirty="0"/>
-              <a:t>};</a:t>
-            </a:r>
-          </a:p>
-          <a:p>
-            <a:endParaRPr lang="en-US" sz="2000" b="1" dirty="0"/>
-          </a:p>
-          <a:p>
-            <a:endParaRPr lang="en-US" sz="2000" b="1" dirty="0"/>
-          </a:p>
-          <a:p>
-            <a:r>
-              <a:rPr lang="en-US" sz="2000" b="1" dirty="0"/>
-              <a:t>[ ].</a:t>
-            </a:r>
-            <a:r>
-              <a:rPr lang="en-US" sz="2000" b="1" dirty="0" err="1"/>
-              <a:t>push.call</a:t>
-            </a:r>
-            <a:r>
-              <a:rPr lang="en-US" sz="2000" b="1" dirty="0"/>
-              <a:t>(t, "</a:t>
-            </a:r>
-            <a:r>
-              <a:rPr lang="en-US" sz="2000" b="1" dirty="0" err="1"/>
-              <a:t>abcd</a:t>
-            </a:r>
-            <a:r>
-              <a:rPr lang="en-US" sz="2000" b="1" dirty="0"/>
-              <a:t>");</a:t>
-            </a:r>
-          </a:p>
-          <a:p>
-            <a:r>
-              <a:rPr lang="en-US" sz="2000" b="1" dirty="0"/>
-              <a:t>[ ].</a:t>
-            </a:r>
-            <a:r>
-              <a:rPr lang="en-US" sz="2000" b="1" dirty="0" err="1"/>
-              <a:t>join.call</a:t>
-            </a:r>
-            <a:r>
-              <a:rPr lang="en-US" sz="2000" b="1" dirty="0"/>
-              <a:t>(t, " -- ");</a:t>
-            </a:r>
-          </a:p>
-        </p:txBody>
-      </p:sp>
-    </p:spTree>
-    <p:extLst>
-      <p:ext uri="{BB962C8B-B14F-4D97-AF65-F5344CB8AC3E}">
-        <p14:creationId xmlns:p14="http://schemas.microsoft.com/office/powerpoint/2010/main" val="599960344"/>
-      </p:ext>
-    </p:extLst>
-  </p:cSld>
-  <p:clrMapOvr>
-    <a:masterClrMapping/>
-  </p:clrMapOvr>
-  <p:transition/>
-  <p:timing>
-    <p:tnLst>
-      <p:par>
-        <p:cTn id="1" dur="indefinite" restart="never" nodeType="tmRoot"/>
-      </p:par>
-    </p:tnLst>
-  </p:timing>
-</p:sld>
-</file>
-
-<file path=ppt/slides/slide56.xml><?xml version="1.0" encoding="utf-8"?>
-<p:sld xmlns:a="http://schemas.openxmlformats.org/drawingml/2006/main" xmlns:r="http://schemas.openxmlformats.org/officeDocument/2006/relationships" xmlns:p="http://schemas.openxmlformats.org/presentationml/2006/main">
-  <p:cSld>
-    <p:spTree>
-      <p:nvGrpSpPr>
-        <p:cNvPr id="1" name=""/>
-        <p:cNvGrpSpPr/>
-        <p:nvPr/>
-      </p:nvGrpSpPr>
-      <p:grpSpPr>
-        <a:xfrm>
-          <a:off x="0" y="0"/>
-          <a:ext cx="0" cy="0"/>
-          <a:chOff x="0" y="0"/>
-          <a:chExt cx="0" cy="0"/>
-        </a:xfrm>
-      </p:grpSpPr>
-      <p:sp>
-        <p:nvSpPr>
-          <p:cNvPr id="2" name="Заголовок 1"/>
-          <p:cNvSpPr>
-            <a:spLocks noGrp="1"/>
-          </p:cNvSpPr>
-          <p:nvPr>
-            <p:ph type="ctrTitle"/>
-          </p:nvPr>
-        </p:nvSpPr>
-        <p:spPr>
-          <a:xfrm>
-            <a:off x="2166910" y="142852"/>
-            <a:ext cx="7772400" cy="528640"/>
-          </a:xfrm>
-        </p:spPr>
-        <p:txBody>
-          <a:bodyPr>
-            <a:normAutofit fontScale="90000"/>
-          </a:bodyPr>
-          <a:lstStyle/>
-          <a:p>
-            <a:r>
-              <a:rPr lang="en-US" b="1" dirty="0" smtClean="0"/>
-              <a:t>Arguments / apply</a:t>
-            </a:r>
-          </a:p>
-        </p:txBody>
-      </p:sp>
-      <p:sp>
-        <p:nvSpPr>
-          <p:cNvPr id="5" name="Rectangle 5"/>
-          <p:cNvSpPr/>
-          <p:nvPr/>
-        </p:nvSpPr>
-        <p:spPr>
-          <a:xfrm>
-            <a:off x="1919536" y="908721"/>
-            <a:ext cx="8352928" cy="1015663"/>
-          </a:xfrm>
-          <a:prstGeom prst="rect">
-            <a:avLst/>
-          </a:prstGeom>
-        </p:spPr>
-        <p:style>
-          <a:lnRef idx="1">
-            <a:schemeClr val="dk1"/>
-          </a:lnRef>
-          <a:fillRef idx="1001">
-            <a:schemeClr val="lt2"/>
-          </a:fillRef>
-          <a:effectRef idx="1">
-            <a:schemeClr val="dk1"/>
-          </a:effectRef>
-          <a:fontRef idx="minor">
-            <a:schemeClr val="dk1"/>
-          </a:fontRef>
-        </p:style>
-        <p:txBody>
-          <a:bodyPr wrap="square">
-            <a:spAutoFit/>
-          </a:bodyPr>
-          <a:lstStyle/>
-          <a:p>
-            <a:r>
-              <a:rPr lang="en-US" sz="2000" b="1" dirty="0" err="1"/>
-              <a:t>var</a:t>
-            </a:r>
-            <a:r>
-              <a:rPr lang="en-US" sz="2000" b="1" dirty="0"/>
-              <a:t> array = [1,2,368,10,45];</a:t>
-            </a:r>
-          </a:p>
-          <a:p>
-            <a:endParaRPr lang="en-US" sz="2000" b="1" dirty="0"/>
-          </a:p>
-          <a:p>
-            <a:r>
-              <a:rPr lang="en-US" sz="2000" b="1" dirty="0" err="1"/>
-              <a:t>Math.max.apply</a:t>
-            </a:r>
-            <a:r>
-              <a:rPr lang="en-US" sz="2000" b="1" dirty="0"/>
-              <a:t>(</a:t>
-            </a:r>
-            <a:r>
-              <a:rPr lang="en-US" sz="2000" b="1" dirty="0" err="1"/>
-              <a:t>Math,array</a:t>
-            </a:r>
-            <a:r>
-              <a:rPr lang="en-US" sz="2000" b="1" dirty="0"/>
-              <a:t>); </a:t>
-            </a:r>
-            <a:r>
-              <a:rPr lang="en-US" sz="2000" b="1" dirty="0">
-                <a:solidFill>
-                  <a:schemeClr val="bg1">
-                    <a:lumMod val="50000"/>
-                  </a:schemeClr>
-                </a:solidFill>
-              </a:rPr>
-              <a:t>//368</a:t>
-            </a:r>
-          </a:p>
-        </p:txBody>
-      </p:sp>
-    </p:spTree>
-    <p:extLst>
-      <p:ext uri="{BB962C8B-B14F-4D97-AF65-F5344CB8AC3E}">
-        <p14:creationId xmlns:p14="http://schemas.microsoft.com/office/powerpoint/2010/main" val="3815485606"/>
-      </p:ext>
-    </p:extLst>
-  </p:cSld>
-  <p:clrMapOvr>
-    <a:masterClrMapping/>
-  </p:clrMapOvr>
-  <p:transition/>
-  <p:timing>
-    <p:tnLst>
-      <p:par>
-        <p:cTn id="1" dur="indefinite" restart="never" nodeType="tmRoot"/>
-      </p:par>
-    </p:tnLst>
-  </p:timing>
-</p:sld>
-</file>
-
 <file path=ppt/slides/slide57.xml><?xml version="1.0" encoding="utf-8"?>
 <p:sld xmlns:a="http://schemas.openxmlformats.org/drawingml/2006/main" xmlns:r="http://schemas.openxmlformats.org/officeDocument/2006/relationships" xmlns:p="http://schemas.openxmlformats.org/presentationml/2006/main">
   <p:cSld>
@@ -21273,14 +21298,9 @@
           <a:lstStyle/>
           <a:p>
             <a:r>
-              <a:rPr lang="en-US" b="1" dirty="0"/>
-              <a:t>Solid type-checking function</a:t>
-            </a:r>
-            <a:r>
-              <a:rPr lang="en-US" dirty="0"/>
-              <a:t> </a:t>
-            </a:r>
-            <a:endParaRPr lang="en-US" b="1" dirty="0" smtClean="0"/>
+              <a:rPr lang="en-US" b="1" dirty="0" smtClean="0"/>
+              <a:t>Duck typing</a:t>
+            </a:r>
           </a:p>
         </p:txBody>
       </p:sp>
@@ -21320,109 +21340,104 @@
           <a:lstStyle/>
           <a:p>
             <a:r>
+              <a:rPr lang="en-US" sz="2000" b="1" dirty="0" err="1"/>
+              <a:t>var</a:t>
+            </a:r>
+            <a:r>
               <a:rPr lang="en-US" sz="2000" b="1" dirty="0"/>
-              <a:t>function type(v) {</a:t>
-            </a:r>
-            <a:br>
+              <a:t> t = {</a:t>
+            </a:r>
+          </a:p>
+          <a:p>
+            <a:pPr lvl="1"/>
+            <a:r>
               <a:rPr lang="en-US" sz="2000" b="1" dirty="0"/>
-            </a:br>
+              <a:t>"0": "a",</a:t>
+            </a:r>
+          </a:p>
+          <a:p>
+            <a:pPr lvl="1"/>
             <a:r>
               <a:rPr lang="en-US" sz="2000" b="1" dirty="0"/>
-              <a:t>	if (v === null) { return 'null'; }</a:t>
-            </a:r>
-            <a:br>
+              <a:t>"1": "</a:t>
+            </a:r>
+            <a:r>
+              <a:rPr lang="en-US" sz="2000" b="1" dirty="0" err="1"/>
+              <a:t>ab</a:t>
+            </a:r>
+            <a:r>
               <a:rPr lang="en-US" sz="2000" b="1" dirty="0"/>
-            </a:br>
+              <a:t>",</a:t>
+            </a:r>
+          </a:p>
+          <a:p>
+            <a:pPr lvl="1"/>
             <a:r>
               <a:rPr lang="en-US" sz="2000" b="1" dirty="0"/>
-              <a:t>	if (</a:t>
+              <a:t>"2": "</a:t>
             </a:r>
             <a:r>
               <a:rPr lang="en-US" sz="2000" b="1" dirty="0" err="1"/>
-              <a:t>typeof</a:t>
+              <a:t>abc</a:t>
             </a:r>
             <a:r>
               <a:rPr lang="en-US" sz="2000" b="1" dirty="0"/>
-              <a:t> v </a:t>
-            </a:r>
-            <a:r>
-              <a:rPr lang="en-US" sz="2000" b="1"/>
-              <a:t>=== undefined) </a:t>
-            </a:r>
+              <a:t>",</a:t>
+            </a:r>
+          </a:p>
+          <a:p>
+            <a:pPr lvl="1"/>
             <a:r>
               <a:rPr lang="en-US" sz="2000" b="1" dirty="0"/>
-              <a:t>{ return 'undefined'; }</a:t>
-            </a:r>
-            <a:br>
+              <a:t>length: 3</a:t>
+            </a:r>
+          </a:p>
+          <a:p>
+            <a:r>
               <a:rPr lang="en-US" sz="2000" b="1" dirty="0"/>
-            </a:br>
+              <a:t>};</a:t>
+            </a:r>
+          </a:p>
+          <a:p>
+            <a:endParaRPr lang="en-US" sz="2000" b="1" dirty="0"/>
+          </a:p>
+          <a:p>
+            <a:endParaRPr lang="en-US" sz="2000" b="1" dirty="0"/>
+          </a:p>
+          <a:p>
             <a:r>
               <a:rPr lang="en-US" sz="2000" b="1" dirty="0"/>
-              <a:t>	return </a:t>
+              <a:t>[ ].</a:t>
             </a:r>
             <a:r>
               <a:rPr lang="en-US" sz="2000" b="1" dirty="0" err="1"/>
-              <a:t>Object.prototype.toString.call</a:t>
+              <a:t>push.call</a:t>
             </a:r>
             <a:r>
               <a:rPr lang="en-US" sz="2000" b="1" dirty="0"/>
-              <a:t>(v). slice(8, -1).</a:t>
+              <a:t>(t, "</a:t>
             </a:r>
             <a:r>
               <a:rPr lang="en-US" sz="2000" b="1" dirty="0" err="1"/>
-              <a:t>toLowerCase</a:t>
+              <a:t>abcd</a:t>
             </a:r>
             <a:r>
               <a:rPr lang="en-US" sz="2000" b="1" dirty="0"/>
-              <a:t>();</a:t>
-            </a:r>
-            <a:br>
+              <a:t>");</a:t>
+            </a:r>
+          </a:p>
+          <a:p>
+            <a:r>
               <a:rPr lang="en-US" sz="2000" b="1" dirty="0"/>
-            </a:br>
+              <a:t>[ ].</a:t>
+            </a:r>
+            <a:r>
+              <a:rPr lang="en-US" sz="2000" b="1" dirty="0" err="1"/>
+              <a:t>join.call</a:t>
+            </a:r>
             <a:r>
               <a:rPr lang="en-US" sz="2000" b="1" dirty="0"/>
-              <a:t>}</a:t>
-            </a:r>
-          </a:p>
-          <a:p>
-            <a:r>
-              <a:rPr lang="en-US" sz="2000" b="1" dirty="0"/>
-              <a:t/>
-            </a:r>
-            <a:br>
-              <a:rPr lang="en-US" sz="2000" b="1" dirty="0"/>
-            </a:br>
-            <a:r>
-              <a:rPr lang="en-US" sz="2000" b="1" dirty="0"/>
-              <a:t>type({}); // 'object'</a:t>
-            </a:r>
-            <a:br>
-              <a:rPr lang="en-US" sz="2000" b="1" dirty="0"/>
-            </a:br>
-            <a:r>
-              <a:rPr lang="en-US" sz="2000" b="1" dirty="0"/>
-              <a:t>type([]); // 'array'</a:t>
-            </a:r>
-            <a:br>
-              <a:rPr lang="en-US" sz="2000" b="1" dirty="0"/>
-            </a:br>
-            <a:r>
-              <a:rPr lang="en-US" sz="2000" b="1" dirty="0"/>
-              <a:t>type(333); // 'number' </a:t>
-            </a:r>
-          </a:p>
-          <a:p>
-            <a:r>
-              <a:rPr lang="en-US" sz="2000" b="1" dirty="0"/>
-              <a:t>type(new String(“</a:t>
-            </a:r>
-            <a:r>
-              <a:rPr lang="en-US" sz="2000" b="1" dirty="0" err="1"/>
-              <a:t>str</a:t>
-            </a:r>
-            <a:r>
-              <a:rPr lang="en-US" sz="2000" b="1" dirty="0"/>
-              <a:t>”)); //’string’</a:t>
+              <a:t>(t, " -- ");</a:t>
             </a:r>
           </a:p>
         </p:txBody>
@@ -21430,7 +21445,7 @@
     </p:spTree>
     <p:extLst>
       <p:ext uri="{BB962C8B-B14F-4D97-AF65-F5344CB8AC3E}">
-        <p14:creationId xmlns:p14="http://schemas.microsoft.com/office/powerpoint/2010/main" val="1996862758"/>
+        <p14:creationId xmlns:p14="http://schemas.microsoft.com/office/powerpoint/2010/main" val="599960344"/>
       </p:ext>
     </p:extLst>
   </p:cSld>
@@ -29701,6 +29716,671 @@
     <p:extLst>
       <p:ext uri="{BB962C8B-B14F-4D97-AF65-F5344CB8AC3E}">
         <p14:creationId xmlns:p14="http://schemas.microsoft.com/office/powerpoint/2010/main" val="2122281328"/>
+      </p:ext>
+    </p:extLst>
+  </p:cSld>
+  <p:clrMapOvr>
+    <a:masterClrMapping/>
+  </p:clrMapOvr>
+  <p:timing>
+    <p:tnLst>
+      <p:par>
+        <p:cTn id="1" dur="indefinite" restart="never" nodeType="tmRoot"/>
+      </p:par>
+    </p:tnLst>
+  </p:timing>
+</p:sld>
+</file>
+
+<file path=ppt/slides/slide87.xml><?xml version="1.0" encoding="utf-8"?>
+<p:sld xmlns:a="http://schemas.openxmlformats.org/drawingml/2006/main" xmlns:r="http://schemas.openxmlformats.org/officeDocument/2006/relationships" xmlns:p="http://schemas.openxmlformats.org/presentationml/2006/main">
+  <p:cSld>
+    <p:spTree>
+      <p:nvGrpSpPr>
+        <p:cNvPr id="1" name=""/>
+        <p:cNvGrpSpPr/>
+        <p:nvPr/>
+      </p:nvGrpSpPr>
+      <p:grpSpPr>
+        <a:xfrm>
+          <a:off x="0" y="0"/>
+          <a:ext cx="0" cy="0"/>
+          <a:chOff x="0" y="0"/>
+          <a:chExt cx="0" cy="0"/>
+        </a:xfrm>
+      </p:grpSpPr>
+      <p:sp>
+        <p:nvSpPr>
+          <p:cNvPr id="2" name="Title 1"/>
+          <p:cNvSpPr>
+            <a:spLocks noGrp="1"/>
+          </p:cNvSpPr>
+          <p:nvPr>
+            <p:ph type="title"/>
+          </p:nvPr>
+        </p:nvSpPr>
+        <p:spPr/>
+        <p:txBody>
+          <a:bodyPr/>
+          <a:lstStyle/>
+          <a:p>
+            <a:r>
+              <a:rPr lang="en-US" dirty="0" smtClean="0"/>
+              <a:t>Function bind</a:t>
+            </a:r>
+            <a:endParaRPr lang="en-US" dirty="0"/>
+          </a:p>
+        </p:txBody>
+      </p:sp>
+      <p:sp>
+        <p:nvSpPr>
+          <p:cNvPr id="4" name="Rectangle 1"/>
+          <p:cNvSpPr>
+            <a:spLocks noGrp="1" noChangeArrowheads="1"/>
+          </p:cNvSpPr>
+          <p:nvPr>
+            <p:ph idx="1"/>
+          </p:nvPr>
+        </p:nvSpPr>
+        <p:spPr bwMode="auto">
+          <a:prstGeom prst="rect">
+            <a:avLst/>
+          </a:prstGeom>
+          <a:noFill/>
+          <a:ln>
+            <a:noFill/>
+          </a:ln>
+          <a:effectLst/>
+          <a:extLst>
+            <a:ext uri="{909E8E84-426E-40DD-AFC4-6F175D3DCCD1}">
+              <a14:hiddenFill xmlns:a14="http://schemas.microsoft.com/office/drawing/2010/main">
+                <a:solidFill>
+                  <a:schemeClr val="accent1"/>
+                </a:solidFill>
+              </a14:hiddenFill>
+            </a:ext>
+            <a:ext uri="{91240B29-F687-4F45-9708-019B960494DF}">
+              <a14:hiddenLine xmlns:a14="http://schemas.microsoft.com/office/drawing/2010/main" w="9525">
+                <a:solidFill>
+                  <a:schemeClr val="tx1"/>
+                </a:solidFill>
+                <a:miter lim="800000"/>
+                <a:headEnd/>
+                <a:tailEnd/>
+              </a14:hiddenLine>
+            </a:ext>
+            <a:ext uri="{AF507438-7753-43E0-B8FC-AC1667EBCBE1}">
+              <a14:hiddenEffects xmlns:a14="http://schemas.microsoft.com/office/drawing/2010/main">
+                <a:effectLst>
+                  <a:outerShdw dist="35921" dir="2700000" algn="ctr" rotWithShape="0">
+                    <a:schemeClr val="bg2"/>
+                  </a:outerShdw>
+                </a:effectLst>
+              </a14:hiddenEffects>
+            </a:ext>
+          </a:extLst>
+        </p:spPr>
+        <p:txBody>
+          <a:bodyPr vert="horz" wrap="none" lIns="0" tIns="0" rIns="0" bIns="0" numCol="1" anchor="ctr" anchorCtr="0" compatLnSpc="1">
+            <a:prstTxWarp prst="textNoShape">
+              <a:avLst/>
+            </a:prstTxWarp>
+            <a:spAutoFit/>
+          </a:bodyPr>
+          <a:lstStyle/>
+          <a:p>
+            <a:pPr marL="0" marR="0" lvl="0" indent="0" algn="l" defTabSz="914400" rtl="0" eaLnBrk="0" fontAlgn="base" latinLnBrk="0" hangingPunct="0">
+              <a:lnSpc>
+                <a:spcPct val="100000"/>
+              </a:lnSpc>
+              <a:spcBef>
+                <a:spcPct val="0"/>
+              </a:spcBef>
+              <a:spcAft>
+                <a:spcPct val="0"/>
+              </a:spcAft>
+              <a:buClrTx/>
+              <a:buSzTx/>
+              <a:buFontTx/>
+              <a:buNone/>
+              <a:tabLst/>
+            </a:pPr>
+            <a:r>
+              <a:rPr kumimoji="0" lang="en-US" altLang="en-US" sz="900" b="1" i="0" u="none" strike="noStrike" cap="none" normalizeH="0" baseline="0" smtClean="0">
+                <a:ln>
+                  <a:noFill/>
+                </a:ln>
+                <a:solidFill>
+                  <a:srgbClr val="006699"/>
+                </a:solidFill>
+                <a:effectLst/>
+                <a:latin typeface="Ubuntu Mono"/>
+              </a:rPr>
+              <a:t>function</a:t>
+            </a:r>
+            <a:r>
+              <a:rPr kumimoji="0" lang="en-US" altLang="en-US" sz="900" b="0" i="0" u="none" strike="noStrike" cap="none" normalizeH="0" baseline="0" smtClean="0">
+                <a:ln>
+                  <a:noFill/>
+                </a:ln>
+                <a:solidFill>
+                  <a:srgbClr val="000000"/>
+                </a:solidFill>
+                <a:effectLst/>
+                <a:latin typeface="Ubuntu Mono"/>
+              </a:rPr>
+              <a:t> </a:t>
+            </a:r>
+            <a:r>
+              <a:rPr kumimoji="0" lang="en-US" altLang="en-US" sz="900" b="0" i="0" u="none" strike="noStrike" cap="none" normalizeH="0" baseline="0" smtClean="0">
+                <a:ln>
+                  <a:noFill/>
+                </a:ln>
+                <a:solidFill>
+                  <a:srgbClr val="000088"/>
+                </a:solidFill>
+                <a:effectLst/>
+                <a:latin typeface="Ubuntu Mono"/>
+              </a:rPr>
+              <a:t>add</a:t>
+            </a:r>
+            <a:r>
+              <a:rPr kumimoji="0" lang="en-US" altLang="en-US" sz="900" b="0" i="0" u="none" strike="noStrike" cap="none" normalizeH="0" baseline="0" smtClean="0">
+                <a:ln>
+                  <a:noFill/>
+                </a:ln>
+                <a:solidFill>
+                  <a:srgbClr val="000000"/>
+                </a:solidFill>
+                <a:effectLst/>
+                <a:latin typeface="Ubuntu Mono"/>
+              </a:rPr>
+              <a:t>(</a:t>
+            </a:r>
+            <a:r>
+              <a:rPr kumimoji="0" lang="en-US" altLang="en-US" sz="900" b="0" i="0" u="none" strike="noStrike" cap="none" normalizeH="0" baseline="0" smtClean="0">
+                <a:ln>
+                  <a:noFill/>
+                </a:ln>
+                <a:solidFill>
+                  <a:srgbClr val="000088"/>
+                </a:solidFill>
+                <a:effectLst/>
+                <a:latin typeface="Ubuntu Mono"/>
+              </a:rPr>
+              <a:t>x</a:t>
+            </a:r>
+            <a:r>
+              <a:rPr kumimoji="0" lang="en-US" altLang="en-US" sz="900" b="0" i="0" u="none" strike="noStrike" cap="none" normalizeH="0" baseline="0" smtClean="0">
+                <a:ln>
+                  <a:noFill/>
+                </a:ln>
+                <a:solidFill>
+                  <a:srgbClr val="000000"/>
+                </a:solidFill>
+                <a:effectLst/>
+                <a:latin typeface="Ubuntu Mono"/>
+              </a:rPr>
+              <a:t>, </a:t>
+            </a:r>
+            <a:r>
+              <a:rPr kumimoji="0" lang="en-US" altLang="en-US" sz="900" b="0" i="0" u="none" strike="noStrike" cap="none" normalizeH="0" baseline="0" smtClean="0">
+                <a:ln>
+                  <a:noFill/>
+                </a:ln>
+                <a:solidFill>
+                  <a:srgbClr val="000088"/>
+                </a:solidFill>
+                <a:effectLst/>
+                <a:latin typeface="Ubuntu Mono"/>
+              </a:rPr>
+              <a:t>y</a:t>
+            </a:r>
+            <a:r>
+              <a:rPr kumimoji="0" lang="en-US" altLang="en-US" sz="900" b="0" i="0" u="none" strike="noStrike" cap="none" normalizeH="0" baseline="0" smtClean="0">
+                <a:ln>
+                  <a:noFill/>
+                </a:ln>
+                <a:solidFill>
+                  <a:srgbClr val="000000"/>
+                </a:solidFill>
+                <a:effectLst/>
+                <a:latin typeface="Ubuntu Mono"/>
+              </a:rPr>
+              <a:t>) { </a:t>
+            </a:r>
+            <a:r>
+              <a:rPr kumimoji="0" lang="en-US" altLang="en-US" sz="900" b="1" i="0" u="none" strike="noStrike" cap="none" normalizeH="0" baseline="0" smtClean="0">
+                <a:ln>
+                  <a:noFill/>
+                </a:ln>
+                <a:solidFill>
+                  <a:srgbClr val="006699"/>
+                </a:solidFill>
+                <a:effectLst/>
+                <a:latin typeface="Ubuntu Mono"/>
+              </a:rPr>
+              <a:t>return</a:t>
+            </a:r>
+            <a:r>
+              <a:rPr kumimoji="0" lang="en-US" altLang="en-US" sz="900" b="0" i="0" u="none" strike="noStrike" cap="none" normalizeH="0" baseline="0" smtClean="0">
+                <a:ln>
+                  <a:noFill/>
+                </a:ln>
+                <a:solidFill>
+                  <a:srgbClr val="000000"/>
+                </a:solidFill>
+                <a:effectLst/>
+                <a:latin typeface="Ubuntu Mono"/>
+              </a:rPr>
+              <a:t> </a:t>
+            </a:r>
+            <a:r>
+              <a:rPr kumimoji="0" lang="en-US" altLang="en-US" sz="900" b="0" i="0" u="none" strike="noStrike" cap="none" normalizeH="0" baseline="0" smtClean="0">
+                <a:ln>
+                  <a:noFill/>
+                </a:ln>
+                <a:solidFill>
+                  <a:srgbClr val="000088"/>
+                </a:solidFill>
+                <a:effectLst/>
+                <a:latin typeface="Ubuntu Mono"/>
+              </a:rPr>
+              <a:t>x</a:t>
+            </a:r>
+            <a:r>
+              <a:rPr kumimoji="0" lang="en-US" altLang="en-US" sz="900" b="0" i="0" u="none" strike="noStrike" cap="none" normalizeH="0" baseline="0" smtClean="0">
+                <a:ln>
+                  <a:noFill/>
+                </a:ln>
+                <a:solidFill>
+                  <a:srgbClr val="000000"/>
+                </a:solidFill>
+                <a:effectLst/>
+                <a:latin typeface="Ubuntu Mono"/>
+              </a:rPr>
+              <a:t> </a:t>
+            </a:r>
+            <a:r>
+              <a:rPr kumimoji="0" lang="en-US" altLang="en-US" sz="900" b="0" i="0" u="none" strike="noStrike" cap="none" normalizeH="0" baseline="0" smtClean="0">
+                <a:ln>
+                  <a:noFill/>
+                </a:ln>
+                <a:solidFill>
+                  <a:srgbClr val="555555"/>
+                </a:solidFill>
+                <a:effectLst/>
+                <a:latin typeface="Ubuntu Mono"/>
+              </a:rPr>
+              <a:t>+</a:t>
+            </a:r>
+            <a:r>
+              <a:rPr kumimoji="0" lang="en-US" altLang="en-US" sz="900" b="0" i="0" u="none" strike="noStrike" cap="none" normalizeH="0" baseline="0" smtClean="0">
+                <a:ln>
+                  <a:noFill/>
+                </a:ln>
+                <a:solidFill>
+                  <a:srgbClr val="000000"/>
+                </a:solidFill>
+                <a:effectLst/>
+                <a:latin typeface="Ubuntu Mono"/>
+              </a:rPr>
+              <a:t> </a:t>
+            </a:r>
+            <a:r>
+              <a:rPr kumimoji="0" lang="en-US" altLang="en-US" sz="900" b="0" i="0" u="none" strike="noStrike" cap="none" normalizeH="0" baseline="0" smtClean="0">
+                <a:ln>
+                  <a:noFill/>
+                </a:ln>
+                <a:solidFill>
+                  <a:srgbClr val="000088"/>
+                </a:solidFill>
+                <a:effectLst/>
+                <a:latin typeface="Ubuntu Mono"/>
+              </a:rPr>
+              <a:t>y</a:t>
+            </a:r>
+            <a:r>
+              <a:rPr kumimoji="0" lang="en-US" altLang="en-US" sz="900" b="0" i="0" u="none" strike="noStrike" cap="none" normalizeH="0" baseline="0" smtClean="0">
+                <a:ln>
+                  <a:noFill/>
+                </a:ln>
+                <a:solidFill>
+                  <a:srgbClr val="000000"/>
+                </a:solidFill>
+                <a:effectLst/>
+                <a:latin typeface="Ubuntu Mono"/>
+              </a:rPr>
+              <a:t>; } </a:t>
+            </a:r>
+            <a:r>
+              <a:rPr kumimoji="0" lang="en-US" altLang="en-US" sz="900" b="1" i="0" u="none" strike="noStrike" cap="none" normalizeH="0" baseline="0" smtClean="0">
+                <a:ln>
+                  <a:noFill/>
+                </a:ln>
+                <a:solidFill>
+                  <a:srgbClr val="006699"/>
+                </a:solidFill>
+                <a:effectLst/>
+                <a:latin typeface="Ubuntu Mono"/>
+              </a:rPr>
+              <a:t>var</a:t>
+            </a:r>
+            <a:r>
+              <a:rPr kumimoji="0" lang="en-US" altLang="en-US" sz="900" b="0" i="0" u="none" strike="noStrike" cap="none" normalizeH="0" baseline="0" smtClean="0">
+                <a:ln>
+                  <a:noFill/>
+                </a:ln>
+                <a:solidFill>
+                  <a:srgbClr val="000000"/>
+                </a:solidFill>
+                <a:effectLst/>
+                <a:latin typeface="Ubuntu Mono"/>
+              </a:rPr>
+              <a:t> </a:t>
+            </a:r>
+            <a:r>
+              <a:rPr kumimoji="0" lang="en-US" altLang="en-US" sz="900" b="0" i="0" u="none" strike="noStrike" cap="none" normalizeH="0" baseline="0" smtClean="0">
+                <a:ln>
+                  <a:noFill/>
+                </a:ln>
+                <a:solidFill>
+                  <a:srgbClr val="000088"/>
+                </a:solidFill>
+                <a:effectLst/>
+                <a:latin typeface="Ubuntu Mono"/>
+              </a:rPr>
+              <a:t>plus1</a:t>
+            </a:r>
+            <a:r>
+              <a:rPr kumimoji="0" lang="en-US" altLang="en-US" sz="900" b="0" i="0" u="none" strike="noStrike" cap="none" normalizeH="0" baseline="0" smtClean="0">
+                <a:ln>
+                  <a:noFill/>
+                </a:ln>
+                <a:solidFill>
+                  <a:srgbClr val="000000"/>
+                </a:solidFill>
+                <a:effectLst/>
+                <a:latin typeface="Ubuntu Mono"/>
+              </a:rPr>
+              <a:t> </a:t>
+            </a:r>
+            <a:r>
+              <a:rPr kumimoji="0" lang="en-US" altLang="en-US" sz="900" b="0" i="0" u="none" strike="noStrike" cap="none" normalizeH="0" baseline="0" smtClean="0">
+                <a:ln>
+                  <a:noFill/>
+                </a:ln>
+                <a:solidFill>
+                  <a:srgbClr val="555555"/>
+                </a:solidFill>
+                <a:effectLst/>
+                <a:latin typeface="Ubuntu Mono"/>
+              </a:rPr>
+              <a:t>=</a:t>
+            </a:r>
+            <a:r>
+              <a:rPr kumimoji="0" lang="en-US" altLang="en-US" sz="900" b="0" i="0" u="none" strike="noStrike" cap="none" normalizeH="0" baseline="0" smtClean="0">
+                <a:ln>
+                  <a:noFill/>
+                </a:ln>
+                <a:solidFill>
+                  <a:srgbClr val="000000"/>
+                </a:solidFill>
+                <a:effectLst/>
+                <a:latin typeface="Ubuntu Mono"/>
+              </a:rPr>
+              <a:t> </a:t>
+            </a:r>
+            <a:r>
+              <a:rPr kumimoji="0" lang="en-US" altLang="en-US" sz="900" b="0" i="0" u="none" strike="noStrike" cap="none" normalizeH="0" baseline="0" smtClean="0">
+                <a:ln>
+                  <a:noFill/>
+                </a:ln>
+                <a:solidFill>
+                  <a:srgbClr val="000088"/>
+                </a:solidFill>
+                <a:effectLst/>
+                <a:latin typeface="Ubuntu Mono"/>
+              </a:rPr>
+              <a:t>add</a:t>
+            </a:r>
+            <a:r>
+              <a:rPr kumimoji="0" lang="en-US" altLang="en-US" sz="900" b="0" i="0" u="none" strike="noStrike" cap="none" normalizeH="0" baseline="0" smtClean="0">
+                <a:ln>
+                  <a:noFill/>
+                </a:ln>
+                <a:solidFill>
+                  <a:srgbClr val="000000"/>
+                </a:solidFill>
+                <a:effectLst/>
+                <a:latin typeface="Ubuntu Mono"/>
+              </a:rPr>
+              <a:t>.</a:t>
+            </a:r>
+            <a:r>
+              <a:rPr kumimoji="0" lang="en-US" altLang="en-US" sz="900" b="0" i="0" u="none" strike="noStrike" cap="none" normalizeH="0" baseline="0" smtClean="0">
+                <a:ln>
+                  <a:noFill/>
+                </a:ln>
+                <a:solidFill>
+                  <a:srgbClr val="000088"/>
+                </a:solidFill>
+                <a:effectLst/>
+                <a:latin typeface="Ubuntu Mono"/>
+              </a:rPr>
+              <a:t>bind</a:t>
+            </a:r>
+            <a:r>
+              <a:rPr kumimoji="0" lang="en-US" altLang="en-US" sz="900" b="0" i="0" u="none" strike="noStrike" cap="none" normalizeH="0" baseline="0" smtClean="0">
+                <a:ln>
+                  <a:noFill/>
+                </a:ln>
+                <a:solidFill>
+                  <a:srgbClr val="000000"/>
+                </a:solidFill>
+                <a:effectLst/>
+                <a:latin typeface="Ubuntu Mono"/>
+              </a:rPr>
+              <a:t>(</a:t>
+            </a:r>
+            <a:r>
+              <a:rPr kumimoji="0" lang="en-US" altLang="en-US" sz="900" b="1" i="0" u="none" strike="noStrike" cap="none" normalizeH="0" baseline="0" smtClean="0">
+                <a:ln>
+                  <a:noFill/>
+                </a:ln>
+                <a:solidFill>
+                  <a:srgbClr val="006699"/>
+                </a:solidFill>
+                <a:effectLst/>
+                <a:latin typeface="Ubuntu Mono"/>
+              </a:rPr>
+              <a:t>null</a:t>
+            </a:r>
+            <a:r>
+              <a:rPr kumimoji="0" lang="en-US" altLang="en-US" sz="900" b="0" i="0" u="none" strike="noStrike" cap="none" normalizeH="0" baseline="0" smtClean="0">
+                <a:ln>
+                  <a:noFill/>
+                </a:ln>
+                <a:solidFill>
+                  <a:srgbClr val="000000"/>
+                </a:solidFill>
+                <a:effectLst/>
+                <a:latin typeface="Ubuntu Mono"/>
+              </a:rPr>
+              <a:t>, </a:t>
+            </a:r>
+            <a:r>
+              <a:rPr kumimoji="0" lang="en-US" altLang="en-US" sz="900" b="0" i="0" u="none" strike="noStrike" cap="none" normalizeH="0" baseline="0" smtClean="0">
+                <a:ln>
+                  <a:noFill/>
+                </a:ln>
+                <a:solidFill>
+                  <a:srgbClr val="FF6600"/>
+                </a:solidFill>
+                <a:effectLst/>
+                <a:latin typeface="Ubuntu Mono"/>
+              </a:rPr>
+              <a:t>1</a:t>
+            </a:r>
+            <a:r>
+              <a:rPr kumimoji="0" lang="en-US" altLang="en-US" sz="900" b="0" i="0" u="none" strike="noStrike" cap="none" normalizeH="0" baseline="0" smtClean="0">
+                <a:ln>
+                  <a:noFill/>
+                </a:ln>
+                <a:solidFill>
+                  <a:srgbClr val="000000"/>
+                </a:solidFill>
+                <a:effectLst/>
+                <a:latin typeface="Ubuntu Mono"/>
+              </a:rPr>
+              <a:t>); </a:t>
+            </a:r>
+            <a:r>
+              <a:rPr kumimoji="0" lang="en-US" altLang="en-US" sz="900" b="0" i="0" u="none" strike="noStrike" cap="none" normalizeH="0" baseline="0" smtClean="0">
+                <a:ln>
+                  <a:noFill/>
+                </a:ln>
+                <a:solidFill>
+                  <a:srgbClr val="000088"/>
+                </a:solidFill>
+                <a:effectLst/>
+                <a:latin typeface="Ubuntu Mono"/>
+              </a:rPr>
+              <a:t>console</a:t>
+            </a:r>
+            <a:r>
+              <a:rPr kumimoji="0" lang="en-US" altLang="en-US" sz="900" b="0" i="0" u="none" strike="noStrike" cap="none" normalizeH="0" baseline="0" smtClean="0">
+                <a:ln>
+                  <a:noFill/>
+                </a:ln>
+                <a:solidFill>
+                  <a:srgbClr val="000000"/>
+                </a:solidFill>
+                <a:effectLst/>
+                <a:latin typeface="Ubuntu Mono"/>
+              </a:rPr>
+              <a:t>.</a:t>
+            </a:r>
+            <a:r>
+              <a:rPr kumimoji="0" lang="en-US" altLang="en-US" sz="900" b="0" i="0" u="none" strike="noStrike" cap="none" normalizeH="0" baseline="0" smtClean="0">
+                <a:ln>
+                  <a:noFill/>
+                </a:ln>
+                <a:solidFill>
+                  <a:srgbClr val="000088"/>
+                </a:solidFill>
+                <a:effectLst/>
+                <a:latin typeface="Ubuntu Mono"/>
+              </a:rPr>
+              <a:t>log</a:t>
+            </a:r>
+            <a:r>
+              <a:rPr kumimoji="0" lang="en-US" altLang="en-US" sz="900" b="0" i="0" u="none" strike="noStrike" cap="none" normalizeH="0" baseline="0" smtClean="0">
+                <a:ln>
+                  <a:noFill/>
+                </a:ln>
+                <a:solidFill>
+                  <a:srgbClr val="000000"/>
+                </a:solidFill>
+                <a:effectLst/>
+                <a:latin typeface="Ubuntu Mono"/>
+              </a:rPr>
+              <a:t>(</a:t>
+            </a:r>
+            <a:r>
+              <a:rPr kumimoji="0" lang="en-US" altLang="en-US" sz="900" b="0" i="0" u="none" strike="noStrike" cap="none" normalizeH="0" baseline="0" smtClean="0">
+                <a:ln>
+                  <a:noFill/>
+                </a:ln>
+                <a:solidFill>
+                  <a:srgbClr val="000088"/>
+                </a:solidFill>
+                <a:effectLst/>
+                <a:latin typeface="Ubuntu Mono"/>
+              </a:rPr>
+              <a:t>plus1</a:t>
+            </a:r>
+            <a:r>
+              <a:rPr kumimoji="0" lang="en-US" altLang="en-US" sz="900" b="0" i="0" u="none" strike="noStrike" cap="none" normalizeH="0" baseline="0" smtClean="0">
+                <a:ln>
+                  <a:noFill/>
+                </a:ln>
+                <a:solidFill>
+                  <a:srgbClr val="000000"/>
+                </a:solidFill>
+                <a:effectLst/>
+                <a:latin typeface="Ubuntu Mono"/>
+              </a:rPr>
+              <a:t>(</a:t>
+            </a:r>
+            <a:r>
+              <a:rPr kumimoji="0" lang="en-US" altLang="en-US" sz="900" b="0" i="0" u="none" strike="noStrike" cap="none" normalizeH="0" baseline="0" smtClean="0">
+                <a:ln>
+                  <a:noFill/>
+                </a:ln>
+                <a:solidFill>
+                  <a:srgbClr val="FF6600"/>
+                </a:solidFill>
+                <a:effectLst/>
+                <a:latin typeface="Ubuntu Mono"/>
+              </a:rPr>
+              <a:t>5</a:t>
+            </a:r>
+            <a:r>
+              <a:rPr kumimoji="0" lang="en-US" altLang="en-US" sz="900" b="0" i="0" u="none" strike="noStrike" cap="none" normalizeH="0" baseline="0" smtClean="0">
+                <a:ln>
+                  <a:noFill/>
+                </a:ln>
+                <a:solidFill>
+                  <a:srgbClr val="000000"/>
+                </a:solidFill>
+                <a:effectLst/>
+                <a:latin typeface="Ubuntu Mono"/>
+              </a:rPr>
+              <a:t>)); </a:t>
+            </a:r>
+            <a:r>
+              <a:rPr kumimoji="0" lang="en-US" altLang="en-US" sz="900" b="0" i="1" u="none" strike="noStrike" cap="none" normalizeH="0" baseline="0" smtClean="0">
+                <a:ln>
+                  <a:noFill/>
+                </a:ln>
+                <a:solidFill>
+                  <a:srgbClr val="35586C"/>
+                </a:solidFill>
+                <a:effectLst/>
+                <a:latin typeface="Ubuntu Mono"/>
+              </a:rPr>
+              <a:t>// 6</a:t>
+            </a:r>
+            <a:r>
+              <a:rPr kumimoji="0" lang="en-US" altLang="en-US" sz="800" b="0" i="0" u="none" strike="noStrike" cap="none" normalizeH="0" baseline="0" smtClean="0">
+                <a:ln>
+                  <a:noFill/>
+                </a:ln>
+                <a:solidFill>
+                  <a:schemeClr val="tx1"/>
+                </a:solidFill>
+                <a:effectLst/>
+              </a:rPr>
+              <a:t> </a:t>
+            </a:r>
+            <a:endParaRPr kumimoji="0" lang="en-US" altLang="en-US" sz="1800" b="0" i="0" u="none" strike="noStrike" cap="none" normalizeH="0" baseline="0" smtClean="0">
+              <a:ln>
+                <a:noFill/>
+              </a:ln>
+              <a:solidFill>
+                <a:schemeClr val="tx1"/>
+              </a:solidFill>
+              <a:effectLst/>
+              <a:latin typeface="Arial" panose="020B0604020202020204" pitchFamily="34" charset="0"/>
+            </a:endParaRPr>
+          </a:p>
+        </p:txBody>
+      </p:sp>
+    </p:spTree>
+    <p:extLst>
+      <p:ext uri="{BB962C8B-B14F-4D97-AF65-F5344CB8AC3E}">
+        <p14:creationId xmlns:p14="http://schemas.microsoft.com/office/powerpoint/2010/main" val="3226699352"/>
       </p:ext>
     </p:extLst>
   </p:cSld>
